--- a/docs/企画発表/企画発表.pptx
+++ b/docs/企画発表/企画発表.pptx
@@ -5,10 +5,10 @@
     <p:sldMasterId id="2147483648" r:id="rId4"/>
   </p:sldMasterIdLst>
   <p:notesMasterIdLst>
-    <p:notesMasterId r:id="rId18"/>
+    <p:notesMasterId r:id="rId21"/>
   </p:notesMasterIdLst>
   <p:handoutMasterIdLst>
-    <p:handoutMasterId r:id="rId19"/>
+    <p:handoutMasterId r:id="rId22"/>
   </p:handoutMasterIdLst>
   <p:sldIdLst>
     <p:sldId id="261" r:id="rId5"/>
@@ -17,13 +17,16 @@
     <p:sldId id="266" r:id="rId8"/>
     <p:sldId id="281" r:id="rId9"/>
     <p:sldId id="285" r:id="rId10"/>
-    <p:sldId id="284" r:id="rId11"/>
-    <p:sldId id="286" r:id="rId12"/>
-    <p:sldId id="283" r:id="rId13"/>
-    <p:sldId id="276" r:id="rId14"/>
-    <p:sldId id="274" r:id="rId15"/>
-    <p:sldId id="282" r:id="rId16"/>
-    <p:sldId id="280" r:id="rId17"/>
+    <p:sldId id="287" r:id="rId11"/>
+    <p:sldId id="289" r:id="rId12"/>
+    <p:sldId id="284" r:id="rId13"/>
+    <p:sldId id="286" r:id="rId14"/>
+    <p:sldId id="283" r:id="rId15"/>
+    <p:sldId id="276" r:id="rId16"/>
+    <p:sldId id="274" r:id="rId17"/>
+    <p:sldId id="282" r:id="rId18"/>
+    <p:sldId id="288" r:id="rId19"/>
+    <p:sldId id="280" r:id="rId20"/>
   </p:sldIdLst>
   <p:sldSz cx="12192000" cy="6858000"/>
   <p:notesSz cx="6858000" cy="9144000"/>
@@ -147,7 +150,7 @@
 <file path=ppt/revisionInfo.xml><?xml version="1.0" encoding="utf-8"?>
 <p1510:revInfo xmlns:a="http://schemas.openxmlformats.org/drawingml/2006/main" xmlns:r="http://schemas.openxmlformats.org/officeDocument/2006/relationships" xmlns:p1510="http://schemas.microsoft.com/office/powerpoint/2015/10/main">
   <p1510:revLst>
-    <p1510:client id="{3685F17B-43A0-41A9-AC0B-096124BDB41D}" v="4" dt="2021-05-15T15:34:49.850"/>
+    <p1510:client id="{6A44C071-E8D9-466D-97A8-0C455813FE94}" v="47" dt="2021-05-17T14:24:17.946"/>
   </p1510:revLst>
 </p1510:revInfo>
 </file>
@@ -8979,7 +8982,7 @@
   <pc:docChgLst>
     <pc:chgData name="正元　淳也" userId="ab1cd3a3-b9d9-4be4-9cd8-d64cce588c8d" providerId="ADAL" clId="{6A44C071-E8D9-466D-97A8-0C455813FE94}"/>
     <pc:docChg chg="undo redo custSel addSld delSld modSld sldOrd">
-      <pc:chgData name="正元　淳也" userId="ab1cd3a3-b9d9-4be4-9cd8-d64cce588c8d" providerId="ADAL" clId="{6A44C071-E8D9-466D-97A8-0C455813FE94}" dt="2021-05-10T23:09:33.387" v="3190" actId="5793"/>
+      <pc:chgData name="正元　淳也" userId="ab1cd3a3-b9d9-4be4-9cd8-d64cce588c8d" providerId="ADAL" clId="{6A44C071-E8D9-466D-97A8-0C455813FE94}" dt="2021-05-17T14:30:00.740" v="4832" actId="20577"/>
       <pc:docMkLst>
         <pc:docMk/>
       </pc:docMkLst>
@@ -9053,7 +9056,7 @@
         </pc:spChg>
       </pc:sldChg>
       <pc:sldChg chg="addSp delSp modSp mod modNotesTx">
-        <pc:chgData name="正元　淳也" userId="ab1cd3a3-b9d9-4be4-9cd8-d64cce588c8d" providerId="ADAL" clId="{6A44C071-E8D9-466D-97A8-0C455813FE94}" dt="2021-05-10T22:16:55.106" v="2407" actId="1076"/>
+        <pc:chgData name="正元　淳也" userId="ab1cd3a3-b9d9-4be4-9cd8-d64cce588c8d" providerId="ADAL" clId="{6A44C071-E8D9-466D-97A8-0C455813FE94}" dt="2021-05-17T04:43:00.316" v="3205"/>
         <pc:sldMkLst>
           <pc:docMk/>
           <pc:sldMk cId="1493468359" sldId="271"/>
@@ -9067,7 +9070,7 @@
           </ac:spMkLst>
         </pc:spChg>
         <pc:spChg chg="mod">
-          <ac:chgData name="正元　淳也" userId="ab1cd3a3-b9d9-4be4-9cd8-d64cce588c8d" providerId="ADAL" clId="{6A44C071-E8D9-466D-97A8-0C455813FE94}" dt="2021-05-04T16:36:31.854" v="580" actId="20577"/>
+          <ac:chgData name="正元　淳也" userId="ab1cd3a3-b9d9-4be4-9cd8-d64cce588c8d" providerId="ADAL" clId="{6A44C071-E8D9-466D-97A8-0C455813FE94}" dt="2021-05-17T04:43:00.316" v="3205"/>
           <ac:spMkLst>
             <pc:docMk/>
             <pc:sldMk cId="1493468359" sldId="271"/>
@@ -9153,14 +9156,14 @@
           <pc:sldMk cId="1762858308" sldId="273"/>
         </pc:sldMkLst>
       </pc:sldChg>
-      <pc:sldChg chg="modSp mod">
-        <pc:chgData name="正元　淳也" userId="ab1cd3a3-b9d9-4be4-9cd8-d64cce588c8d" providerId="ADAL" clId="{6A44C071-E8D9-466D-97A8-0C455813FE94}" dt="2021-05-10T23:09:33.387" v="3190" actId="5793"/>
+      <pc:sldChg chg="addSp delSp modSp mod">
+        <pc:chgData name="正元　淳也" userId="ab1cd3a3-b9d9-4be4-9cd8-d64cce588c8d" providerId="ADAL" clId="{6A44C071-E8D9-466D-97A8-0C455813FE94}" dt="2021-05-17T14:06:37.987" v="4443" actId="478"/>
         <pc:sldMkLst>
           <pc:docMk/>
           <pc:sldMk cId="56685521" sldId="274"/>
         </pc:sldMkLst>
         <pc:spChg chg="mod">
-          <ac:chgData name="正元　淳也" userId="ab1cd3a3-b9d9-4be4-9cd8-d64cce588c8d" providerId="ADAL" clId="{6A44C071-E8D9-466D-97A8-0C455813FE94}" dt="2021-05-04T16:54:28.177" v="1864" actId="20577"/>
+          <ac:chgData name="正元　淳也" userId="ab1cd3a3-b9d9-4be4-9cd8-d64cce588c8d" providerId="ADAL" clId="{6A44C071-E8D9-466D-97A8-0C455813FE94}" dt="2021-05-17T13:48:14.532" v="3897" actId="20577"/>
           <ac:spMkLst>
             <pc:docMk/>
             <pc:sldMk cId="56685521" sldId="274"/>
@@ -9168,13 +9171,37 @@
           </ac:spMkLst>
         </pc:spChg>
         <pc:spChg chg="mod">
-          <ac:chgData name="正元　淳也" userId="ab1cd3a3-b9d9-4be4-9cd8-d64cce588c8d" providerId="ADAL" clId="{6A44C071-E8D9-466D-97A8-0C455813FE94}" dt="2021-05-10T23:09:33.387" v="3190" actId="5793"/>
+          <ac:chgData name="正元　淳也" userId="ab1cd3a3-b9d9-4be4-9cd8-d64cce588c8d" providerId="ADAL" clId="{6A44C071-E8D9-466D-97A8-0C455813FE94}" dt="2021-05-17T14:06:25.557" v="4442" actId="20577"/>
           <ac:spMkLst>
             <pc:docMk/>
             <pc:sldMk cId="56685521" sldId="274"/>
             <ac:spMk id="4" creationId="{00000000-0000-0000-0000-000000000000}"/>
           </ac:spMkLst>
         </pc:spChg>
+        <pc:spChg chg="add del mod">
+          <ac:chgData name="正元　淳也" userId="ab1cd3a3-b9d9-4be4-9cd8-d64cce588c8d" providerId="ADAL" clId="{6A44C071-E8D9-466D-97A8-0C455813FE94}" dt="2021-05-17T14:06:37.987" v="4443" actId="478"/>
+          <ac:spMkLst>
+            <pc:docMk/>
+            <pc:sldMk cId="56685521" sldId="274"/>
+            <ac:spMk id="7" creationId="{A3A57813-15E7-477E-BF4E-5F933B30AD0D}"/>
+          </ac:spMkLst>
+        </pc:spChg>
+        <pc:picChg chg="add mod">
+          <ac:chgData name="正元　淳也" userId="ab1cd3a3-b9d9-4be4-9cd8-d64cce588c8d" providerId="ADAL" clId="{6A44C071-E8D9-466D-97A8-0C455813FE94}" dt="2021-05-17T13:43:20.149" v="3760" actId="1076"/>
+          <ac:picMkLst>
+            <pc:docMk/>
+            <pc:sldMk cId="56685521" sldId="274"/>
+            <ac:picMk id="5" creationId="{C49891F7-3FAA-4EA3-BC0E-8BF452084D3D}"/>
+          </ac:picMkLst>
+        </pc:picChg>
+        <pc:picChg chg="add mod">
+          <ac:chgData name="正元　淳也" userId="ab1cd3a3-b9d9-4be4-9cd8-d64cce588c8d" providerId="ADAL" clId="{6A44C071-E8D9-466D-97A8-0C455813FE94}" dt="2021-05-17T13:43:11.738" v="3758" actId="1076"/>
+          <ac:picMkLst>
+            <pc:docMk/>
+            <pc:sldMk cId="56685521" sldId="274"/>
+            <ac:picMk id="6" creationId="{001F977C-0663-40F8-A199-C99FAA9AE8A9}"/>
+          </ac:picMkLst>
+        </pc:picChg>
       </pc:sldChg>
       <pc:sldChg chg="del">
         <pc:chgData name="正元　淳也" userId="ab1cd3a3-b9d9-4be4-9cd8-d64cce588c8d" providerId="ADAL" clId="{6A44C071-E8D9-466D-97A8-0C455813FE94}" dt="2021-05-04T16:55:32.373" v="1931" actId="47"/>
@@ -9183,14 +9210,14 @@
           <pc:sldMk cId="3428492749" sldId="275"/>
         </pc:sldMkLst>
       </pc:sldChg>
-      <pc:sldChg chg="addSp delSp modSp mod">
-        <pc:chgData name="正元　淳也" userId="ab1cd3a3-b9d9-4be4-9cd8-d64cce588c8d" providerId="ADAL" clId="{6A44C071-E8D9-466D-97A8-0C455813FE94}" dt="2021-05-10T22:56:50.919" v="3168" actId="1076"/>
+      <pc:sldChg chg="addSp delSp modSp mod ord">
+        <pc:chgData name="正元　淳也" userId="ab1cd3a3-b9d9-4be4-9cd8-d64cce588c8d" providerId="ADAL" clId="{6A44C071-E8D9-466D-97A8-0C455813FE94}" dt="2021-05-17T13:44:44.844" v="3815" actId="20577"/>
         <pc:sldMkLst>
           <pc:docMk/>
           <pc:sldMk cId="2036933477" sldId="276"/>
         </pc:sldMkLst>
         <pc:spChg chg="mod">
-          <ac:chgData name="正元　淳也" userId="ab1cd3a3-b9d9-4be4-9cd8-d64cce588c8d" providerId="ADAL" clId="{6A44C071-E8D9-466D-97A8-0C455813FE94}" dt="2021-05-04T16:54:25.016" v="1863" actId="20577"/>
+          <ac:chgData name="正元　淳也" userId="ab1cd3a3-b9d9-4be4-9cd8-d64cce588c8d" providerId="ADAL" clId="{6A44C071-E8D9-466D-97A8-0C455813FE94}" dt="2021-05-17T13:44:44.844" v="3815" actId="20577"/>
           <ac:spMkLst>
             <pc:docMk/>
             <pc:sldMk cId="2036933477" sldId="276"/>
@@ -9219,6 +9246,14 @@
             <pc:docMk/>
             <pc:sldMk cId="2036933477" sldId="276"/>
             <ac:spMk id="5" creationId="{FA880C4C-9DDE-49AC-9DD7-9B2F0C80F96E}"/>
+          </ac:spMkLst>
+        </pc:spChg>
+        <pc:spChg chg="mod">
+          <ac:chgData name="正元　淳也" userId="ab1cd3a3-b9d9-4be4-9cd8-d64cce588c8d" providerId="ADAL" clId="{6A44C071-E8D9-466D-97A8-0C455813FE94}" dt="2021-05-17T13:44:10.679" v="3772" actId="1076"/>
+          <ac:spMkLst>
+            <pc:docMk/>
+            <pc:sldMk cId="2036933477" sldId="276"/>
+            <ac:spMk id="7" creationId="{AD131826-F448-4268-87DA-25E03F81E014}"/>
           </ac:spMkLst>
         </pc:spChg>
         <pc:spChg chg="add del mod">
@@ -9291,7 +9326,7 @@
         </pc:graphicFrameChg>
       </pc:sldChg>
       <pc:sldChg chg="addSp delSp modSp add mod modNotesTx">
-        <pc:chgData name="正元　淳也" userId="ab1cd3a3-b9d9-4be4-9cd8-d64cce588c8d" providerId="ADAL" clId="{6A44C071-E8D9-466D-97A8-0C455813FE94}" dt="2021-05-10T22:40:36.388" v="3103" actId="20577"/>
+        <pc:chgData name="正元　淳也" userId="ab1cd3a3-b9d9-4be4-9cd8-d64cce588c8d" providerId="ADAL" clId="{6A44C071-E8D9-466D-97A8-0C455813FE94}" dt="2021-05-17T04:43:30.488" v="3217" actId="20577"/>
         <pc:sldMkLst>
           <pc:docMk/>
           <pc:sldMk cId="4056757340" sldId="281"/>
@@ -9305,7 +9340,7 @@
           </ac:spMkLst>
         </pc:spChg>
         <pc:spChg chg="mod">
-          <ac:chgData name="正元　淳也" userId="ab1cd3a3-b9d9-4be4-9cd8-d64cce588c8d" providerId="ADAL" clId="{6A44C071-E8D9-466D-97A8-0C455813FE94}" dt="2021-05-10T22:35:01.721" v="2685" actId="14100"/>
+          <ac:chgData name="正元　淳也" userId="ab1cd3a3-b9d9-4be4-9cd8-d64cce588c8d" providerId="ADAL" clId="{6A44C071-E8D9-466D-97A8-0C455813FE94}" dt="2021-05-17T04:43:30.488" v="3217" actId="20577"/>
           <ac:spMkLst>
             <pc:docMk/>
             <pc:sldMk cId="4056757340" sldId="281"/>
@@ -9370,7 +9405,7 @@
         </pc:picChg>
       </pc:sldChg>
       <pc:sldChg chg="addSp delSp modSp add mod">
-        <pc:chgData name="正元　淳也" userId="ab1cd3a3-b9d9-4be4-9cd8-d64cce588c8d" providerId="ADAL" clId="{6A44C071-E8D9-466D-97A8-0C455813FE94}" dt="2021-05-10T23:09:05.073" v="3187" actId="1076"/>
+        <pc:chgData name="正元　淳也" userId="ab1cd3a3-b9d9-4be4-9cd8-d64cce588c8d" providerId="ADAL" clId="{6A44C071-E8D9-466D-97A8-0C455813FE94}" dt="2021-05-17T14:07:45.518" v="4466" actId="478"/>
         <pc:sldMkLst>
           <pc:docMk/>
           <pc:sldMk cId="315979115" sldId="282"/>
@@ -9416,13 +9451,21 @@
           </ac:spMkLst>
         </pc:spChg>
         <pc:spChg chg="add mod">
-          <ac:chgData name="正元　淳也" userId="ab1cd3a3-b9d9-4be4-9cd8-d64cce588c8d" providerId="ADAL" clId="{6A44C071-E8D9-466D-97A8-0C455813FE94}" dt="2021-05-04T16:59:41.132" v="2327" actId="20577"/>
+          <ac:chgData name="正元　淳也" userId="ab1cd3a3-b9d9-4be4-9cd8-d64cce588c8d" providerId="ADAL" clId="{6A44C071-E8D9-466D-97A8-0C455813FE94}" dt="2021-05-17T14:07:27.442" v="4460" actId="20577"/>
           <ac:spMkLst>
             <pc:docMk/>
             <pc:sldMk cId="315979115" sldId="282"/>
             <ac:spMk id="8" creationId="{B163BF07-37AC-4825-BF50-19040BE18BEC}"/>
           </ac:spMkLst>
         </pc:spChg>
+        <pc:picChg chg="add del mod">
+          <ac:chgData name="正元　淳也" userId="ab1cd3a3-b9d9-4be4-9cd8-d64cce588c8d" providerId="ADAL" clId="{6A44C071-E8D9-466D-97A8-0C455813FE94}" dt="2021-05-17T14:07:45.518" v="4466" actId="478"/>
+          <ac:picMkLst>
+            <pc:docMk/>
+            <pc:sldMk cId="315979115" sldId="282"/>
+            <ac:picMk id="4" creationId="{8C4AC9DB-6A38-4226-A4F3-A8A572C6B6D2}"/>
+          </ac:picMkLst>
+        </pc:picChg>
         <pc:picChg chg="add mod ord">
           <ac:chgData name="正元　淳也" userId="ab1cd3a3-b9d9-4be4-9cd8-d64cce588c8d" providerId="ADAL" clId="{6A44C071-E8D9-466D-97A8-0C455813FE94}" dt="2021-05-10T23:09:05.073" v="3187" actId="1076"/>
           <ac:picMkLst>
@@ -9440,14 +9483,14 @@
           </ac:picMkLst>
         </pc:picChg>
       </pc:sldChg>
-      <pc:sldChg chg="modSp add mod modNotesTx">
-        <pc:chgData name="正元　淳也" userId="ab1cd3a3-b9d9-4be4-9cd8-d64cce588c8d" providerId="ADAL" clId="{6A44C071-E8D9-466D-97A8-0C455813FE94}" dt="2021-05-04T17:00:14.081" v="2329" actId="20577"/>
+      <pc:sldChg chg="addSp modSp add mod modNotesTx">
+        <pc:chgData name="正元　淳也" userId="ab1cd3a3-b9d9-4be4-9cd8-d64cce588c8d" providerId="ADAL" clId="{6A44C071-E8D9-466D-97A8-0C455813FE94}" dt="2021-05-17T13:46:42.407" v="3867" actId="1076"/>
         <pc:sldMkLst>
           <pc:docMk/>
           <pc:sldMk cId="979995164" sldId="283"/>
         </pc:sldMkLst>
         <pc:spChg chg="mod">
-          <ac:chgData name="正元　淳也" userId="ab1cd3a3-b9d9-4be4-9cd8-d64cce588c8d" providerId="ADAL" clId="{6A44C071-E8D9-466D-97A8-0C455813FE94}" dt="2021-05-04T16:55:19.404" v="1929" actId="20577"/>
+          <ac:chgData name="正元　淳也" userId="ab1cd3a3-b9d9-4be4-9cd8-d64cce588c8d" providerId="ADAL" clId="{6A44C071-E8D9-466D-97A8-0C455813FE94}" dt="2021-05-17T13:38:36.760" v="3506" actId="20577"/>
           <ac:spMkLst>
             <pc:docMk/>
             <pc:sldMk cId="979995164" sldId="283"/>
@@ -9455,16 +9498,24 @@
           </ac:spMkLst>
         </pc:spChg>
         <pc:spChg chg="mod">
-          <ac:chgData name="正元　淳也" userId="ab1cd3a3-b9d9-4be4-9cd8-d64cce588c8d" providerId="ADAL" clId="{6A44C071-E8D9-466D-97A8-0C455813FE94}" dt="2021-05-04T16:56:05.029" v="1991" actId="20577"/>
+          <ac:chgData name="正元　淳也" userId="ab1cd3a3-b9d9-4be4-9cd8-d64cce588c8d" providerId="ADAL" clId="{6A44C071-E8D9-466D-97A8-0C455813FE94}" dt="2021-05-17T13:46:36.078" v="3865" actId="14100"/>
           <ac:spMkLst>
             <pc:docMk/>
             <pc:sldMk cId="979995164" sldId="283"/>
             <ac:spMk id="4" creationId="{00000000-0000-0000-0000-000000000000}"/>
           </ac:spMkLst>
         </pc:spChg>
+        <pc:picChg chg="add mod">
+          <ac:chgData name="正元　淳也" userId="ab1cd3a3-b9d9-4be4-9cd8-d64cce588c8d" providerId="ADAL" clId="{6A44C071-E8D9-466D-97A8-0C455813FE94}" dt="2021-05-17T13:46:42.407" v="3867" actId="1076"/>
+          <ac:picMkLst>
+            <pc:docMk/>
+            <pc:sldMk cId="979995164" sldId="283"/>
+            <ac:picMk id="5" creationId="{949C0B19-C391-4A8F-A06C-A5EA57E71F21}"/>
+          </ac:picMkLst>
+        </pc:picChg>
       </pc:sldChg>
-      <pc:sldChg chg="addSp delSp modSp add mod ord">
-        <pc:chgData name="正元　淳也" userId="ab1cd3a3-b9d9-4be4-9cd8-d64cce588c8d" providerId="ADAL" clId="{6A44C071-E8D9-466D-97A8-0C455813FE94}" dt="2021-05-10T22:47:02.063" v="3111" actId="1076"/>
+      <pc:sldChg chg="addSp delSp modSp add mod ord modNotesTx">
+        <pc:chgData name="正元　淳也" userId="ab1cd3a3-b9d9-4be4-9cd8-d64cce588c8d" providerId="ADAL" clId="{6A44C071-E8D9-466D-97A8-0C455813FE94}" dt="2021-05-17T14:26:01.130" v="4703" actId="20577"/>
         <pc:sldMkLst>
           <pc:docMk/>
           <pc:sldMk cId="908953224" sldId="284"/>
@@ -9485,6 +9536,14 @@
             <ac:spMk id="4" creationId="{00000000-0000-0000-0000-000000000000}"/>
           </ac:spMkLst>
         </pc:spChg>
+        <pc:spChg chg="del">
+          <ac:chgData name="正元　淳也" userId="ab1cd3a3-b9d9-4be4-9cd8-d64cce588c8d" providerId="ADAL" clId="{6A44C071-E8D9-466D-97A8-0C455813FE94}" dt="2021-05-17T13:21:34.664" v="3249" actId="478"/>
+          <ac:spMkLst>
+            <pc:docMk/>
+            <pc:sldMk cId="908953224" sldId="284"/>
+            <ac:spMk id="5" creationId="{3C8726CA-00BD-4A96-8D8C-0A6DE8421FF1}"/>
+          </ac:spMkLst>
+        </pc:spChg>
         <pc:spChg chg="add del mod">
           <ac:chgData name="正元　淳也" userId="ab1cd3a3-b9d9-4be4-9cd8-d64cce588c8d" providerId="ADAL" clId="{6A44C071-E8D9-466D-97A8-0C455813FE94}" dt="2021-05-10T22:46:42.464" v="3105" actId="931"/>
           <ac:spMkLst>
@@ -9493,6 +9552,142 @@
             <ac:spMk id="5" creationId="{EAF23A58-C290-4211-94D4-564F8CEBA81E}"/>
           </ac:spMkLst>
         </pc:spChg>
+        <pc:spChg chg="del">
+          <ac:chgData name="正元　淳也" userId="ab1cd3a3-b9d9-4be4-9cd8-d64cce588c8d" providerId="ADAL" clId="{6A44C071-E8D9-466D-97A8-0C455813FE94}" dt="2021-05-17T13:21:40.076" v="3250" actId="478"/>
+          <ac:spMkLst>
+            <pc:docMk/>
+            <pc:sldMk cId="908953224" sldId="284"/>
+            <ac:spMk id="7" creationId="{38192658-CD0B-4D6E-969C-5DB0F431CD08}"/>
+          </ac:spMkLst>
+        </pc:spChg>
+        <pc:spChg chg="del">
+          <ac:chgData name="正元　淳也" userId="ab1cd3a3-b9d9-4be4-9cd8-d64cce588c8d" providerId="ADAL" clId="{6A44C071-E8D9-466D-97A8-0C455813FE94}" dt="2021-05-17T13:21:41.409" v="3251" actId="478"/>
+          <ac:spMkLst>
+            <pc:docMk/>
+            <pc:sldMk cId="908953224" sldId="284"/>
+            <ac:spMk id="8" creationId="{E558283A-E12C-4EBD-8360-4D157038214C}"/>
+          </ac:spMkLst>
+        </pc:spChg>
+        <pc:spChg chg="add del mod">
+          <ac:chgData name="正元　淳也" userId="ab1cd3a3-b9d9-4be4-9cd8-d64cce588c8d" providerId="ADAL" clId="{6A44C071-E8D9-466D-97A8-0C455813FE94}" dt="2021-05-17T13:36:19.715" v="3458" actId="478"/>
+          <ac:spMkLst>
+            <pc:docMk/>
+            <pc:sldMk cId="908953224" sldId="284"/>
+            <ac:spMk id="15" creationId="{85FF511B-2A6E-4D63-BC28-875C44F405C3}"/>
+          </ac:spMkLst>
+        </pc:spChg>
+        <pc:spChg chg="add del mod">
+          <ac:chgData name="正元　淳也" userId="ab1cd3a3-b9d9-4be4-9cd8-d64cce588c8d" providerId="ADAL" clId="{6A44C071-E8D9-466D-97A8-0C455813FE94}" dt="2021-05-17T13:27:59.879" v="3316" actId="767"/>
+          <ac:spMkLst>
+            <pc:docMk/>
+            <pc:sldMk cId="908953224" sldId="284"/>
+            <ac:spMk id="16" creationId="{4520716B-73CD-4BF2-8149-C7A46B7519D1}"/>
+          </ac:spMkLst>
+        </pc:spChg>
+        <pc:spChg chg="add mod">
+          <ac:chgData name="正元　淳也" userId="ab1cd3a3-b9d9-4be4-9cd8-d64cce588c8d" providerId="ADAL" clId="{6A44C071-E8D9-466D-97A8-0C455813FE94}" dt="2021-05-17T13:30:51.133" v="3386" actId="1076"/>
+          <ac:spMkLst>
+            <pc:docMk/>
+            <pc:sldMk cId="908953224" sldId="284"/>
+            <ac:spMk id="17" creationId="{20F81D25-F4F0-4B21-813F-CF2DB654C80C}"/>
+          </ac:spMkLst>
+        </pc:spChg>
+        <pc:spChg chg="add del mod">
+          <ac:chgData name="正元　淳也" userId="ab1cd3a3-b9d9-4be4-9cd8-d64cce588c8d" providerId="ADAL" clId="{6A44C071-E8D9-466D-97A8-0C455813FE94}" dt="2021-05-17T13:29:23.272" v="3348"/>
+          <ac:spMkLst>
+            <pc:docMk/>
+            <pc:sldMk cId="908953224" sldId="284"/>
+            <ac:spMk id="18" creationId="{3E3144C8-B07B-40A4-9F0D-B7AE14998F6F}"/>
+          </ac:spMkLst>
+        </pc:spChg>
+        <pc:spChg chg="add del mod">
+          <ac:chgData name="正元　淳也" userId="ab1cd3a3-b9d9-4be4-9cd8-d64cce588c8d" providerId="ADAL" clId="{6A44C071-E8D9-466D-97A8-0C455813FE94}" dt="2021-05-17T13:30:05.897" v="3353" actId="478"/>
+          <ac:spMkLst>
+            <pc:docMk/>
+            <pc:sldMk cId="908953224" sldId="284"/>
+            <ac:spMk id="19" creationId="{E28A7936-7F2E-4B8A-BC3F-3DD4B239B5C9}"/>
+          </ac:spMkLst>
+        </pc:spChg>
+        <pc:spChg chg="add del mod">
+          <ac:chgData name="正元　淳也" userId="ab1cd3a3-b9d9-4be4-9cd8-d64cce588c8d" providerId="ADAL" clId="{6A44C071-E8D9-466D-97A8-0C455813FE94}" dt="2021-05-17T13:36:19.715" v="3458" actId="478"/>
+          <ac:spMkLst>
+            <pc:docMk/>
+            <pc:sldMk cId="908953224" sldId="284"/>
+            <ac:spMk id="20" creationId="{F9CB1AEE-553F-4DA1-A690-D3B1A2BD20FD}"/>
+          </ac:spMkLst>
+        </pc:spChg>
+        <pc:spChg chg="add del mod">
+          <ac:chgData name="正元　淳也" userId="ab1cd3a3-b9d9-4be4-9cd8-d64cce588c8d" providerId="ADAL" clId="{6A44C071-E8D9-466D-97A8-0C455813FE94}" dt="2021-05-17T13:30:13.645" v="3357"/>
+          <ac:spMkLst>
+            <pc:docMk/>
+            <pc:sldMk cId="908953224" sldId="284"/>
+            <ac:spMk id="21" creationId="{61E66555-04B6-45D2-B5FA-6102928E8890}"/>
+          </ac:spMkLst>
+        </pc:spChg>
+        <pc:spChg chg="add del mod">
+          <ac:chgData name="正元　淳也" userId="ab1cd3a3-b9d9-4be4-9cd8-d64cce588c8d" providerId="ADAL" clId="{6A44C071-E8D9-466D-97A8-0C455813FE94}" dt="2021-05-17T13:31:35.594" v="3398"/>
+          <ac:spMkLst>
+            <pc:docMk/>
+            <pc:sldMk cId="908953224" sldId="284"/>
+            <ac:spMk id="22" creationId="{1B647F8B-6520-4865-BD6D-0BBE8428897F}"/>
+          </ac:spMkLst>
+        </pc:spChg>
+        <pc:spChg chg="add del mod">
+          <ac:chgData name="正元　淳也" userId="ab1cd3a3-b9d9-4be4-9cd8-d64cce588c8d" providerId="ADAL" clId="{6A44C071-E8D9-466D-97A8-0C455813FE94}" dt="2021-05-17T13:31:35.594" v="3398"/>
+          <ac:spMkLst>
+            <pc:docMk/>
+            <pc:sldMk cId="908953224" sldId="284"/>
+            <ac:spMk id="23" creationId="{6F95B999-6C83-4AD6-8920-D5EF599A7AB3}"/>
+          </ac:spMkLst>
+        </pc:spChg>
+        <pc:spChg chg="add del mod">
+          <ac:chgData name="正元　淳也" userId="ab1cd3a3-b9d9-4be4-9cd8-d64cce588c8d" providerId="ADAL" clId="{6A44C071-E8D9-466D-97A8-0C455813FE94}" dt="2021-05-17T13:36:16.108" v="3457" actId="478"/>
+          <ac:spMkLst>
+            <pc:docMk/>
+            <pc:sldMk cId="908953224" sldId="284"/>
+            <ac:spMk id="24" creationId="{A96D90F2-6891-436E-A1A9-5E7FDE6102E2}"/>
+          </ac:spMkLst>
+        </pc:spChg>
+        <pc:spChg chg="add del mod">
+          <ac:chgData name="正元　淳也" userId="ab1cd3a3-b9d9-4be4-9cd8-d64cce588c8d" providerId="ADAL" clId="{6A44C071-E8D9-466D-97A8-0C455813FE94}" dt="2021-05-17T13:36:16.108" v="3457" actId="478"/>
+          <ac:spMkLst>
+            <pc:docMk/>
+            <pc:sldMk cId="908953224" sldId="284"/>
+            <ac:spMk id="25" creationId="{3745F38C-D288-44FE-BEA2-2F20B03FD4AA}"/>
+          </ac:spMkLst>
+        </pc:spChg>
+        <pc:spChg chg="add mod">
+          <ac:chgData name="正元　淳也" userId="ab1cd3a3-b9d9-4be4-9cd8-d64cce588c8d" providerId="ADAL" clId="{6A44C071-E8D9-466D-97A8-0C455813FE94}" dt="2021-05-17T13:37:01.963" v="3478" actId="1076"/>
+          <ac:spMkLst>
+            <pc:docMk/>
+            <pc:sldMk cId="908953224" sldId="284"/>
+            <ac:spMk id="26" creationId="{CBF109C6-FB7D-4AD1-820F-CA24EAC22525}"/>
+          </ac:spMkLst>
+        </pc:spChg>
+        <pc:spChg chg="add mod">
+          <ac:chgData name="正元　淳也" userId="ab1cd3a3-b9d9-4be4-9cd8-d64cce588c8d" providerId="ADAL" clId="{6A44C071-E8D9-466D-97A8-0C455813FE94}" dt="2021-05-17T13:37:12.751" v="3480" actId="1076"/>
+          <ac:spMkLst>
+            <pc:docMk/>
+            <pc:sldMk cId="908953224" sldId="284"/>
+            <ac:spMk id="27" creationId="{3C73D0C5-271E-447E-BF6D-347BC88DDE45}"/>
+          </ac:spMkLst>
+        </pc:spChg>
+        <pc:spChg chg="add mod">
+          <ac:chgData name="正元　淳也" userId="ab1cd3a3-b9d9-4be4-9cd8-d64cce588c8d" providerId="ADAL" clId="{6A44C071-E8D9-466D-97A8-0C455813FE94}" dt="2021-05-17T13:36:42.912" v="3475" actId="20577"/>
+          <ac:spMkLst>
+            <pc:docMk/>
+            <pc:sldMk cId="908953224" sldId="284"/>
+            <ac:spMk id="28" creationId="{7CFFFD1E-940D-4DA6-B2E1-077A655EDFEA}"/>
+          </ac:spMkLst>
+        </pc:spChg>
+        <pc:picChg chg="add mod modCrop">
+          <ac:chgData name="正元　淳也" userId="ab1cd3a3-b9d9-4be4-9cd8-d64cce588c8d" providerId="ADAL" clId="{6A44C071-E8D9-466D-97A8-0C455813FE94}" dt="2021-05-17T13:36:56.678" v="3477" actId="1076"/>
+          <ac:picMkLst>
+            <pc:docMk/>
+            <pc:sldMk cId="908953224" sldId="284"/>
+            <ac:picMk id="4" creationId="{6EC97C10-803D-40FB-8432-5EC67F4F288F}"/>
+          </ac:picMkLst>
+        </pc:picChg>
         <pc:picChg chg="add mod">
           <ac:chgData name="正元　淳也" userId="ab1cd3a3-b9d9-4be4-9cd8-d64cce588c8d" providerId="ADAL" clId="{6A44C071-E8D9-466D-97A8-0C455813FE94}" dt="2021-05-10T22:47:02.063" v="3111" actId="1076"/>
           <ac:picMkLst>
@@ -9501,9 +9696,41 @@
             <ac:picMk id="7" creationId="{5B60359A-4448-4700-9BFA-BEA74A68DDD2}"/>
           </ac:picMkLst>
         </pc:picChg>
+        <pc:picChg chg="add del mod">
+          <ac:chgData name="正元　淳也" userId="ab1cd3a3-b9d9-4be4-9cd8-d64cce588c8d" providerId="ADAL" clId="{6A44C071-E8D9-466D-97A8-0C455813FE94}" dt="2021-05-17T13:25:18.779" v="3290" actId="478"/>
+          <ac:picMkLst>
+            <pc:docMk/>
+            <pc:sldMk cId="908953224" sldId="284"/>
+            <ac:picMk id="9" creationId="{FCBF330A-DF5F-4E1A-8B6D-2B92FEE4E143}"/>
+          </ac:picMkLst>
+        </pc:picChg>
+        <pc:picChg chg="add mod">
+          <ac:chgData name="正元　淳也" userId="ab1cd3a3-b9d9-4be4-9cd8-d64cce588c8d" providerId="ADAL" clId="{6A44C071-E8D9-466D-97A8-0C455813FE94}" dt="2021-05-17T13:37:06.041" v="3479" actId="1076"/>
+          <ac:picMkLst>
+            <pc:docMk/>
+            <pc:sldMk cId="908953224" sldId="284"/>
+            <ac:picMk id="10" creationId="{93A246BD-1302-4B9A-AD24-97FBA06CD834}"/>
+          </ac:picMkLst>
+        </pc:picChg>
+        <pc:picChg chg="add mod">
+          <ac:chgData name="正元　淳也" userId="ab1cd3a3-b9d9-4be4-9cd8-d64cce588c8d" providerId="ADAL" clId="{6A44C071-E8D9-466D-97A8-0C455813FE94}" dt="2021-05-17T13:37:24.733" v="3481" actId="1076"/>
+          <ac:picMkLst>
+            <pc:docMk/>
+            <pc:sldMk cId="908953224" sldId="284"/>
+            <ac:picMk id="12" creationId="{AD2DBE94-6406-47F1-ADEC-7FD84C22E245}"/>
+          </ac:picMkLst>
+        </pc:picChg>
+        <pc:picChg chg="add mod">
+          <ac:chgData name="正元　淳也" userId="ab1cd3a3-b9d9-4be4-9cd8-d64cce588c8d" providerId="ADAL" clId="{6A44C071-E8D9-466D-97A8-0C455813FE94}" dt="2021-05-17T13:30:51.133" v="3386" actId="1076"/>
+          <ac:picMkLst>
+            <pc:docMk/>
+            <pc:sldMk cId="908953224" sldId="284"/>
+            <ac:picMk id="14" creationId="{C6414A8D-113B-48F9-A282-2E187B18CABE}"/>
+          </ac:picMkLst>
+        </pc:picChg>
       </pc:sldChg>
-      <pc:sldChg chg="addSp delSp modSp add mod">
-        <pc:chgData name="正元　淳也" userId="ab1cd3a3-b9d9-4be4-9cd8-d64cce588c8d" providerId="ADAL" clId="{6A44C071-E8D9-466D-97A8-0C455813FE94}" dt="2021-05-10T22:28:44.525" v="2600" actId="1076"/>
+      <pc:sldChg chg="addSp delSp modSp add mod modNotesTx">
+        <pc:chgData name="正元　淳也" userId="ab1cd3a3-b9d9-4be4-9cd8-d64cce588c8d" providerId="ADAL" clId="{6A44C071-E8D9-466D-97A8-0C455813FE94}" dt="2021-05-17T14:27:13.525" v="4754" actId="6549"/>
         <pc:sldMkLst>
           <pc:docMk/>
           <pc:sldMk cId="1448982418" sldId="285"/>
@@ -9517,7 +9744,7 @@
           </ac:spMkLst>
         </pc:spChg>
         <pc:spChg chg="mod">
-          <ac:chgData name="正元　淳也" userId="ab1cd3a3-b9d9-4be4-9cd8-d64cce588c8d" providerId="ADAL" clId="{6A44C071-E8D9-466D-97A8-0C455813FE94}" dt="2021-05-10T22:28:02.016" v="2599" actId="403"/>
+          <ac:chgData name="正元　淳也" userId="ab1cd3a3-b9d9-4be4-9cd8-d64cce588c8d" providerId="ADAL" clId="{6A44C071-E8D9-466D-97A8-0C455813FE94}" dt="2021-05-17T14:26:56.740" v="4752" actId="6549"/>
           <ac:spMkLst>
             <pc:docMk/>
             <pc:sldMk cId="1448982418" sldId="285"/>
@@ -9562,6 +9789,314 @@
         <pc:sldMkLst>
           <pc:docMk/>
           <pc:sldMk cId="2079545814" sldId="285"/>
+        </pc:sldMkLst>
+      </pc:sldChg>
+      <pc:sldChg chg="mod modShow">
+        <pc:chgData name="正元　淳也" userId="ab1cd3a3-b9d9-4be4-9cd8-d64cce588c8d" providerId="ADAL" clId="{6A44C071-E8D9-466D-97A8-0C455813FE94}" dt="2021-05-17T13:38:20.859" v="3482" actId="729"/>
+        <pc:sldMkLst>
+          <pc:docMk/>
+          <pc:sldMk cId="1488193002" sldId="286"/>
+        </pc:sldMkLst>
+      </pc:sldChg>
+      <pc:sldChg chg="addSp delSp modSp add mod modNotesTx">
+        <pc:chgData name="正元　淳也" userId="ab1cd3a3-b9d9-4be4-9cd8-d64cce588c8d" providerId="ADAL" clId="{6A44C071-E8D9-466D-97A8-0C455813FE94}" dt="2021-05-17T14:28:19.675" v="4792" actId="1076"/>
+        <pc:sldMkLst>
+          <pc:docMk/>
+          <pc:sldMk cId="737278240" sldId="287"/>
+        </pc:sldMkLst>
+        <pc:spChg chg="mod">
+          <ac:chgData name="正元　淳也" userId="ab1cd3a3-b9d9-4be4-9cd8-d64cce588c8d" providerId="ADAL" clId="{6A44C071-E8D9-466D-97A8-0C455813FE94}" dt="2021-05-17T13:51:25.759" v="3963" actId="20577"/>
+          <ac:spMkLst>
+            <pc:docMk/>
+            <pc:sldMk cId="737278240" sldId="287"/>
+            <ac:spMk id="2" creationId="{00000000-0000-0000-0000-000000000000}"/>
+          </ac:spMkLst>
+        </pc:spChg>
+        <pc:spChg chg="del mod">
+          <ac:chgData name="正元　淳也" userId="ab1cd3a3-b9d9-4be4-9cd8-d64cce588c8d" providerId="ADAL" clId="{6A44C071-E8D9-466D-97A8-0C455813FE94}" dt="2021-05-17T13:53:54.546" v="3987" actId="478"/>
+          <ac:spMkLst>
+            <pc:docMk/>
+            <pc:sldMk cId="737278240" sldId="287"/>
+            <ac:spMk id="4" creationId="{00000000-0000-0000-0000-000000000000}"/>
+          </ac:spMkLst>
+        </pc:spChg>
+        <pc:spChg chg="add del mod">
+          <ac:chgData name="正元　淳也" userId="ab1cd3a3-b9d9-4be4-9cd8-d64cce588c8d" providerId="ADAL" clId="{6A44C071-E8D9-466D-97A8-0C455813FE94}" dt="2021-05-17T13:57:05.910" v="4038" actId="478"/>
+          <ac:spMkLst>
+            <pc:docMk/>
+            <pc:sldMk cId="737278240" sldId="287"/>
+            <ac:spMk id="10" creationId="{12F79A45-EBBB-4AE7-9020-DEB2C45F1C23}"/>
+          </ac:spMkLst>
+        </pc:spChg>
+        <pc:spChg chg="add mod">
+          <ac:chgData name="正元　淳也" userId="ab1cd3a3-b9d9-4be4-9cd8-d64cce588c8d" providerId="ADAL" clId="{6A44C071-E8D9-466D-97A8-0C455813FE94}" dt="2021-05-17T13:59:30.296" v="4101" actId="403"/>
+          <ac:spMkLst>
+            <pc:docMk/>
+            <pc:sldMk cId="737278240" sldId="287"/>
+            <ac:spMk id="11" creationId="{A2AEAB9A-8177-4BB1-89B9-BADF1E9FD1DA}"/>
+          </ac:spMkLst>
+        </pc:spChg>
+        <pc:spChg chg="add mod">
+          <ac:chgData name="正元　淳也" userId="ab1cd3a3-b9d9-4be4-9cd8-d64cce588c8d" providerId="ADAL" clId="{6A44C071-E8D9-466D-97A8-0C455813FE94}" dt="2021-05-17T13:59:20.139" v="4099" actId="1076"/>
+          <ac:spMkLst>
+            <pc:docMk/>
+            <pc:sldMk cId="737278240" sldId="287"/>
+            <ac:spMk id="14" creationId="{197FBCB7-0BD0-4092-9D32-1B3FA11DC919}"/>
+          </ac:spMkLst>
+        </pc:spChg>
+        <pc:spChg chg="add mod">
+          <ac:chgData name="正元　淳也" userId="ab1cd3a3-b9d9-4be4-9cd8-d64cce588c8d" providerId="ADAL" clId="{6A44C071-E8D9-466D-97A8-0C455813FE94}" dt="2021-05-17T14:27:49.976" v="4791" actId="1076"/>
+          <ac:spMkLst>
+            <pc:docMk/>
+            <pc:sldMk cId="737278240" sldId="287"/>
+            <ac:spMk id="15" creationId="{437E4C49-2D09-4816-87D9-A6AFFCBE9ED4}"/>
+          </ac:spMkLst>
+        </pc:spChg>
+        <pc:spChg chg="add mod">
+          <ac:chgData name="正元　淳也" userId="ab1cd3a3-b9d9-4be4-9cd8-d64cce588c8d" providerId="ADAL" clId="{6A44C071-E8D9-466D-97A8-0C455813FE94}" dt="2021-05-17T13:57:20.247" v="4042" actId="1076"/>
+          <ac:spMkLst>
+            <pc:docMk/>
+            <pc:sldMk cId="737278240" sldId="287"/>
+            <ac:spMk id="16" creationId="{1E916CBB-7AD0-4CF6-8130-2BAA9B255CBA}"/>
+          </ac:spMkLst>
+        </pc:spChg>
+        <pc:spChg chg="add mod">
+          <ac:chgData name="正元　淳也" userId="ab1cd3a3-b9d9-4be4-9cd8-d64cce588c8d" providerId="ADAL" clId="{6A44C071-E8D9-466D-97A8-0C455813FE94}" dt="2021-05-17T13:58:45.142" v="4088" actId="1076"/>
+          <ac:spMkLst>
+            <pc:docMk/>
+            <pc:sldMk cId="737278240" sldId="287"/>
+            <ac:spMk id="17" creationId="{723BC395-0B1B-46CC-8B2A-34E42DB1CDD9}"/>
+          </ac:spMkLst>
+        </pc:spChg>
+        <pc:spChg chg="add mod">
+          <ac:chgData name="正元　淳也" userId="ab1cd3a3-b9d9-4be4-9cd8-d64cce588c8d" providerId="ADAL" clId="{6A44C071-E8D9-466D-97A8-0C455813FE94}" dt="2021-05-17T13:59:00.539" v="4094" actId="1076"/>
+          <ac:spMkLst>
+            <pc:docMk/>
+            <pc:sldMk cId="737278240" sldId="287"/>
+            <ac:spMk id="18" creationId="{95541631-0A57-48CC-83D0-9C0C07DB602C}"/>
+          </ac:spMkLst>
+        </pc:spChg>
+        <pc:spChg chg="add mod">
+          <ac:chgData name="正元　淳也" userId="ab1cd3a3-b9d9-4be4-9cd8-d64cce588c8d" providerId="ADAL" clId="{6A44C071-E8D9-466D-97A8-0C455813FE94}" dt="2021-05-17T14:00:02.032" v="4112" actId="1076"/>
+          <ac:spMkLst>
+            <pc:docMk/>
+            <pc:sldMk cId="737278240" sldId="287"/>
+            <ac:spMk id="19" creationId="{FB6E6420-95FE-423E-B2D9-D72AE0AB3021}"/>
+          </ac:spMkLst>
+        </pc:spChg>
+        <pc:spChg chg="add mod">
+          <ac:chgData name="正元　淳也" userId="ab1cd3a3-b9d9-4be4-9cd8-d64cce588c8d" providerId="ADAL" clId="{6A44C071-E8D9-466D-97A8-0C455813FE94}" dt="2021-05-17T14:01:24.695" v="4170" actId="1076"/>
+          <ac:spMkLst>
+            <pc:docMk/>
+            <pc:sldMk cId="737278240" sldId="287"/>
+            <ac:spMk id="20" creationId="{BD85AB29-556D-4011-A5C6-F9CE41B0E37B}"/>
+          </ac:spMkLst>
+        </pc:spChg>
+        <pc:spChg chg="add mod">
+          <ac:chgData name="正元　淳也" userId="ab1cd3a3-b9d9-4be4-9cd8-d64cce588c8d" providerId="ADAL" clId="{6A44C071-E8D9-466D-97A8-0C455813FE94}" dt="2021-05-17T14:01:15.997" v="4169" actId="20577"/>
+          <ac:spMkLst>
+            <pc:docMk/>
+            <pc:sldMk cId="737278240" sldId="287"/>
+            <ac:spMk id="21" creationId="{FD427BE0-B3A5-4967-8057-9678D79378D3}"/>
+          </ac:spMkLst>
+        </pc:spChg>
+        <pc:spChg chg="add mod">
+          <ac:chgData name="正元　淳也" userId="ab1cd3a3-b9d9-4be4-9cd8-d64cce588c8d" providerId="ADAL" clId="{6A44C071-E8D9-466D-97A8-0C455813FE94}" dt="2021-05-17T14:02:00.469" v="4176" actId="14100"/>
+          <ac:spMkLst>
+            <pc:docMk/>
+            <pc:sldMk cId="737278240" sldId="287"/>
+            <ac:spMk id="22" creationId="{88B203B4-676F-4983-9E86-2F33A350F977}"/>
+          </ac:spMkLst>
+        </pc:spChg>
+        <pc:spChg chg="add mod">
+          <ac:chgData name="正元　淳也" userId="ab1cd3a3-b9d9-4be4-9cd8-d64cce588c8d" providerId="ADAL" clId="{6A44C071-E8D9-466D-97A8-0C455813FE94}" dt="2021-05-17T14:03:01.626" v="4248" actId="1076"/>
+          <ac:spMkLst>
+            <pc:docMk/>
+            <pc:sldMk cId="737278240" sldId="287"/>
+            <ac:spMk id="23" creationId="{BCE4A78D-A175-482A-83DB-FA25FAEC5AAF}"/>
+          </ac:spMkLst>
+        </pc:spChg>
+        <pc:spChg chg="add mod">
+          <ac:chgData name="正元　淳也" userId="ab1cd3a3-b9d9-4be4-9cd8-d64cce588c8d" providerId="ADAL" clId="{6A44C071-E8D9-466D-97A8-0C455813FE94}" dt="2021-05-17T14:03:31.252" v="4260" actId="20577"/>
+          <ac:spMkLst>
+            <pc:docMk/>
+            <pc:sldMk cId="737278240" sldId="287"/>
+            <ac:spMk id="24" creationId="{D59DA15A-A876-408E-9AC6-076135898B7A}"/>
+          </ac:spMkLst>
+        </pc:spChg>
+        <pc:picChg chg="add del mod">
+          <ac:chgData name="正元　淳也" userId="ab1cd3a3-b9d9-4be4-9cd8-d64cce588c8d" providerId="ADAL" clId="{6A44C071-E8D9-466D-97A8-0C455813FE94}" dt="2021-05-17T14:28:19.675" v="4792" actId="1076"/>
+          <ac:picMkLst>
+            <pc:docMk/>
+            <pc:sldMk cId="737278240" sldId="287"/>
+            <ac:picMk id="5" creationId="{288945B5-87C2-41CA-B533-212215E2560D}"/>
+          </ac:picMkLst>
+        </pc:picChg>
+        <pc:picChg chg="add mod">
+          <ac:chgData name="正元　淳也" userId="ab1cd3a3-b9d9-4be4-9cd8-d64cce588c8d" providerId="ADAL" clId="{6A44C071-E8D9-466D-97A8-0C455813FE94}" dt="2021-05-17T13:54:06.423" v="3991" actId="1076"/>
+          <ac:picMkLst>
+            <pc:docMk/>
+            <pc:sldMk cId="737278240" sldId="287"/>
+            <ac:picMk id="6" creationId="{FEDB3B11-1CBC-4D1B-AE15-5C03F580CDEC}"/>
+          </ac:picMkLst>
+        </pc:picChg>
+        <pc:picChg chg="add mod">
+          <ac:chgData name="正元　淳也" userId="ab1cd3a3-b9d9-4be4-9cd8-d64cce588c8d" providerId="ADAL" clId="{6A44C071-E8D9-466D-97A8-0C455813FE94}" dt="2021-05-17T13:59:55.382" v="4109" actId="1076"/>
+          <ac:picMkLst>
+            <pc:docMk/>
+            <pc:sldMk cId="737278240" sldId="287"/>
+            <ac:picMk id="7" creationId="{89740F3B-92DE-4B46-930E-C7DBA4FA27B0}"/>
+          </ac:picMkLst>
+        </pc:picChg>
+        <pc:picChg chg="del">
+          <ac:chgData name="正元　淳也" userId="ab1cd3a3-b9d9-4be4-9cd8-d64cce588c8d" providerId="ADAL" clId="{6A44C071-E8D9-466D-97A8-0C455813FE94}" dt="2021-05-17T13:51:56.363" v="3970" actId="478"/>
+          <ac:picMkLst>
+            <pc:docMk/>
+            <pc:sldMk cId="737278240" sldId="287"/>
+            <ac:picMk id="8" creationId="{580ABF6E-716E-4709-8504-4DDBC897E928}"/>
+          </ac:picMkLst>
+        </pc:picChg>
+        <pc:cxnChg chg="add del">
+          <ac:chgData name="正元　淳也" userId="ab1cd3a3-b9d9-4be4-9cd8-d64cce588c8d" providerId="ADAL" clId="{6A44C071-E8D9-466D-97A8-0C455813FE94}" dt="2021-05-17T13:55:00.662" v="4018" actId="11529"/>
+          <ac:cxnSpMkLst>
+            <pc:docMk/>
+            <pc:sldMk cId="737278240" sldId="287"/>
+            <ac:cxnSpMk id="13" creationId="{03A0E742-9010-48DA-AFE0-00AF8FA199BB}"/>
+          </ac:cxnSpMkLst>
+        </pc:cxnChg>
+      </pc:sldChg>
+      <pc:sldChg chg="addSp delSp modSp add mod modNotesTx">
+        <pc:chgData name="正元　淳也" userId="ab1cd3a3-b9d9-4be4-9cd8-d64cce588c8d" providerId="ADAL" clId="{6A44C071-E8D9-466D-97A8-0C455813FE94}" dt="2021-05-17T14:26:26.072" v="4748" actId="20577"/>
+        <pc:sldMkLst>
+          <pc:docMk/>
+          <pc:sldMk cId="3173708232" sldId="288"/>
+        </pc:sldMkLst>
+        <pc:spChg chg="add del mod">
+          <ac:chgData name="正元　淳也" userId="ab1cd3a3-b9d9-4be4-9cd8-d64cce588c8d" providerId="ADAL" clId="{6A44C071-E8D9-466D-97A8-0C455813FE94}" dt="2021-05-17T14:08:41.033" v="4473" actId="478"/>
+          <ac:spMkLst>
+            <pc:docMk/>
+            <pc:sldMk cId="3173708232" sldId="288"/>
+            <ac:spMk id="3" creationId="{4327F5C1-58C5-4268-95A1-6C01E7FEF507}"/>
+          </ac:spMkLst>
+        </pc:spChg>
+        <pc:spChg chg="add mod">
+          <ac:chgData name="正元　淳也" userId="ab1cd3a3-b9d9-4be4-9cd8-d64cce588c8d" providerId="ADAL" clId="{6A44C071-E8D9-466D-97A8-0C455813FE94}" dt="2021-05-17T14:09:28.822" v="4482" actId="1076"/>
+          <ac:spMkLst>
+            <pc:docMk/>
+            <pc:sldMk cId="3173708232" sldId="288"/>
+            <ac:spMk id="5" creationId="{C69E85E7-89C9-4B0B-B72F-07CB360CAC86}"/>
+          </ac:spMkLst>
+        </pc:spChg>
+        <pc:spChg chg="add mod">
+          <ac:chgData name="正元　淳也" userId="ab1cd3a3-b9d9-4be4-9cd8-d64cce588c8d" providerId="ADAL" clId="{6A44C071-E8D9-466D-97A8-0C455813FE94}" dt="2021-05-17T14:22:19.368" v="4511" actId="20577"/>
+          <ac:spMkLst>
+            <pc:docMk/>
+            <pc:sldMk cId="3173708232" sldId="288"/>
+            <ac:spMk id="6" creationId="{1C44694F-7437-4791-A8A9-C6DD346FC643}"/>
+          </ac:spMkLst>
+        </pc:spChg>
+        <pc:spChg chg="add mod">
+          <ac:chgData name="正元　淳也" userId="ab1cd3a3-b9d9-4be4-9cd8-d64cce588c8d" providerId="ADAL" clId="{6A44C071-E8D9-466D-97A8-0C455813FE94}" dt="2021-05-17T14:23:20.188" v="4531" actId="1076"/>
+          <ac:spMkLst>
+            <pc:docMk/>
+            <pc:sldMk cId="3173708232" sldId="288"/>
+            <ac:spMk id="7" creationId="{557C837E-D1B6-418C-A66A-0C4EB221346F}"/>
+          </ac:spMkLst>
+        </pc:spChg>
+        <pc:spChg chg="add del mod">
+          <ac:chgData name="正元　淳也" userId="ab1cd3a3-b9d9-4be4-9cd8-d64cce588c8d" providerId="ADAL" clId="{6A44C071-E8D9-466D-97A8-0C455813FE94}" dt="2021-05-17T14:22:27.603" v="4514" actId="478"/>
+          <ac:spMkLst>
+            <pc:docMk/>
+            <pc:sldMk cId="3173708232" sldId="288"/>
+            <ac:spMk id="15" creationId="{58C7CF25-031C-4774-8C6F-CA8970F26B7B}"/>
+          </ac:spMkLst>
+        </pc:spChg>
+        <pc:spChg chg="add mod">
+          <ac:chgData name="正元　淳也" userId="ab1cd3a3-b9d9-4be4-9cd8-d64cce588c8d" providerId="ADAL" clId="{6A44C071-E8D9-466D-97A8-0C455813FE94}" dt="2021-05-17T14:22:47.327" v="4518" actId="1076"/>
+          <ac:spMkLst>
+            <pc:docMk/>
+            <pc:sldMk cId="3173708232" sldId="288"/>
+            <ac:spMk id="16" creationId="{89F270A5-F69B-45B0-90ED-FBE9FF668D96}"/>
+          </ac:spMkLst>
+        </pc:spChg>
+        <pc:spChg chg="del">
+          <ac:chgData name="正元　淳也" userId="ab1cd3a3-b9d9-4be4-9cd8-d64cce588c8d" providerId="ADAL" clId="{6A44C071-E8D9-466D-97A8-0C455813FE94}" dt="2021-05-17T14:09:36.142" v="4484" actId="478"/>
+          <ac:spMkLst>
+            <pc:docMk/>
+            <pc:sldMk cId="3173708232" sldId="288"/>
+            <ac:spMk id="17" creationId="{20F81D25-F4F0-4B21-813F-CF2DB654C80C}"/>
+          </ac:spMkLst>
+        </pc:spChg>
+        <pc:spChg chg="add mod">
+          <ac:chgData name="正元　淳也" userId="ab1cd3a3-b9d9-4be4-9cd8-d64cce588c8d" providerId="ADAL" clId="{6A44C071-E8D9-466D-97A8-0C455813FE94}" dt="2021-05-17T14:24:05.379" v="4567" actId="1076"/>
+          <ac:spMkLst>
+            <pc:docMk/>
+            <pc:sldMk cId="3173708232" sldId="288"/>
+            <ac:spMk id="18" creationId="{8B90A9F3-10E4-4718-9C26-4A4093E74A11}"/>
+          </ac:spMkLst>
+        </pc:spChg>
+        <pc:spChg chg="add mod">
+          <ac:chgData name="正元　淳也" userId="ab1cd3a3-b9d9-4be4-9cd8-d64cce588c8d" providerId="ADAL" clId="{6A44C071-E8D9-466D-97A8-0C455813FE94}" dt="2021-05-17T14:23:52.646" v="4563" actId="122"/>
+          <ac:spMkLst>
+            <pc:docMk/>
+            <pc:sldMk cId="3173708232" sldId="288"/>
+            <ac:spMk id="19" creationId="{1055B90F-5DA5-4089-8BD1-47FE4910E1FB}"/>
+          </ac:spMkLst>
+        </pc:spChg>
+        <pc:spChg chg="add mod">
+          <ac:chgData name="正元　淳也" userId="ab1cd3a3-b9d9-4be4-9cd8-d64cce588c8d" providerId="ADAL" clId="{6A44C071-E8D9-466D-97A8-0C455813FE94}" dt="2021-05-17T14:24:14.762" v="4569" actId="1076"/>
+          <ac:spMkLst>
+            <pc:docMk/>
+            <pc:sldMk cId="3173708232" sldId="288"/>
+            <ac:spMk id="20" creationId="{18184EE0-820B-44B8-BDC7-B76B00AF8689}"/>
+          </ac:spMkLst>
+        </pc:spChg>
+        <pc:spChg chg="add mod">
+          <ac:chgData name="正元　淳也" userId="ab1cd3a3-b9d9-4be4-9cd8-d64cce588c8d" providerId="ADAL" clId="{6A44C071-E8D9-466D-97A8-0C455813FE94}" dt="2021-05-17T14:24:27.489" v="4581" actId="6549"/>
+          <ac:spMkLst>
+            <pc:docMk/>
+            <pc:sldMk cId="3173708232" sldId="288"/>
+            <ac:spMk id="21" creationId="{F3360C62-2E26-4A25-9801-1CB1105344CF}"/>
+          </ac:spMkLst>
+        </pc:spChg>
+        <pc:spChg chg="del">
+          <ac:chgData name="正元　淳也" userId="ab1cd3a3-b9d9-4be4-9cd8-d64cce588c8d" providerId="ADAL" clId="{6A44C071-E8D9-466D-97A8-0C455813FE94}" dt="2021-05-17T14:09:37.115" v="4485" actId="478"/>
+          <ac:spMkLst>
+            <pc:docMk/>
+            <pc:sldMk cId="3173708232" sldId="288"/>
+            <ac:spMk id="26" creationId="{CBF109C6-FB7D-4AD1-820F-CA24EAC22525}"/>
+          </ac:spMkLst>
+        </pc:spChg>
+        <pc:spChg chg="del">
+          <ac:chgData name="正元　淳也" userId="ab1cd3a3-b9d9-4be4-9cd8-d64cce588c8d" providerId="ADAL" clId="{6A44C071-E8D9-466D-97A8-0C455813FE94}" dt="2021-05-17T14:09:38.920" v="4486" actId="478"/>
+          <ac:spMkLst>
+            <pc:docMk/>
+            <pc:sldMk cId="3173708232" sldId="288"/>
+            <ac:spMk id="27" creationId="{3C73D0C5-271E-447E-BF6D-347BC88DDE45}"/>
+          </ac:spMkLst>
+        </pc:spChg>
+        <pc:spChg chg="del">
+          <ac:chgData name="正元　淳也" userId="ab1cd3a3-b9d9-4be4-9cd8-d64cce588c8d" providerId="ADAL" clId="{6A44C071-E8D9-466D-97A8-0C455813FE94}" dt="2021-05-17T14:09:31.926" v="4483" actId="478"/>
+          <ac:spMkLst>
+            <pc:docMk/>
+            <pc:sldMk cId="3173708232" sldId="288"/>
+            <ac:spMk id="28" creationId="{7CFFFD1E-940D-4DA6-B2E1-077A655EDFEA}"/>
+          </ac:spMkLst>
+        </pc:spChg>
+        <pc:picChg chg="mod">
+          <ac:chgData name="正元　淳也" userId="ab1cd3a3-b9d9-4be4-9cd8-d64cce588c8d" providerId="ADAL" clId="{6A44C071-E8D9-466D-97A8-0C455813FE94}" dt="2021-05-17T14:24:41.897" v="4582" actId="1076"/>
+          <ac:picMkLst>
+            <pc:docMk/>
+            <pc:sldMk cId="3173708232" sldId="288"/>
+            <ac:picMk id="12" creationId="{AD2DBE94-6406-47F1-ADEC-7FD84C22E245}"/>
+          </ac:picMkLst>
+        </pc:picChg>
+      </pc:sldChg>
+      <pc:sldChg chg="add ord modNotesTx">
+        <pc:chgData name="正元　淳也" userId="ab1cd3a3-b9d9-4be4-9cd8-d64cce588c8d" providerId="ADAL" clId="{6A44C071-E8D9-466D-97A8-0C455813FE94}" dt="2021-05-17T14:30:00.740" v="4832" actId="20577"/>
+        <pc:sldMkLst>
+          <pc:docMk/>
+          <pc:sldMk cId="3367843482" sldId="289"/>
         </pc:sldMkLst>
       </pc:sldChg>
     </pc:docChg>
@@ -9619,7 +10154,7 @@
           </a:lstStyle>
           <a:p>
             <a:pPr rtl="0"/>
-            <a:endParaRPr lang="ja-JP" altLang="en-US" dirty="0">
+            <a:endParaRPr lang="ja-JP" altLang="en-US">
               <a:latin typeface="Meiryo UI" panose="020B0604030504040204" pitchFamily="50" charset="-128"/>
               <a:ea typeface="Meiryo UI" panose="020B0604030504040204" pitchFamily="50" charset="-128"/>
             </a:endParaRPr>
@@ -9659,9 +10194,9 @@
                 <a:latin typeface="Meiryo UI" panose="020B0604030504040204" pitchFamily="50" charset="-128"/>
                 <a:ea typeface="Meiryo UI" panose="020B0604030504040204" pitchFamily="50" charset="-128"/>
               </a:rPr>
-              <a:t>2021年5月16日</a:t>
+              <a:t>2021年5月17日</a:t>
             </a:fld>
-            <a:endParaRPr lang="ja-JP" altLang="en-US" dirty="0">
+            <a:endParaRPr lang="ja-JP" altLang="en-US">
               <a:latin typeface="Meiryo UI" panose="020B0604030504040204" pitchFamily="50" charset="-128"/>
               <a:ea typeface="Meiryo UI" panose="020B0604030504040204" pitchFamily="50" charset="-128"/>
             </a:endParaRPr>
@@ -9696,7 +10231,7 @@
           </a:lstStyle>
           <a:p>
             <a:pPr rtl="0"/>
-            <a:endParaRPr lang="ja-JP" altLang="en-US" dirty="0">
+            <a:endParaRPr lang="ja-JP" altLang="en-US">
               <a:latin typeface="Meiryo UI" panose="020B0604030504040204" pitchFamily="50" charset="-128"/>
               <a:ea typeface="Meiryo UI" panose="020B0604030504040204" pitchFamily="50" charset="-128"/>
             </a:endParaRPr>
@@ -9738,7 +10273,7 @@
               </a:rPr>
               <a:t>‹#›</a:t>
             </a:fld>
-            <a:endParaRPr lang="ja-JP" altLang="en-US" dirty="0">
+            <a:endParaRPr lang="ja-JP" altLang="en-US">
               <a:latin typeface="Meiryo UI" panose="020B0604030504040204" pitchFamily="50" charset="-128"/>
               <a:ea typeface="Meiryo UI" panose="020B0604030504040204" pitchFamily="50" charset="-128"/>
             </a:endParaRPr>
@@ -9809,7 +10344,7 @@
             </a:lvl1pPr>
           </a:lstStyle>
           <a:p>
-            <a:endParaRPr lang="ja-JP" altLang="en-US" dirty="0"/>
+            <a:endParaRPr lang="ja-JP" altLang="en-US"/>
           </a:p>
         </p:txBody>
       </p:sp>
@@ -9846,7 +10381,7 @@
             <a:fld id="{15F51FCC-6853-4383-B2F8-998AA394481E}" type="datetime4">
               <a:rPr lang="ja-JP" altLang="en-US" smtClean="0"/>
               <a:pPr/>
-              <a:t>2021年5月16日</a:t>
+              <a:t>2021年5月17日</a:t>
             </a:fld>
             <a:endParaRPr lang="en-US"/>
           </a:p>
@@ -9882,7 +10417,7 @@
           <a:lstStyle/>
           <a:p>
             <a:pPr rtl="0"/>
-            <a:endParaRPr lang="ja-JP" altLang="en-US" noProof="0" dirty="0"/>
+            <a:endParaRPr lang="ja-JP" altLang="en-US" noProof="0"/>
           </a:p>
         </p:txBody>
       </p:sp>
@@ -9911,67 +10446,67 @@
           <a:p>
             <a:pPr lvl="0" rtl="0"/>
             <a:r>
-              <a:rPr lang="ja-JP" altLang="en-US" noProof="0" dirty="0"/>
+              <a:rPr lang="ja-JP" altLang="en-US" noProof="0"/>
               <a:t>クリックしてマスター テキストのスタイルを編集</a:t>
             </a:r>
           </a:p>
           <a:p>
             <a:pPr lvl="1" rtl="0"/>
             <a:r>
-              <a:rPr lang="ja-JP" altLang="en-US" noProof="0" dirty="0"/>
+              <a:rPr lang="ja-JP" altLang="en-US" noProof="0"/>
               <a:t>第 </a:t>
             </a:r>
             <a:r>
-              <a:rPr lang="en-US" altLang="ja-JP" noProof="0" dirty="0"/>
+              <a:rPr lang="en-US" altLang="ja-JP" noProof="0"/>
               <a:t>2 </a:t>
             </a:r>
             <a:r>
-              <a:rPr lang="ja-JP" altLang="en-US" noProof="0" dirty="0"/>
+              <a:rPr lang="ja-JP" altLang="en-US" noProof="0"/>
               <a:t>レベル</a:t>
             </a:r>
           </a:p>
           <a:p>
             <a:pPr lvl="2" rtl="0"/>
             <a:r>
-              <a:rPr lang="ja-JP" altLang="en-US" noProof="0" dirty="0"/>
+              <a:rPr lang="ja-JP" altLang="en-US" noProof="0"/>
               <a:t>第 </a:t>
             </a:r>
             <a:r>
-              <a:rPr lang="en-US" altLang="ja-JP" noProof="0" dirty="0"/>
+              <a:rPr lang="en-US" altLang="ja-JP" noProof="0"/>
               <a:t>3 </a:t>
             </a:r>
             <a:r>
-              <a:rPr lang="ja-JP" altLang="en-US" noProof="0" dirty="0"/>
+              <a:rPr lang="ja-JP" altLang="en-US" noProof="0"/>
               <a:t>レベル</a:t>
             </a:r>
           </a:p>
           <a:p>
             <a:pPr lvl="3" rtl="0"/>
             <a:r>
-              <a:rPr lang="ja-JP" altLang="en-US" noProof="0" dirty="0"/>
+              <a:rPr lang="ja-JP" altLang="en-US" noProof="0"/>
               <a:t>第 </a:t>
             </a:r>
             <a:r>
-              <a:rPr lang="en-US" altLang="ja-JP" noProof="0" dirty="0"/>
+              <a:rPr lang="en-US" altLang="ja-JP" noProof="0"/>
               <a:t>4 </a:t>
             </a:r>
             <a:r>
-              <a:rPr lang="ja-JP" altLang="en-US" noProof="0" dirty="0"/>
+              <a:rPr lang="ja-JP" altLang="en-US" noProof="0"/>
               <a:t>レベル</a:t>
             </a:r>
           </a:p>
           <a:p>
             <a:pPr lvl="4" rtl="0"/>
             <a:r>
-              <a:rPr lang="ja-JP" altLang="en-US" noProof="0" dirty="0"/>
+              <a:rPr lang="ja-JP" altLang="en-US" noProof="0"/>
               <a:t>第 </a:t>
             </a:r>
             <a:r>
-              <a:rPr lang="en-US" altLang="ja-JP" noProof="0" dirty="0"/>
+              <a:rPr lang="en-US" altLang="ja-JP" noProof="0"/>
               <a:t>5 </a:t>
             </a:r>
             <a:r>
-              <a:rPr lang="ja-JP" altLang="en-US" noProof="0" dirty="0"/>
+              <a:rPr lang="ja-JP" altLang="en-US" noProof="0"/>
               <a:t>レベル</a:t>
             </a:r>
           </a:p>
@@ -10007,7 +10542,7 @@
             </a:lvl1pPr>
           </a:lstStyle>
           <a:p>
-            <a:endParaRPr lang="ja-JP" altLang="en-US" dirty="0"/>
+            <a:endParaRPr lang="ja-JP" altLang="en-US"/>
           </a:p>
         </p:txBody>
       </p:sp>
@@ -10046,7 +10581,7 @@
               <a:pPr/>
               <a:t>‹#›</a:t>
             </a:fld>
-            <a:endParaRPr lang="ja-JP" altLang="en-US" dirty="0"/>
+            <a:endParaRPr lang="ja-JP" altLang="en-US"/>
           </a:p>
         </p:txBody>
       </p:sp>
@@ -10198,7 +10733,7 @@
           <a:bodyPr/>
           <a:lstStyle/>
           <a:p>
-            <a:endParaRPr kumimoji="1" lang="ja-JP" altLang="en-US" dirty="0">
+            <a:endParaRPr kumimoji="1" lang="ja-JP" altLang="en-US">
               <a:latin typeface="Meiryo UI" panose="020B0604030504040204" pitchFamily="50" charset="-128"/>
               <a:ea typeface="Meiryo UI" panose="020B0604030504040204" pitchFamily="50" charset="-128"/>
             </a:endParaRPr>
@@ -10228,7 +10763,7 @@
               </a:rPr>
               <a:t>1</a:t>
             </a:fld>
-            <a:endParaRPr lang="ja-JP" altLang="en-US" dirty="0">
+            <a:endParaRPr lang="ja-JP" altLang="en-US">
               <a:latin typeface="Meiryo UI" panose="020B0604030504040204" pitchFamily="50" charset="-128"/>
               <a:ea typeface="Meiryo UI" panose="020B0604030504040204" pitchFamily="50" charset="-128"/>
             </a:endParaRPr>
@@ -10292,6 +10827,19 @@
           <a:bodyPr/>
           <a:lstStyle/>
           <a:p>
+            <a:r>
+              <a:rPr kumimoji="1" lang="ja-JP" altLang="en-US" dirty="0">
+                <a:latin typeface="Meiryo UI" panose="020B0604030504040204" pitchFamily="50" charset="-128"/>
+                <a:ea typeface="Meiryo UI" panose="020B0604030504040204" pitchFamily="50" charset="-128"/>
+              </a:rPr>
+              <a:t>みちびきによる高精度測位技術の習得・ロボットの自立走行に関する知見を得ること。</a:t>
+            </a:r>
+            <a:endParaRPr kumimoji="1" lang="en-US" altLang="ja-JP" dirty="0">
+              <a:latin typeface="Meiryo UI" panose="020B0604030504040204" pitchFamily="50" charset="-128"/>
+              <a:ea typeface="Meiryo UI" panose="020B0604030504040204" pitchFamily="50" charset="-128"/>
+            </a:endParaRPr>
+          </a:p>
+          <a:p>
             <a:endParaRPr kumimoji="1" lang="ja-JP" altLang="en-US" dirty="0">
               <a:latin typeface="Meiryo UI" panose="020B0604030504040204" pitchFamily="50" charset="-128"/>
               <a:ea typeface="Meiryo UI" panose="020B0604030504040204" pitchFamily="50" charset="-128"/>
@@ -10332,7 +10880,7 @@
     </p:spTree>
     <p:extLst>
       <p:ext uri="{BB962C8B-B14F-4D97-AF65-F5344CB8AC3E}">
-        <p14:creationId xmlns:p14="http://schemas.microsoft.com/office/powerpoint/2010/main" val="949286847"/>
+        <p14:creationId xmlns:p14="http://schemas.microsoft.com/office/powerpoint/2010/main" val="3432627289"/>
       </p:ext>
     </p:extLst>
   </p:cSld>
@@ -10386,7 +10934,7 @@
           <a:bodyPr/>
           <a:lstStyle/>
           <a:p>
-            <a:endParaRPr kumimoji="1" lang="ja-JP" altLang="en-US" dirty="0">
+            <a:endParaRPr kumimoji="1" lang="ja-JP" altLang="en-US">
               <a:latin typeface="Meiryo UI" panose="020B0604030504040204" pitchFamily="50" charset="-128"/>
               <a:ea typeface="Meiryo UI" panose="020B0604030504040204" pitchFamily="50" charset="-128"/>
             </a:endParaRPr>
@@ -10416,7 +10964,7 @@
               </a:rPr>
               <a:t>11</a:t>
             </a:fld>
-            <a:endParaRPr lang="ja-JP" altLang="en-US" dirty="0">
+            <a:endParaRPr lang="ja-JP" altLang="en-US">
               <a:latin typeface="Meiryo UI" panose="020B0604030504040204" pitchFamily="50" charset="-128"/>
               <a:ea typeface="Meiryo UI" panose="020B0604030504040204" pitchFamily="50" charset="-128"/>
             </a:endParaRPr>
@@ -10426,7 +10974,7 @@
     </p:spTree>
     <p:extLst>
       <p:ext uri="{BB962C8B-B14F-4D97-AF65-F5344CB8AC3E}">
-        <p14:creationId xmlns:p14="http://schemas.microsoft.com/office/powerpoint/2010/main" val="3498537352"/>
+        <p14:creationId xmlns:p14="http://schemas.microsoft.com/office/powerpoint/2010/main" val="4012052570"/>
       </p:ext>
     </p:extLst>
   </p:cSld>
@@ -10480,7 +11028,7 @@
           <a:bodyPr/>
           <a:lstStyle/>
           <a:p>
-            <a:endParaRPr kumimoji="1" lang="ja-JP" altLang="en-US" dirty="0">
+            <a:endParaRPr kumimoji="1" lang="ja-JP" altLang="en-US">
               <a:latin typeface="Meiryo UI" panose="020B0604030504040204" pitchFamily="50" charset="-128"/>
               <a:ea typeface="Meiryo UI" panose="020B0604030504040204" pitchFamily="50" charset="-128"/>
             </a:endParaRPr>
@@ -10510,7 +11058,7 @@
               </a:rPr>
               <a:t>12</a:t>
             </a:fld>
-            <a:endParaRPr lang="ja-JP" altLang="en-US" dirty="0">
+            <a:endParaRPr lang="ja-JP" altLang="en-US">
               <a:latin typeface="Meiryo UI" panose="020B0604030504040204" pitchFamily="50" charset="-128"/>
               <a:ea typeface="Meiryo UI" panose="020B0604030504040204" pitchFamily="50" charset="-128"/>
             </a:endParaRPr>
@@ -10520,7 +11068,7 @@
     </p:spTree>
     <p:extLst>
       <p:ext uri="{BB962C8B-B14F-4D97-AF65-F5344CB8AC3E}">
-        <p14:creationId xmlns:p14="http://schemas.microsoft.com/office/powerpoint/2010/main" val="1661277790"/>
+        <p14:creationId xmlns:p14="http://schemas.microsoft.com/office/powerpoint/2010/main" val="949286847"/>
       </p:ext>
     </p:extLst>
   </p:cSld>
@@ -10574,7 +11122,7 @@
           <a:bodyPr/>
           <a:lstStyle/>
           <a:p>
-            <a:endParaRPr kumimoji="1" lang="ja-JP" altLang="en-US" dirty="0">
+            <a:endParaRPr kumimoji="1" lang="ja-JP" altLang="en-US">
               <a:latin typeface="Meiryo UI" panose="020B0604030504040204" pitchFamily="50" charset="-128"/>
               <a:ea typeface="Meiryo UI" panose="020B0604030504040204" pitchFamily="50" charset="-128"/>
             </a:endParaRPr>
@@ -10604,7 +11152,292 @@
               </a:rPr>
               <a:t>13</a:t>
             </a:fld>
-            <a:endParaRPr lang="ja-JP" altLang="en-US" dirty="0">
+            <a:endParaRPr lang="ja-JP" altLang="en-US">
+              <a:latin typeface="Meiryo UI" panose="020B0604030504040204" pitchFamily="50" charset="-128"/>
+              <a:ea typeface="Meiryo UI" panose="020B0604030504040204" pitchFamily="50" charset="-128"/>
+            </a:endParaRPr>
+          </a:p>
+        </p:txBody>
+      </p:sp>
+    </p:spTree>
+    <p:extLst>
+      <p:ext uri="{BB962C8B-B14F-4D97-AF65-F5344CB8AC3E}">
+        <p14:creationId xmlns:p14="http://schemas.microsoft.com/office/powerpoint/2010/main" val="3498537352"/>
+      </p:ext>
+    </p:extLst>
+  </p:cSld>
+  <p:clrMapOvr>
+    <a:masterClrMapping/>
+  </p:clrMapOvr>
+</p:notes>
+</file>
+
+<file path=ppt/notesSlides/notesSlide14.xml><?xml version="1.0" encoding="utf-8"?>
+<p:notes xmlns:a="http://schemas.openxmlformats.org/drawingml/2006/main" xmlns:r="http://schemas.openxmlformats.org/officeDocument/2006/relationships" xmlns:p="http://schemas.openxmlformats.org/presentationml/2006/main">
+  <p:cSld>
+    <p:spTree>
+      <p:nvGrpSpPr>
+        <p:cNvPr id="1" name=""/>
+        <p:cNvGrpSpPr/>
+        <p:nvPr/>
+      </p:nvGrpSpPr>
+      <p:grpSpPr>
+        <a:xfrm>
+          <a:off x="0" y="0"/>
+          <a:ext cx="0" cy="0"/>
+          <a:chOff x="0" y="0"/>
+          <a:chExt cx="0" cy="0"/>
+        </a:xfrm>
+      </p:grpSpPr>
+      <p:sp>
+        <p:nvSpPr>
+          <p:cNvPr id="2" name="スライド イメージ プレースホルダー 1"/>
+          <p:cNvSpPr>
+            <a:spLocks noGrp="1" noRot="1" noChangeAspect="1"/>
+          </p:cNvSpPr>
+          <p:nvPr>
+            <p:ph type="sldImg"/>
+          </p:nvPr>
+        </p:nvSpPr>
+        <p:spPr/>
+      </p:sp>
+      <p:sp>
+        <p:nvSpPr>
+          <p:cNvPr id="3" name="ノート プレースホルダー 2"/>
+          <p:cNvSpPr>
+            <a:spLocks noGrp="1"/>
+          </p:cNvSpPr>
+          <p:nvPr>
+            <p:ph type="body" idx="1"/>
+          </p:nvPr>
+        </p:nvSpPr>
+        <p:spPr/>
+        <p:txBody>
+          <a:bodyPr/>
+          <a:lstStyle/>
+          <a:p>
+            <a:endParaRPr kumimoji="1" lang="ja-JP" altLang="en-US">
+              <a:latin typeface="Meiryo UI" panose="020B0604030504040204" pitchFamily="50" charset="-128"/>
+              <a:ea typeface="Meiryo UI" panose="020B0604030504040204" pitchFamily="50" charset="-128"/>
+            </a:endParaRPr>
+          </a:p>
+        </p:txBody>
+      </p:sp>
+      <p:sp>
+        <p:nvSpPr>
+          <p:cNvPr id="4" name="スライド番号プレースホルダー 3"/>
+          <p:cNvSpPr>
+            <a:spLocks noGrp="1"/>
+          </p:cNvSpPr>
+          <p:nvPr>
+            <p:ph type="sldNum" sz="quarter" idx="10"/>
+          </p:nvPr>
+        </p:nvSpPr>
+        <p:spPr/>
+        <p:txBody>
+          <a:bodyPr/>
+          <a:lstStyle/>
+          <a:p>
+            <a:pPr rtl="0"/>
+            <a:fld id="{82869989-EB00-4EE7-BCB5-25BDC5BB29F8}" type="slidenum">
+              <a:rPr lang="en-US" altLang="ja-JP" smtClean="0">
+                <a:latin typeface="Meiryo UI" panose="020B0604030504040204" pitchFamily="50" charset="-128"/>
+                <a:ea typeface="Meiryo UI" panose="020B0604030504040204" pitchFamily="50" charset="-128"/>
+              </a:rPr>
+              <a:t>14</a:t>
+            </a:fld>
+            <a:endParaRPr lang="ja-JP" altLang="en-US">
+              <a:latin typeface="Meiryo UI" panose="020B0604030504040204" pitchFamily="50" charset="-128"/>
+              <a:ea typeface="Meiryo UI" panose="020B0604030504040204" pitchFamily="50" charset="-128"/>
+            </a:endParaRPr>
+          </a:p>
+        </p:txBody>
+      </p:sp>
+    </p:spTree>
+    <p:extLst>
+      <p:ext uri="{BB962C8B-B14F-4D97-AF65-F5344CB8AC3E}">
+        <p14:creationId xmlns:p14="http://schemas.microsoft.com/office/powerpoint/2010/main" val="1661277790"/>
+      </p:ext>
+    </p:extLst>
+  </p:cSld>
+  <p:clrMapOvr>
+    <a:masterClrMapping/>
+  </p:clrMapOvr>
+</p:notes>
+</file>
+
+<file path=ppt/notesSlides/notesSlide15.xml><?xml version="1.0" encoding="utf-8"?>
+<p:notes xmlns:a="http://schemas.openxmlformats.org/drawingml/2006/main" xmlns:r="http://schemas.openxmlformats.org/officeDocument/2006/relationships" xmlns:p="http://schemas.openxmlformats.org/presentationml/2006/main">
+  <p:cSld>
+    <p:spTree>
+      <p:nvGrpSpPr>
+        <p:cNvPr id="1" name=""/>
+        <p:cNvGrpSpPr/>
+        <p:nvPr/>
+      </p:nvGrpSpPr>
+      <p:grpSpPr>
+        <a:xfrm>
+          <a:off x="0" y="0"/>
+          <a:ext cx="0" cy="0"/>
+          <a:chOff x="0" y="0"/>
+          <a:chExt cx="0" cy="0"/>
+        </a:xfrm>
+      </p:grpSpPr>
+      <p:sp>
+        <p:nvSpPr>
+          <p:cNvPr id="2" name="スライド イメージ プレースホルダー 1"/>
+          <p:cNvSpPr>
+            <a:spLocks noGrp="1" noRot="1" noChangeAspect="1"/>
+          </p:cNvSpPr>
+          <p:nvPr>
+            <p:ph type="sldImg"/>
+          </p:nvPr>
+        </p:nvSpPr>
+        <p:spPr/>
+      </p:sp>
+      <p:sp>
+        <p:nvSpPr>
+          <p:cNvPr id="3" name="ノート プレースホルダー 2"/>
+          <p:cNvSpPr>
+            <a:spLocks noGrp="1"/>
+          </p:cNvSpPr>
+          <p:nvPr>
+            <p:ph type="body" idx="1"/>
+          </p:nvPr>
+        </p:nvSpPr>
+        <p:spPr/>
+        <p:txBody>
+          <a:bodyPr/>
+          <a:lstStyle/>
+          <a:p>
+            <a:r>
+              <a:rPr kumimoji="1" lang="ja-JP" altLang="en-US" dirty="0">
+                <a:latin typeface="Meiryo UI" panose="020B0604030504040204" pitchFamily="50" charset="-128"/>
+                <a:ea typeface="Meiryo UI" panose="020B0604030504040204" pitchFamily="50" charset="-128"/>
+              </a:rPr>
+              <a:t>まとめると、このような構成になる</a:t>
+            </a:r>
+          </a:p>
+        </p:txBody>
+      </p:sp>
+      <p:sp>
+        <p:nvSpPr>
+          <p:cNvPr id="4" name="スライド番号プレースホルダー 3"/>
+          <p:cNvSpPr>
+            <a:spLocks noGrp="1"/>
+          </p:cNvSpPr>
+          <p:nvPr>
+            <p:ph type="sldNum" sz="quarter" idx="10"/>
+          </p:nvPr>
+        </p:nvSpPr>
+        <p:spPr/>
+        <p:txBody>
+          <a:bodyPr/>
+          <a:lstStyle/>
+          <a:p>
+            <a:pPr rtl="0"/>
+            <a:fld id="{82869989-EB00-4EE7-BCB5-25BDC5BB29F8}" type="slidenum">
+              <a:rPr lang="en-US" altLang="ja-JP" smtClean="0">
+                <a:latin typeface="Meiryo UI" panose="020B0604030504040204" pitchFamily="50" charset="-128"/>
+                <a:ea typeface="Meiryo UI" panose="020B0604030504040204" pitchFamily="50" charset="-128"/>
+              </a:rPr>
+              <a:t>15</a:t>
+            </a:fld>
+            <a:endParaRPr lang="ja-JP" altLang="en-US">
+              <a:latin typeface="Meiryo UI" panose="020B0604030504040204" pitchFamily="50" charset="-128"/>
+              <a:ea typeface="Meiryo UI" panose="020B0604030504040204" pitchFamily="50" charset="-128"/>
+            </a:endParaRPr>
+          </a:p>
+        </p:txBody>
+      </p:sp>
+    </p:spTree>
+    <p:extLst>
+      <p:ext uri="{BB962C8B-B14F-4D97-AF65-F5344CB8AC3E}">
+        <p14:creationId xmlns:p14="http://schemas.microsoft.com/office/powerpoint/2010/main" val="4209789654"/>
+      </p:ext>
+    </p:extLst>
+  </p:cSld>
+  <p:clrMapOvr>
+    <a:masterClrMapping/>
+  </p:clrMapOvr>
+</p:notes>
+</file>
+
+<file path=ppt/notesSlides/notesSlide16.xml><?xml version="1.0" encoding="utf-8"?>
+<p:notes xmlns:a="http://schemas.openxmlformats.org/drawingml/2006/main" xmlns:r="http://schemas.openxmlformats.org/officeDocument/2006/relationships" xmlns:p="http://schemas.openxmlformats.org/presentationml/2006/main">
+  <p:cSld>
+    <p:spTree>
+      <p:nvGrpSpPr>
+        <p:cNvPr id="1" name=""/>
+        <p:cNvGrpSpPr/>
+        <p:nvPr/>
+      </p:nvGrpSpPr>
+      <p:grpSpPr>
+        <a:xfrm>
+          <a:off x="0" y="0"/>
+          <a:ext cx="0" cy="0"/>
+          <a:chOff x="0" y="0"/>
+          <a:chExt cx="0" cy="0"/>
+        </a:xfrm>
+      </p:grpSpPr>
+      <p:sp>
+        <p:nvSpPr>
+          <p:cNvPr id="2" name="スライド イメージ プレースホルダー 1"/>
+          <p:cNvSpPr>
+            <a:spLocks noGrp="1" noRot="1" noChangeAspect="1"/>
+          </p:cNvSpPr>
+          <p:nvPr>
+            <p:ph type="sldImg"/>
+          </p:nvPr>
+        </p:nvSpPr>
+        <p:spPr/>
+      </p:sp>
+      <p:sp>
+        <p:nvSpPr>
+          <p:cNvPr id="3" name="ノート プレースホルダー 2"/>
+          <p:cNvSpPr>
+            <a:spLocks noGrp="1"/>
+          </p:cNvSpPr>
+          <p:nvPr>
+            <p:ph type="body" idx="1"/>
+          </p:nvPr>
+        </p:nvSpPr>
+        <p:spPr/>
+        <p:txBody>
+          <a:bodyPr/>
+          <a:lstStyle/>
+          <a:p>
+            <a:endParaRPr kumimoji="1" lang="ja-JP" altLang="en-US">
+              <a:latin typeface="Meiryo UI" panose="020B0604030504040204" pitchFamily="50" charset="-128"/>
+              <a:ea typeface="Meiryo UI" panose="020B0604030504040204" pitchFamily="50" charset="-128"/>
+            </a:endParaRPr>
+          </a:p>
+        </p:txBody>
+      </p:sp>
+      <p:sp>
+        <p:nvSpPr>
+          <p:cNvPr id="4" name="スライド番号プレースホルダー 3"/>
+          <p:cNvSpPr>
+            <a:spLocks noGrp="1"/>
+          </p:cNvSpPr>
+          <p:nvPr>
+            <p:ph type="sldNum" sz="quarter" idx="10"/>
+          </p:nvPr>
+        </p:nvSpPr>
+        <p:spPr/>
+        <p:txBody>
+          <a:bodyPr/>
+          <a:lstStyle/>
+          <a:p>
+            <a:pPr rtl="0"/>
+            <a:fld id="{82869989-EB00-4EE7-BCB5-25BDC5BB29F8}" type="slidenum">
+              <a:rPr lang="en-US" altLang="ja-JP" smtClean="0">
+                <a:latin typeface="Meiryo UI" panose="020B0604030504040204" pitchFamily="50" charset="-128"/>
+                <a:ea typeface="Meiryo UI" panose="020B0604030504040204" pitchFamily="50" charset="-128"/>
+              </a:rPr>
+              <a:t>16</a:t>
+            </a:fld>
+            <a:endParaRPr lang="ja-JP" altLang="en-US">
               <a:latin typeface="Meiryo UI" panose="020B0604030504040204" pitchFamily="50" charset="-128"/>
               <a:ea typeface="Meiryo UI" panose="020B0604030504040204" pitchFamily="50" charset="-128"/>
             </a:endParaRPr>
@@ -10669,7 +11502,7 @@
           <a:lstStyle/>
           <a:p>
             <a:pPr rtl="0"/>
-            <a:endParaRPr lang="ja-JP" altLang="en-US" dirty="0">
+            <a:endParaRPr lang="ja-JP" altLang="en-US">
               <a:latin typeface="Meiryo UI" panose="020B0604030504040204" pitchFamily="50" charset="-128"/>
               <a:ea typeface="Meiryo UI" panose="020B0604030504040204" pitchFamily="50" charset="-128"/>
             </a:endParaRPr>
@@ -10699,7 +11532,7 @@
               </a:rPr>
               <a:t>2</a:t>
             </a:fld>
-            <a:endParaRPr lang="ja-JP" altLang="en-US" dirty="0">
+            <a:endParaRPr lang="ja-JP" altLang="en-US">
               <a:latin typeface="Meiryo UI" panose="020B0604030504040204" pitchFamily="50" charset="-128"/>
               <a:ea typeface="Meiryo UI" panose="020B0604030504040204" pitchFamily="50" charset="-128"/>
             </a:endParaRPr>
@@ -10781,25 +11614,25 @@
               <a:defRPr/>
             </a:pPr>
             <a:r>
-              <a:rPr lang="en-US" altLang="ja-JP" sz="1200" dirty="0" err="1"/>
+              <a:rPr lang="en-US" altLang="ja-JP" sz="1200" err="1"/>
               <a:t>GoogleMAP</a:t>
             </a:r>
             <a:r>
-              <a:rPr lang="ja-JP" altLang="en-US" sz="1200" dirty="0"/>
+              <a:rPr lang="ja-JP" altLang="en-US" sz="1200"/>
               <a:t>で指定した場所まで</a:t>
             </a:r>
             <a:r>
-              <a:rPr lang="en-US" altLang="ja-JP" sz="1200" dirty="0"/>
+              <a:rPr lang="en-US" altLang="ja-JP" sz="1200"/>
               <a:t>GPS</a:t>
             </a:r>
             <a:r>
-              <a:rPr lang="ja-JP" altLang="en-US" sz="1200" dirty="0"/>
+              <a:rPr lang="ja-JP" altLang="en-US" sz="1200"/>
               <a:t>の自己位置をもとに自立走行するロボットの製作</a:t>
             </a:r>
-            <a:endParaRPr lang="ja-JP" altLang="ja-JP" sz="1050" dirty="0"/>
+            <a:endParaRPr lang="ja-JP" altLang="ja-JP" sz="1050"/>
           </a:p>
           <a:p>
-            <a:endParaRPr kumimoji="1" lang="ja-JP" altLang="en-US" dirty="0">
+            <a:endParaRPr kumimoji="1" lang="ja-JP" altLang="en-US">
               <a:latin typeface="Meiryo UI" panose="020B0604030504040204" pitchFamily="50" charset="-128"/>
               <a:ea typeface="Meiryo UI" panose="020B0604030504040204" pitchFamily="50" charset="-128"/>
             </a:endParaRPr>
@@ -10829,7 +11662,7 @@
               </a:rPr>
               <a:t>3</a:t>
             </a:fld>
-            <a:endParaRPr lang="ja-JP" altLang="en-US" dirty="0">
+            <a:endParaRPr lang="ja-JP" altLang="en-US">
               <a:latin typeface="Meiryo UI" panose="020B0604030504040204" pitchFamily="50" charset="-128"/>
               <a:ea typeface="Meiryo UI" panose="020B0604030504040204" pitchFamily="50" charset="-128"/>
             </a:endParaRPr>
@@ -10893,7 +11726,7 @@
           <a:bodyPr/>
           <a:lstStyle/>
           <a:p>
-            <a:endParaRPr kumimoji="1" lang="ja-JP" altLang="en-US" dirty="0">
+            <a:endParaRPr kumimoji="1" lang="ja-JP" altLang="en-US">
               <a:latin typeface="Meiryo UI" panose="020B0604030504040204" pitchFamily="50" charset="-128"/>
               <a:ea typeface="Meiryo UI" panose="020B0604030504040204" pitchFamily="50" charset="-128"/>
             </a:endParaRPr>
@@ -10923,7 +11756,7 @@
               </a:rPr>
               <a:t>4</a:t>
             </a:fld>
-            <a:endParaRPr lang="ja-JP" altLang="en-US" dirty="0">
+            <a:endParaRPr lang="ja-JP" altLang="en-US">
               <a:latin typeface="Meiryo UI" panose="020B0604030504040204" pitchFamily="50" charset="-128"/>
               <a:ea typeface="Meiryo UI" panose="020B0604030504040204" pitchFamily="50" charset="-128"/>
             </a:endParaRPr>
@@ -10988,13 +11821,13 @@
           <a:lstStyle/>
           <a:p>
             <a:r>
-              <a:rPr kumimoji="1" lang="ja-JP" altLang="en-US" dirty="0">
+              <a:rPr kumimoji="1" lang="ja-JP" altLang="en-US">
                 <a:latin typeface="Meiryo UI" panose="020B0604030504040204" pitchFamily="50" charset="-128"/>
                 <a:ea typeface="Meiryo UI" panose="020B0604030504040204" pitchFamily="50" charset="-128"/>
               </a:rPr>
               <a:t>みちびきによる高精度測位技術の習得・ロボットの自立走行に関する知見を得ること。</a:t>
             </a:r>
-            <a:endParaRPr kumimoji="1" lang="en-US" altLang="ja-JP" dirty="0">
+            <a:endParaRPr kumimoji="1" lang="en-US" altLang="ja-JP">
               <a:latin typeface="Meiryo UI" panose="020B0604030504040204" pitchFamily="50" charset="-128"/>
               <a:ea typeface="Meiryo UI" panose="020B0604030504040204" pitchFamily="50" charset="-128"/>
             </a:endParaRPr>
@@ -11024,7 +11857,7 @@
               <a:rPr lang="ja-JP" altLang="en-US" sz="1200" dirty="0"/>
               <a:t>公園等の簡単な障害物がある平地での自立走行を目指す。</a:t>
             </a:r>
-            <a:endParaRPr kumimoji="1" lang="ja-JP" altLang="en-US" dirty="0">
+            <a:endParaRPr kumimoji="1" lang="ja-JP" altLang="en-US">
               <a:latin typeface="Meiryo UI" panose="020B0604030504040204" pitchFamily="50" charset="-128"/>
               <a:ea typeface="Meiryo UI" panose="020B0604030504040204" pitchFamily="50" charset="-128"/>
             </a:endParaRPr>
@@ -11054,7 +11887,7 @@
               </a:rPr>
               <a:t>5</a:t>
             </a:fld>
-            <a:endParaRPr lang="ja-JP" altLang="en-US" dirty="0">
+            <a:endParaRPr lang="ja-JP" altLang="en-US">
               <a:latin typeface="Meiryo UI" panose="020B0604030504040204" pitchFamily="50" charset="-128"/>
               <a:ea typeface="Meiryo UI" panose="020B0604030504040204" pitchFamily="50" charset="-128"/>
             </a:endParaRPr>
@@ -11144,13 +11977,225 @@
               <a:ea typeface="Meiryo UI" panose="020B0604030504040204" pitchFamily="50" charset="-128"/>
             </a:endParaRPr>
           </a:p>
+        </p:txBody>
+      </p:sp>
+      <p:sp>
+        <p:nvSpPr>
+          <p:cNvPr id="4" name="スライド番号プレースホルダー 3"/>
+          <p:cNvSpPr>
+            <a:spLocks noGrp="1"/>
+          </p:cNvSpPr>
+          <p:nvPr>
+            <p:ph type="sldNum" sz="quarter" idx="10"/>
+          </p:nvPr>
+        </p:nvSpPr>
+        <p:spPr/>
+        <p:txBody>
+          <a:bodyPr/>
+          <a:lstStyle/>
+          <a:p>
+            <a:pPr rtl="0"/>
+            <a:fld id="{82869989-EB00-4EE7-BCB5-25BDC5BB29F8}" type="slidenum">
+              <a:rPr lang="en-US" altLang="ja-JP" smtClean="0">
+                <a:latin typeface="Meiryo UI" panose="020B0604030504040204" pitchFamily="50" charset="-128"/>
+                <a:ea typeface="Meiryo UI" panose="020B0604030504040204" pitchFamily="50" charset="-128"/>
+              </a:rPr>
+              <a:t>6</a:t>
+            </a:fld>
+            <a:endParaRPr lang="ja-JP" altLang="en-US">
+              <a:latin typeface="Meiryo UI" panose="020B0604030504040204" pitchFamily="50" charset="-128"/>
+              <a:ea typeface="Meiryo UI" panose="020B0604030504040204" pitchFamily="50" charset="-128"/>
+            </a:endParaRPr>
+          </a:p>
+        </p:txBody>
+      </p:sp>
+    </p:spTree>
+    <p:extLst>
+      <p:ext uri="{BB962C8B-B14F-4D97-AF65-F5344CB8AC3E}">
+        <p14:creationId xmlns:p14="http://schemas.microsoft.com/office/powerpoint/2010/main" val="1769673768"/>
+      </p:ext>
+    </p:extLst>
+  </p:cSld>
+  <p:clrMapOvr>
+    <a:masterClrMapping/>
+  </p:clrMapOvr>
+</p:notes>
+</file>
+
+<file path=ppt/notesSlides/notesSlide7.xml><?xml version="1.0" encoding="utf-8"?>
+<p:notes xmlns:a="http://schemas.openxmlformats.org/drawingml/2006/main" xmlns:r="http://schemas.openxmlformats.org/officeDocument/2006/relationships" xmlns:p="http://schemas.openxmlformats.org/presentationml/2006/main">
+  <p:cSld>
+    <p:spTree>
+      <p:nvGrpSpPr>
+        <p:cNvPr id="1" name=""/>
+        <p:cNvGrpSpPr/>
+        <p:nvPr/>
+      </p:nvGrpSpPr>
+      <p:grpSpPr>
+        <a:xfrm>
+          <a:off x="0" y="0"/>
+          <a:ext cx="0" cy="0"/>
+          <a:chOff x="0" y="0"/>
+          <a:chExt cx="0" cy="0"/>
+        </a:xfrm>
+      </p:grpSpPr>
+      <p:sp>
+        <p:nvSpPr>
+          <p:cNvPr id="2" name="スライド イメージ プレースホルダー 1"/>
+          <p:cNvSpPr>
+            <a:spLocks noGrp="1" noRot="1" noChangeAspect="1"/>
+          </p:cNvSpPr>
+          <p:nvPr>
+            <p:ph type="sldImg"/>
+          </p:nvPr>
+        </p:nvSpPr>
+        <p:spPr/>
+      </p:sp>
+      <p:sp>
+        <p:nvSpPr>
+          <p:cNvPr id="3" name="ノート プレースホルダー 2"/>
+          <p:cNvSpPr>
+            <a:spLocks noGrp="1"/>
+          </p:cNvSpPr>
+          <p:nvPr>
+            <p:ph type="body" idx="1"/>
+          </p:nvPr>
+        </p:nvSpPr>
+        <p:spPr/>
+        <p:txBody>
+          <a:bodyPr/>
+          <a:lstStyle/>
+          <a:p>
+            <a:r>
+              <a:rPr kumimoji="1" lang="en-US" altLang="ja-JP" dirty="0">
+                <a:latin typeface="Meiryo UI" panose="020B0604030504040204" pitchFamily="50" charset="-128"/>
+                <a:ea typeface="Meiryo UI" panose="020B0604030504040204" pitchFamily="50" charset="-128"/>
+              </a:rPr>
+              <a:t>RTK</a:t>
+            </a:r>
+            <a:r>
+              <a:rPr kumimoji="1" lang="ja-JP" altLang="en-US" dirty="0">
+                <a:latin typeface="Meiryo UI" panose="020B0604030504040204" pitchFamily="50" charset="-128"/>
+                <a:ea typeface="Meiryo UI" panose="020B0604030504040204" pitchFamily="50" charset="-128"/>
+              </a:rPr>
+              <a:t>測位とは、、、</a:t>
+            </a:r>
+          </a:p>
+        </p:txBody>
+      </p:sp>
+      <p:sp>
+        <p:nvSpPr>
+          <p:cNvPr id="4" name="スライド番号プレースホルダー 3"/>
+          <p:cNvSpPr>
+            <a:spLocks noGrp="1"/>
+          </p:cNvSpPr>
+          <p:nvPr>
+            <p:ph type="sldNum" sz="quarter" idx="10"/>
+          </p:nvPr>
+        </p:nvSpPr>
+        <p:spPr/>
+        <p:txBody>
+          <a:bodyPr/>
+          <a:lstStyle/>
+          <a:p>
+            <a:pPr rtl="0"/>
+            <a:fld id="{82869989-EB00-4EE7-BCB5-25BDC5BB29F8}" type="slidenum">
+              <a:rPr lang="en-US" altLang="ja-JP" smtClean="0">
+                <a:latin typeface="Meiryo UI" panose="020B0604030504040204" pitchFamily="50" charset="-128"/>
+                <a:ea typeface="Meiryo UI" panose="020B0604030504040204" pitchFamily="50" charset="-128"/>
+              </a:rPr>
+              <a:t>7</a:t>
+            </a:fld>
+            <a:endParaRPr lang="ja-JP" altLang="en-US">
+              <a:latin typeface="Meiryo UI" panose="020B0604030504040204" pitchFamily="50" charset="-128"/>
+              <a:ea typeface="Meiryo UI" panose="020B0604030504040204" pitchFamily="50" charset="-128"/>
+            </a:endParaRPr>
+          </a:p>
+        </p:txBody>
+      </p:sp>
+    </p:spTree>
+    <p:extLst>
+      <p:ext uri="{BB962C8B-B14F-4D97-AF65-F5344CB8AC3E}">
+        <p14:creationId xmlns:p14="http://schemas.microsoft.com/office/powerpoint/2010/main" val="2524274019"/>
+      </p:ext>
+    </p:extLst>
+  </p:cSld>
+  <p:clrMapOvr>
+    <a:masterClrMapping/>
+  </p:clrMapOvr>
+</p:notes>
+</file>
+
+<file path=ppt/notesSlides/notesSlide8.xml><?xml version="1.0" encoding="utf-8"?>
+<p:notes xmlns:a="http://schemas.openxmlformats.org/drawingml/2006/main" xmlns:r="http://schemas.openxmlformats.org/officeDocument/2006/relationships" xmlns:p="http://schemas.openxmlformats.org/presentationml/2006/main">
+  <p:cSld>
+    <p:spTree>
+      <p:nvGrpSpPr>
+        <p:cNvPr id="1" name=""/>
+        <p:cNvGrpSpPr/>
+        <p:nvPr/>
+      </p:nvGrpSpPr>
+      <p:grpSpPr>
+        <a:xfrm>
+          <a:off x="0" y="0"/>
+          <a:ext cx="0" cy="0"/>
+          <a:chOff x="0" y="0"/>
+          <a:chExt cx="0" cy="0"/>
+        </a:xfrm>
+      </p:grpSpPr>
+      <p:sp>
+        <p:nvSpPr>
+          <p:cNvPr id="2" name="スライド イメージ プレースホルダー 1"/>
+          <p:cNvSpPr>
+            <a:spLocks noGrp="1" noRot="1" noChangeAspect="1"/>
+          </p:cNvSpPr>
+          <p:nvPr>
+            <p:ph type="sldImg"/>
+          </p:nvPr>
+        </p:nvSpPr>
+        <p:spPr/>
+      </p:sp>
+      <p:sp>
+        <p:nvSpPr>
+          <p:cNvPr id="3" name="ノート プレースホルダー 2"/>
+          <p:cNvSpPr>
+            <a:spLocks noGrp="1"/>
+          </p:cNvSpPr>
+          <p:nvPr>
+            <p:ph type="body" idx="1"/>
+          </p:nvPr>
+        </p:nvSpPr>
+        <p:spPr/>
+        <p:txBody>
+          <a:bodyPr/>
+          <a:lstStyle/>
           <a:p>
             <a:r>
               <a:rPr kumimoji="1" lang="ja-JP" altLang="en-US" dirty="0">
                 <a:latin typeface="Meiryo UI" panose="020B0604030504040204" pitchFamily="50" charset="-128"/>
                 <a:ea typeface="Meiryo UI" panose="020B0604030504040204" pitchFamily="50" charset="-128"/>
               </a:rPr>
-              <a:t>事前に設定した座標</a:t>
+              <a:t>改めてどんなものかというと、、、</a:t>
+            </a:r>
+            <a:endParaRPr kumimoji="1" lang="en-US" altLang="ja-JP">
+              <a:latin typeface="Meiryo UI" panose="020B0604030504040204" pitchFamily="50" charset="-128"/>
+              <a:ea typeface="Meiryo UI" panose="020B0604030504040204" pitchFamily="50" charset="-128"/>
+            </a:endParaRPr>
+          </a:p>
+          <a:p>
+            <a:r>
+              <a:rPr kumimoji="1" lang="ja-JP" altLang="en-US">
+                <a:latin typeface="Meiryo UI" panose="020B0604030504040204" pitchFamily="50" charset="-128"/>
+                <a:ea typeface="Meiryo UI" panose="020B0604030504040204" pitchFamily="50" charset="-128"/>
+              </a:rPr>
+              <a:t>事前</a:t>
+            </a:r>
+            <a:r>
+              <a:rPr kumimoji="1" lang="ja-JP" altLang="en-US" dirty="0">
+                <a:latin typeface="Meiryo UI" panose="020B0604030504040204" pitchFamily="50" charset="-128"/>
+                <a:ea typeface="Meiryo UI" panose="020B0604030504040204" pitchFamily="50" charset="-128"/>
+              </a:rPr>
+              <a:t>に設定した座標</a:t>
             </a:r>
             <a:r>
               <a:rPr kumimoji="1" lang="en-US" altLang="ja-JP" dirty="0">
@@ -11217,9 +12262,9 @@
                 <a:latin typeface="Meiryo UI" panose="020B0604030504040204" pitchFamily="50" charset="-128"/>
                 <a:ea typeface="Meiryo UI" panose="020B0604030504040204" pitchFamily="50" charset="-128"/>
               </a:rPr>
-              <a:t>6</a:t>
+              <a:t>8</a:t>
             </a:fld>
-            <a:endParaRPr lang="ja-JP" altLang="en-US" dirty="0">
+            <a:endParaRPr lang="ja-JP" altLang="en-US">
               <a:latin typeface="Meiryo UI" panose="020B0604030504040204" pitchFamily="50" charset="-128"/>
               <a:ea typeface="Meiryo UI" panose="020B0604030504040204" pitchFamily="50" charset="-128"/>
             </a:endParaRPr>
@@ -11229,221 +12274,7 @@
     </p:spTree>
     <p:extLst>
       <p:ext uri="{BB962C8B-B14F-4D97-AF65-F5344CB8AC3E}">
-        <p14:creationId xmlns:p14="http://schemas.microsoft.com/office/powerpoint/2010/main" val="1769673768"/>
-      </p:ext>
-    </p:extLst>
-  </p:cSld>
-  <p:clrMapOvr>
-    <a:masterClrMapping/>
-  </p:clrMapOvr>
-</p:notes>
-</file>
-
-<file path=ppt/notesSlides/notesSlide7.xml><?xml version="1.0" encoding="utf-8"?>
-<p:notes xmlns:a="http://schemas.openxmlformats.org/drawingml/2006/main" xmlns:r="http://schemas.openxmlformats.org/officeDocument/2006/relationships" xmlns:p="http://schemas.openxmlformats.org/presentationml/2006/main">
-  <p:cSld>
-    <p:spTree>
-      <p:nvGrpSpPr>
-        <p:cNvPr id="1" name=""/>
-        <p:cNvGrpSpPr/>
-        <p:nvPr/>
-      </p:nvGrpSpPr>
-      <p:grpSpPr>
-        <a:xfrm>
-          <a:off x="0" y="0"/>
-          <a:ext cx="0" cy="0"/>
-          <a:chOff x="0" y="0"/>
-          <a:chExt cx="0" cy="0"/>
-        </a:xfrm>
-      </p:grpSpPr>
-      <p:sp>
-        <p:nvSpPr>
-          <p:cNvPr id="2" name="スライド イメージ プレースホルダー 1"/>
-          <p:cNvSpPr>
-            <a:spLocks noGrp="1" noRot="1" noChangeAspect="1"/>
-          </p:cNvSpPr>
-          <p:nvPr>
-            <p:ph type="sldImg"/>
-          </p:nvPr>
-        </p:nvSpPr>
-        <p:spPr/>
-      </p:sp>
-      <p:sp>
-        <p:nvSpPr>
-          <p:cNvPr id="3" name="ノート プレースホルダー 2"/>
-          <p:cNvSpPr>
-            <a:spLocks noGrp="1"/>
-          </p:cNvSpPr>
-          <p:nvPr>
-            <p:ph type="body" idx="1"/>
-          </p:nvPr>
-        </p:nvSpPr>
-        <p:spPr/>
-        <p:txBody>
-          <a:bodyPr/>
-          <a:lstStyle/>
-          <a:p>
-            <a:r>
-              <a:rPr kumimoji="1" lang="ja-JP" altLang="en-US" dirty="0">
-                <a:latin typeface="Meiryo UI" panose="020B0604030504040204" pitchFamily="50" charset="-128"/>
-                <a:ea typeface="Meiryo UI" panose="020B0604030504040204" pitchFamily="50" charset="-128"/>
-              </a:rPr>
-              <a:t>みちびきによる高精度測位技術の習得・ロボットの自立走行に関する知見を得ること。</a:t>
-            </a:r>
-            <a:endParaRPr kumimoji="1" lang="en-US" altLang="ja-JP" dirty="0">
-              <a:latin typeface="Meiryo UI" panose="020B0604030504040204" pitchFamily="50" charset="-128"/>
-              <a:ea typeface="Meiryo UI" panose="020B0604030504040204" pitchFamily="50" charset="-128"/>
-            </a:endParaRPr>
-          </a:p>
-          <a:p>
-            <a:endParaRPr kumimoji="1" lang="ja-JP" altLang="en-US" dirty="0">
-              <a:latin typeface="Meiryo UI" panose="020B0604030504040204" pitchFamily="50" charset="-128"/>
-              <a:ea typeface="Meiryo UI" panose="020B0604030504040204" pitchFamily="50" charset="-128"/>
-            </a:endParaRPr>
-          </a:p>
-        </p:txBody>
-      </p:sp>
-      <p:sp>
-        <p:nvSpPr>
-          <p:cNvPr id="4" name="スライド番号プレースホルダー 3"/>
-          <p:cNvSpPr>
-            <a:spLocks noGrp="1"/>
-          </p:cNvSpPr>
-          <p:nvPr>
-            <p:ph type="sldNum" sz="quarter" idx="10"/>
-          </p:nvPr>
-        </p:nvSpPr>
-        <p:spPr/>
-        <p:txBody>
-          <a:bodyPr/>
-          <a:lstStyle/>
-          <a:p>
-            <a:pPr rtl="0"/>
-            <a:fld id="{82869989-EB00-4EE7-BCB5-25BDC5BB29F8}" type="slidenum">
-              <a:rPr lang="en-US" altLang="ja-JP" smtClean="0">
-                <a:latin typeface="Meiryo UI" panose="020B0604030504040204" pitchFamily="50" charset="-128"/>
-                <a:ea typeface="Meiryo UI" panose="020B0604030504040204" pitchFamily="50" charset="-128"/>
-              </a:rPr>
-              <a:t>7</a:t>
-            </a:fld>
-            <a:endParaRPr lang="ja-JP" altLang="en-US" dirty="0">
-              <a:latin typeface="Meiryo UI" panose="020B0604030504040204" pitchFamily="50" charset="-128"/>
-              <a:ea typeface="Meiryo UI" panose="020B0604030504040204" pitchFamily="50" charset="-128"/>
-            </a:endParaRPr>
-          </a:p>
-        </p:txBody>
-      </p:sp>
-    </p:spTree>
-    <p:extLst>
-      <p:ext uri="{BB962C8B-B14F-4D97-AF65-F5344CB8AC3E}">
-        <p14:creationId xmlns:p14="http://schemas.microsoft.com/office/powerpoint/2010/main" val="3916827035"/>
-      </p:ext>
-    </p:extLst>
-  </p:cSld>
-  <p:clrMapOvr>
-    <a:masterClrMapping/>
-  </p:clrMapOvr>
-</p:notes>
-</file>
-
-<file path=ppt/notesSlides/notesSlide8.xml><?xml version="1.0" encoding="utf-8"?>
-<p:notes xmlns:a="http://schemas.openxmlformats.org/drawingml/2006/main" xmlns:r="http://schemas.openxmlformats.org/officeDocument/2006/relationships" xmlns:p="http://schemas.openxmlformats.org/presentationml/2006/main">
-  <p:cSld>
-    <p:spTree>
-      <p:nvGrpSpPr>
-        <p:cNvPr id="1" name=""/>
-        <p:cNvGrpSpPr/>
-        <p:nvPr/>
-      </p:nvGrpSpPr>
-      <p:grpSpPr>
-        <a:xfrm>
-          <a:off x="0" y="0"/>
-          <a:ext cx="0" cy="0"/>
-          <a:chOff x="0" y="0"/>
-          <a:chExt cx="0" cy="0"/>
-        </a:xfrm>
-      </p:grpSpPr>
-      <p:sp>
-        <p:nvSpPr>
-          <p:cNvPr id="2" name="スライド イメージ プレースホルダー 1"/>
-          <p:cNvSpPr>
-            <a:spLocks noGrp="1" noRot="1" noChangeAspect="1"/>
-          </p:cNvSpPr>
-          <p:nvPr>
-            <p:ph type="sldImg"/>
-          </p:nvPr>
-        </p:nvSpPr>
-        <p:spPr/>
-      </p:sp>
-      <p:sp>
-        <p:nvSpPr>
-          <p:cNvPr id="3" name="ノート プレースホルダー 2"/>
-          <p:cNvSpPr>
-            <a:spLocks noGrp="1"/>
-          </p:cNvSpPr>
-          <p:nvPr>
-            <p:ph type="body" idx="1"/>
-          </p:nvPr>
-        </p:nvSpPr>
-        <p:spPr/>
-        <p:txBody>
-          <a:bodyPr/>
-          <a:lstStyle/>
-          <a:p>
-            <a:r>
-              <a:rPr kumimoji="1" lang="ja-JP" altLang="en-US" dirty="0">
-                <a:latin typeface="Meiryo UI" panose="020B0604030504040204" pitchFamily="50" charset="-128"/>
-                <a:ea typeface="Meiryo UI" panose="020B0604030504040204" pitchFamily="50" charset="-128"/>
-              </a:rPr>
-              <a:t>みちびきによる高精度測位技術の習得・ロボットの自立走行に関する知見を得ること。</a:t>
-            </a:r>
-            <a:endParaRPr kumimoji="1" lang="en-US" altLang="ja-JP" dirty="0">
-              <a:latin typeface="Meiryo UI" panose="020B0604030504040204" pitchFamily="50" charset="-128"/>
-              <a:ea typeface="Meiryo UI" panose="020B0604030504040204" pitchFamily="50" charset="-128"/>
-            </a:endParaRPr>
-          </a:p>
-          <a:p>
-            <a:endParaRPr kumimoji="1" lang="ja-JP" altLang="en-US" dirty="0">
-              <a:latin typeface="Meiryo UI" panose="020B0604030504040204" pitchFamily="50" charset="-128"/>
-              <a:ea typeface="Meiryo UI" panose="020B0604030504040204" pitchFamily="50" charset="-128"/>
-            </a:endParaRPr>
-          </a:p>
-        </p:txBody>
-      </p:sp>
-      <p:sp>
-        <p:nvSpPr>
-          <p:cNvPr id="4" name="スライド番号プレースホルダー 3"/>
-          <p:cNvSpPr>
-            <a:spLocks noGrp="1"/>
-          </p:cNvSpPr>
-          <p:nvPr>
-            <p:ph type="sldNum" sz="quarter" idx="10"/>
-          </p:nvPr>
-        </p:nvSpPr>
-        <p:spPr/>
-        <p:txBody>
-          <a:bodyPr/>
-          <a:lstStyle/>
-          <a:p>
-            <a:pPr rtl="0"/>
-            <a:fld id="{82869989-EB00-4EE7-BCB5-25BDC5BB29F8}" type="slidenum">
-              <a:rPr lang="en-US" altLang="ja-JP" smtClean="0">
-                <a:latin typeface="Meiryo UI" panose="020B0604030504040204" pitchFamily="50" charset="-128"/>
-                <a:ea typeface="Meiryo UI" panose="020B0604030504040204" pitchFamily="50" charset="-128"/>
-              </a:rPr>
-              <a:t>8</a:t>
-            </a:fld>
-            <a:endParaRPr lang="ja-JP" altLang="en-US" dirty="0">
-              <a:latin typeface="Meiryo UI" panose="020B0604030504040204" pitchFamily="50" charset="-128"/>
-              <a:ea typeface="Meiryo UI" panose="020B0604030504040204" pitchFamily="50" charset="-128"/>
-            </a:endParaRPr>
-          </a:p>
-        </p:txBody>
-      </p:sp>
-    </p:spTree>
-    <p:extLst>
-      <p:ext uri="{BB962C8B-B14F-4D97-AF65-F5344CB8AC3E}">
-        <p14:creationId xmlns:p14="http://schemas.microsoft.com/office/powerpoint/2010/main" val="3432627289"/>
+        <p14:creationId xmlns:p14="http://schemas.microsoft.com/office/powerpoint/2010/main" val="1468221245"/>
       </p:ext>
     </p:extLst>
   </p:cSld>
@@ -11497,10 +12328,33 @@
           <a:bodyPr/>
           <a:lstStyle/>
           <a:p>
-            <a:endParaRPr kumimoji="1" lang="ja-JP" altLang="en-US" dirty="0">
+            <a:r>
+              <a:rPr kumimoji="1" lang="en-US" altLang="ja-JP" dirty="0">
+                <a:latin typeface="Meiryo UI" panose="020B0604030504040204" pitchFamily="50" charset="-128"/>
+                <a:ea typeface="Meiryo UI" panose="020B0604030504040204" pitchFamily="50" charset="-128"/>
+              </a:rPr>
+              <a:t>4</a:t>
+            </a:r>
+            <a:r>
+              <a:rPr kumimoji="1" lang="ja-JP" altLang="en-US" dirty="0">
+                <a:latin typeface="Meiryo UI" panose="020B0604030504040204" pitchFamily="50" charset="-128"/>
+                <a:ea typeface="Meiryo UI" panose="020B0604030504040204" pitchFamily="50" charset="-128"/>
+              </a:rPr>
+              <a:t>つの要素で構成される。</a:t>
+            </a:r>
+            <a:endParaRPr kumimoji="1" lang="en-US" altLang="ja-JP" dirty="0">
               <a:latin typeface="Meiryo UI" panose="020B0604030504040204" pitchFamily="50" charset="-128"/>
               <a:ea typeface="Meiryo UI" panose="020B0604030504040204" pitchFamily="50" charset="-128"/>
             </a:endParaRPr>
+          </a:p>
+          <a:p>
+            <a:r>
+              <a:rPr kumimoji="1" lang="ja-JP" altLang="en-US" dirty="0">
+                <a:latin typeface="Meiryo UI" panose="020B0604030504040204" pitchFamily="50" charset="-128"/>
+                <a:ea typeface="Meiryo UI" panose="020B0604030504040204" pitchFamily="50" charset="-128"/>
+              </a:rPr>
+              <a:t>各要素について説明していく</a:t>
+            </a:r>
           </a:p>
         </p:txBody>
       </p:sp>
@@ -11527,7 +12381,7 @@
               </a:rPr>
               <a:t>9</a:t>
             </a:fld>
-            <a:endParaRPr lang="ja-JP" altLang="en-US" dirty="0">
+            <a:endParaRPr lang="ja-JP" altLang="en-US">
               <a:latin typeface="Meiryo UI" panose="020B0604030504040204" pitchFamily="50" charset="-128"/>
               <a:ea typeface="Meiryo UI" panose="020B0604030504040204" pitchFamily="50" charset="-128"/>
             </a:endParaRPr>
@@ -11537,7 +12391,7 @@
     </p:spTree>
     <p:extLst>
       <p:ext uri="{BB962C8B-B14F-4D97-AF65-F5344CB8AC3E}">
-        <p14:creationId xmlns:p14="http://schemas.microsoft.com/office/powerpoint/2010/main" val="4012052570"/>
+        <p14:creationId xmlns:p14="http://schemas.microsoft.com/office/powerpoint/2010/main" val="3916827035"/>
       </p:ext>
     </p:extLst>
   </p:cSld>
@@ -13425,7 +14279,6 @@
               <a:rPr lang="ja-JP" altLang="en-US" noProof="0"/>
               <a:t>マスター タイトルの書式設定</a:t>
             </a:r>
-            <a:endParaRPr lang="ja-JP" altLang="en-US" noProof="0" dirty="0"/>
           </a:p>
         </p:txBody>
       </p:sp>
@@ -13502,7 +14355,6 @@
               <a:rPr lang="ja-JP" altLang="en-US" noProof="0"/>
               <a:t>マスター サブタイトルの書式設定</a:t>
             </a:r>
-            <a:endParaRPr lang="ja-JP" altLang="en-US" noProof="0" dirty="0"/>
           </a:p>
         </p:txBody>
       </p:sp>
@@ -13599,7 +14451,6 @@
               <a:rPr lang="ja-JP" altLang="en-US" noProof="0"/>
               <a:t>マスター タイトルの書式設定</a:t>
             </a:r>
-            <a:endParaRPr lang="ja-JP" altLang="en-US" noProof="0" dirty="0"/>
           </a:p>
         </p:txBody>
       </p:sp>
@@ -13620,67 +14471,67 @@
           <a:p>
             <a:pPr lvl="0" rtl="0"/>
             <a:r>
-              <a:rPr lang="ja-JP" altLang="en-US" noProof="0" dirty="0"/>
+              <a:rPr lang="ja-JP" altLang="en-US" noProof="0"/>
               <a:t>クリックしてマスター テキストのスタイルを編集</a:t>
             </a:r>
           </a:p>
           <a:p>
             <a:pPr lvl="1"/>
             <a:r>
-              <a:rPr kumimoji="1" lang="ja-JP" altLang="en-US" dirty="0"/>
+              <a:rPr kumimoji="1" lang="ja-JP" altLang="en-US"/>
               <a:t>第 </a:t>
             </a:r>
             <a:r>
-              <a:rPr kumimoji="1" lang="en-US" altLang="ja-JP" dirty="0"/>
+              <a:rPr kumimoji="1" lang="en-US" altLang="ja-JP"/>
               <a:t>2 </a:t>
             </a:r>
             <a:r>
-              <a:rPr kumimoji="1" lang="ja-JP" altLang="en-US" dirty="0"/>
+              <a:rPr kumimoji="1" lang="ja-JP" altLang="en-US"/>
               <a:t>レベル</a:t>
             </a:r>
           </a:p>
           <a:p>
             <a:pPr lvl="2"/>
             <a:r>
-              <a:rPr kumimoji="1" lang="ja-JP" altLang="en-US" dirty="0"/>
+              <a:rPr kumimoji="1" lang="ja-JP" altLang="en-US"/>
               <a:t>第 </a:t>
             </a:r>
             <a:r>
-              <a:rPr kumimoji="1" lang="en-US" altLang="ja-JP" dirty="0"/>
+              <a:rPr kumimoji="1" lang="en-US" altLang="ja-JP"/>
               <a:t>3 </a:t>
             </a:r>
             <a:r>
-              <a:rPr kumimoji="1" lang="ja-JP" altLang="en-US" dirty="0"/>
+              <a:rPr kumimoji="1" lang="ja-JP" altLang="en-US"/>
               <a:t>レベル</a:t>
             </a:r>
           </a:p>
           <a:p>
             <a:pPr lvl="3"/>
             <a:r>
-              <a:rPr kumimoji="1" lang="ja-JP" altLang="en-US" dirty="0"/>
+              <a:rPr kumimoji="1" lang="ja-JP" altLang="en-US"/>
               <a:t>第 </a:t>
             </a:r>
             <a:r>
-              <a:rPr kumimoji="1" lang="en-US" altLang="ja-JP" dirty="0"/>
+              <a:rPr kumimoji="1" lang="en-US" altLang="ja-JP"/>
               <a:t>4 </a:t>
             </a:r>
             <a:r>
-              <a:rPr kumimoji="1" lang="ja-JP" altLang="en-US" dirty="0"/>
+              <a:rPr kumimoji="1" lang="ja-JP" altLang="en-US"/>
               <a:t>レベル</a:t>
             </a:r>
           </a:p>
           <a:p>
             <a:pPr lvl="4"/>
             <a:r>
-              <a:rPr kumimoji="1" lang="ja-JP" altLang="en-US" dirty="0"/>
+              <a:rPr kumimoji="1" lang="ja-JP" altLang="en-US"/>
               <a:t>第 </a:t>
             </a:r>
             <a:r>
-              <a:rPr kumimoji="1" lang="en-US" altLang="ja-JP" dirty="0"/>
+              <a:rPr kumimoji="1" lang="en-US" altLang="ja-JP"/>
               <a:t>5 </a:t>
             </a:r>
             <a:r>
-              <a:rPr kumimoji="1" lang="ja-JP" altLang="en-US" dirty="0"/>
+              <a:rPr kumimoji="1" lang="ja-JP" altLang="en-US"/>
               <a:t>レベル</a:t>
             </a:r>
           </a:p>
@@ -13703,7 +14554,7 @@
           <a:p>
             <a:pPr rtl="0"/>
             <a:r>
-              <a:rPr lang="ja-JP" altLang="en-US" noProof="0" dirty="0"/>
+              <a:rPr lang="ja-JP" altLang="en-US" noProof="0"/>
               <a:t>フッターを追加</a:t>
             </a:r>
           </a:p>
@@ -13727,7 +14578,7 @@
             <a:pPr rtl="0"/>
             <a:fld id="{65F5401F-9999-454F-9A7B-F9B89ED9C91A}" type="datetime4">
               <a:rPr lang="ja-JP" altLang="en-US" smtClean="0"/>
-              <a:t>2021年5月16日</a:t>
+              <a:t>2021年5月17日</a:t>
             </a:fld>
             <a:endParaRPr lang="en-US"/>
           </a:p>
@@ -13753,7 +14604,7 @@
               <a:rPr lang="en-US" altLang="ja-JP" noProof="0" smtClean="0"/>
               <a:t>‹#›</a:t>
             </a:fld>
-            <a:endParaRPr lang="ja-JP" altLang="en-US" noProof="0" dirty="0"/>
+            <a:endParaRPr lang="ja-JP" altLang="en-US" noProof="0"/>
           </a:p>
         </p:txBody>
       </p:sp>
@@ -13824,7 +14675,6 @@
               <a:rPr lang="ja-JP" altLang="en-US" noProof="0"/>
               <a:t>マスター タイトルの書式設定</a:t>
             </a:r>
-            <a:endParaRPr lang="ja-JP" altLang="en-US" noProof="0" dirty="0"/>
           </a:p>
         </p:txBody>
       </p:sp>
@@ -13850,67 +14700,67 @@
           <a:p>
             <a:pPr lvl="0" rtl="0"/>
             <a:r>
-              <a:rPr lang="ja-JP" altLang="en-US" noProof="0" dirty="0"/>
+              <a:rPr lang="ja-JP" altLang="en-US" noProof="0"/>
               <a:t>クリックしてマスター テキストのスタイルを編集</a:t>
             </a:r>
           </a:p>
           <a:p>
             <a:pPr lvl="1"/>
             <a:r>
-              <a:rPr kumimoji="1" lang="ja-JP" altLang="en-US" dirty="0"/>
+              <a:rPr kumimoji="1" lang="ja-JP" altLang="en-US"/>
               <a:t>第 </a:t>
             </a:r>
             <a:r>
-              <a:rPr kumimoji="1" lang="en-US" altLang="ja-JP" dirty="0"/>
+              <a:rPr kumimoji="1" lang="en-US" altLang="ja-JP"/>
               <a:t>2 </a:t>
             </a:r>
             <a:r>
-              <a:rPr kumimoji="1" lang="ja-JP" altLang="en-US" dirty="0"/>
+              <a:rPr kumimoji="1" lang="ja-JP" altLang="en-US"/>
               <a:t>レベル</a:t>
             </a:r>
           </a:p>
           <a:p>
             <a:pPr lvl="2"/>
             <a:r>
-              <a:rPr kumimoji="1" lang="ja-JP" altLang="en-US" dirty="0"/>
+              <a:rPr kumimoji="1" lang="ja-JP" altLang="en-US"/>
               <a:t>第 </a:t>
             </a:r>
             <a:r>
-              <a:rPr kumimoji="1" lang="en-US" altLang="ja-JP" dirty="0"/>
+              <a:rPr kumimoji="1" lang="en-US" altLang="ja-JP"/>
               <a:t>3 </a:t>
             </a:r>
             <a:r>
-              <a:rPr kumimoji="1" lang="ja-JP" altLang="en-US" dirty="0"/>
+              <a:rPr kumimoji="1" lang="ja-JP" altLang="en-US"/>
               <a:t>レベル</a:t>
             </a:r>
           </a:p>
           <a:p>
             <a:pPr lvl="3"/>
             <a:r>
-              <a:rPr kumimoji="1" lang="ja-JP" altLang="en-US" dirty="0"/>
+              <a:rPr kumimoji="1" lang="ja-JP" altLang="en-US"/>
               <a:t>第 </a:t>
             </a:r>
             <a:r>
-              <a:rPr kumimoji="1" lang="en-US" altLang="ja-JP" dirty="0"/>
+              <a:rPr kumimoji="1" lang="en-US" altLang="ja-JP"/>
               <a:t>4 </a:t>
             </a:r>
             <a:r>
-              <a:rPr kumimoji="1" lang="ja-JP" altLang="en-US" dirty="0"/>
+              <a:rPr kumimoji="1" lang="ja-JP" altLang="en-US"/>
               <a:t>レベル</a:t>
             </a:r>
           </a:p>
           <a:p>
             <a:pPr lvl="4"/>
             <a:r>
-              <a:rPr kumimoji="1" lang="ja-JP" altLang="en-US" dirty="0"/>
+              <a:rPr kumimoji="1" lang="ja-JP" altLang="en-US"/>
               <a:t>第 </a:t>
             </a:r>
             <a:r>
-              <a:rPr kumimoji="1" lang="en-US" altLang="ja-JP" dirty="0"/>
+              <a:rPr kumimoji="1" lang="en-US" altLang="ja-JP"/>
               <a:t>5 </a:t>
             </a:r>
             <a:r>
-              <a:rPr kumimoji="1" lang="ja-JP" altLang="en-US" dirty="0"/>
+              <a:rPr kumimoji="1" lang="ja-JP" altLang="en-US"/>
               <a:t>レベル</a:t>
             </a:r>
           </a:p>
@@ -13933,7 +14783,7 @@
           <a:p>
             <a:pPr rtl="0"/>
             <a:r>
-              <a:rPr lang="ja-JP" altLang="en-US" noProof="0" dirty="0"/>
+              <a:rPr lang="ja-JP" altLang="en-US" noProof="0"/>
               <a:t>フッターを追加</a:t>
             </a:r>
           </a:p>
@@ -13957,7 +14807,7 @@
             <a:pPr rtl="0"/>
             <a:fld id="{955442DE-D790-4AF6-98D1-6BB366851DDC}" type="datetime4">
               <a:rPr lang="ja-JP" altLang="en-US" smtClean="0"/>
-              <a:t>2021年5月16日</a:t>
+              <a:t>2021年5月17日</a:t>
             </a:fld>
             <a:endParaRPr lang="en-US"/>
           </a:p>
@@ -13983,7 +14833,7 @@
               <a:rPr lang="en-US" altLang="ja-JP" noProof="0" smtClean="0"/>
               <a:t>‹#›</a:t>
             </a:fld>
-            <a:endParaRPr lang="ja-JP" altLang="en-US" noProof="0" dirty="0"/>
+            <a:endParaRPr lang="ja-JP" altLang="en-US" noProof="0"/>
           </a:p>
         </p:txBody>
       </p:sp>
@@ -14049,7 +14899,6 @@
               <a:rPr lang="ja-JP" altLang="en-US" noProof="0"/>
               <a:t>マスター タイトルの書式設定</a:t>
             </a:r>
-            <a:endParaRPr lang="ja-JP" altLang="en-US" noProof="0" dirty="0"/>
           </a:p>
         </p:txBody>
       </p:sp>
@@ -14133,7 +14982,6 @@
               <a:rPr lang="ja-JP" altLang="en-US" noProof="0"/>
               <a:t>レベル</a:t>
             </a:r>
-            <a:endParaRPr lang="ja-JP" altLang="en-US" noProof="0" dirty="0"/>
           </a:p>
         </p:txBody>
       </p:sp>
@@ -14154,7 +15002,7 @@
           <a:p>
             <a:pPr rtl="0"/>
             <a:r>
-              <a:rPr lang="ja-JP" altLang="en-US" noProof="0" dirty="0"/>
+              <a:rPr lang="ja-JP" altLang="en-US" noProof="0"/>
               <a:t>フッターを追加</a:t>
             </a:r>
           </a:p>
@@ -14178,7 +15026,7 @@
             <a:pPr rtl="0"/>
             <a:fld id="{A4D23076-6C35-4239-BC7E-18BC21FEEE34}" type="datetime4">
               <a:rPr lang="ja-JP" altLang="en-US" smtClean="0"/>
-              <a:t>2021年5月16日</a:t>
+              <a:t>2021年5月17日</a:t>
             </a:fld>
             <a:endParaRPr lang="en-US"/>
           </a:p>
@@ -14204,7 +15052,7 @@
               <a:rPr lang="en-US" altLang="ja-JP" noProof="0" smtClean="0"/>
               <a:t>‹#›</a:t>
             </a:fld>
-            <a:endParaRPr lang="ja-JP" altLang="en-US" noProof="0" dirty="0"/>
+            <a:endParaRPr lang="ja-JP" altLang="en-US" noProof="0"/>
           </a:p>
         </p:txBody>
       </p:sp>
@@ -16132,7 +16980,6 @@
               <a:rPr lang="ja-JP" altLang="en-US" noProof="0"/>
               <a:t>マスター タイトルの書式設定</a:t>
             </a:r>
-            <a:endParaRPr lang="ja-JP" altLang="en-US" noProof="0" dirty="0"/>
           </a:p>
         </p:txBody>
       </p:sp>
@@ -16307,7 +17154,6 @@
               <a:rPr lang="ja-JP" altLang="en-US" noProof="0"/>
               <a:t>マスター タイトルの書式設定</a:t>
             </a:r>
-            <a:endParaRPr lang="ja-JP" altLang="en-US" noProof="0" dirty="0"/>
           </a:p>
         </p:txBody>
       </p:sp>
@@ -16426,7 +17272,6 @@
               <a:rPr lang="ja-JP" altLang="en-US" noProof="0"/>
               <a:t>レベル</a:t>
             </a:r>
-            <a:endParaRPr lang="ja-JP" altLang="en-US" noProof="0" dirty="0"/>
           </a:p>
         </p:txBody>
       </p:sp>
@@ -16545,7 +17390,6 @@
               <a:rPr lang="ja-JP" altLang="en-US" noProof="0"/>
               <a:t>レベル</a:t>
             </a:r>
-            <a:endParaRPr lang="ja-JP" altLang="en-US" noProof="0" dirty="0"/>
           </a:p>
         </p:txBody>
       </p:sp>
@@ -16566,7 +17410,7 @@
           <a:p>
             <a:pPr rtl="0"/>
             <a:r>
-              <a:rPr lang="ja-JP" altLang="en-US" noProof="0" dirty="0"/>
+              <a:rPr lang="ja-JP" altLang="en-US" noProof="0"/>
               <a:t>フッターを追加</a:t>
             </a:r>
           </a:p>
@@ -16590,7 +17434,7 @@
             <a:pPr rtl="0"/>
             <a:fld id="{5EF484AD-21EA-4628-86BB-EA326AE28F68}" type="datetime4">
               <a:rPr lang="ja-JP" altLang="en-US" smtClean="0"/>
-              <a:t>2021年5月16日</a:t>
+              <a:t>2021年5月17日</a:t>
             </a:fld>
             <a:endParaRPr lang="en-US"/>
           </a:p>
@@ -16616,7 +17460,7 @@
               <a:rPr lang="en-US" altLang="ja-JP" noProof="0" smtClean="0"/>
               <a:t>‹#›</a:t>
             </a:fld>
-            <a:endParaRPr lang="ja-JP" altLang="en-US" noProof="0" dirty="0"/>
+            <a:endParaRPr lang="ja-JP" altLang="en-US" noProof="0"/>
           </a:p>
         </p:txBody>
       </p:sp>
@@ -16682,7 +17526,6 @@
               <a:rPr lang="ja-JP" altLang="en-US" noProof="0"/>
               <a:t>マスター タイトルの書式設定</a:t>
             </a:r>
-            <a:endParaRPr lang="ja-JP" altLang="en-US" noProof="0" dirty="0"/>
           </a:p>
         </p:txBody>
       </p:sp>
@@ -16875,7 +17718,6 @@
               <a:rPr lang="ja-JP" altLang="en-US" noProof="0"/>
               <a:t>レベル</a:t>
             </a:r>
-            <a:endParaRPr lang="ja-JP" altLang="en-US" noProof="0" dirty="0"/>
           </a:p>
         </p:txBody>
       </p:sp>
@@ -17068,7 +17910,6 @@
               <a:rPr lang="ja-JP" altLang="en-US" noProof="0"/>
               <a:t>レベル</a:t>
             </a:r>
-            <a:endParaRPr lang="ja-JP" altLang="en-US" noProof="0" dirty="0"/>
           </a:p>
         </p:txBody>
       </p:sp>
@@ -17089,7 +17930,7 @@
           <a:p>
             <a:pPr rtl="0"/>
             <a:r>
-              <a:rPr lang="ja-JP" altLang="en-US" noProof="0" dirty="0"/>
+              <a:rPr lang="ja-JP" altLang="en-US" noProof="0"/>
               <a:t>フッターを追加</a:t>
             </a:r>
           </a:p>
@@ -17113,7 +17954,7 @@
             <a:pPr rtl="0"/>
             <a:fld id="{C4818A72-7BCB-4800-828E-D7E851401F62}" type="datetime4">
               <a:rPr lang="ja-JP" altLang="en-US" smtClean="0"/>
-              <a:t>2021年5月16日</a:t>
+              <a:t>2021年5月17日</a:t>
             </a:fld>
             <a:endParaRPr lang="en-US"/>
           </a:p>
@@ -17139,7 +17980,7 @@
               <a:rPr lang="en-US" altLang="ja-JP" noProof="0" smtClean="0"/>
               <a:t>‹#›</a:t>
             </a:fld>
-            <a:endParaRPr lang="ja-JP" altLang="en-US" noProof="0" dirty="0"/>
+            <a:endParaRPr lang="ja-JP" altLang="en-US" noProof="0"/>
           </a:p>
         </p:txBody>
       </p:sp>
@@ -17205,7 +18046,6 @@
               <a:rPr lang="ja-JP" altLang="en-US" noProof="0"/>
               <a:t>マスター タイトルの書式設定</a:t>
             </a:r>
-            <a:endParaRPr lang="ja-JP" altLang="en-US" noProof="0" dirty="0"/>
           </a:p>
         </p:txBody>
       </p:sp>
@@ -17226,7 +18066,7 @@
           <a:p>
             <a:pPr rtl="0"/>
             <a:r>
-              <a:rPr lang="ja-JP" altLang="en-US" noProof="0" dirty="0"/>
+              <a:rPr lang="ja-JP" altLang="en-US" noProof="0"/>
               <a:t>フッターを追加</a:t>
             </a:r>
           </a:p>
@@ -17250,7 +18090,7 @@
             <a:pPr rtl="0"/>
             <a:fld id="{1A130545-DC52-4BAC-BC78-237D4702162D}" type="datetime4">
               <a:rPr lang="ja-JP" altLang="en-US" smtClean="0"/>
-              <a:t>2021年5月16日</a:t>
+              <a:t>2021年5月17日</a:t>
             </a:fld>
             <a:endParaRPr lang="en-US"/>
           </a:p>
@@ -17276,7 +18116,7 @@
               <a:rPr lang="en-US" altLang="ja-JP" noProof="0" smtClean="0"/>
               <a:t>‹#›</a:t>
             </a:fld>
-            <a:endParaRPr lang="ja-JP" altLang="en-US" noProof="0" dirty="0"/>
+            <a:endParaRPr lang="ja-JP" altLang="en-US" noProof="0"/>
           </a:p>
         </p:txBody>
       </p:sp>
@@ -19162,7 +20002,7 @@
           <a:p>
             <a:pPr rtl="0"/>
             <a:r>
-              <a:rPr lang="ja-JP" altLang="en-US" noProof="0" dirty="0"/>
+              <a:rPr lang="ja-JP" altLang="en-US" noProof="0"/>
               <a:t>フッターを追加</a:t>
             </a:r>
           </a:p>
@@ -19186,7 +20026,7 @@
             <a:pPr rtl="0"/>
             <a:fld id="{BCE75A9F-D334-4A20-83DC-80F1FE2C6ED9}" type="datetime4">
               <a:rPr lang="ja-JP" altLang="en-US" smtClean="0"/>
-              <a:t>2021年5月16日</a:t>
+              <a:t>2021年5月17日</a:t>
             </a:fld>
             <a:endParaRPr lang="en-US"/>
           </a:p>
@@ -19210,10 +20050,10 @@
             <a:pPr rtl="0"/>
             <a:fld id="{E31375A4-56A4-47D6-9801-1991572033F7}" type="slidenum">
               <a:rPr lang="en-US" altLang="ja-JP" noProof="0" smtClean="0"/>
-              <a:pPr/>
+              <a:pPr rtl="0"/>
               <a:t>‹#›</a:t>
             </a:fld>
-            <a:endParaRPr lang="ja-JP" altLang="en-US" noProof="0" dirty="0"/>
+            <a:endParaRPr lang="ja-JP" altLang="en-US" noProof="0"/>
           </a:p>
         </p:txBody>
       </p:sp>
@@ -21160,7 +22000,7 @@
           <a:lstStyle/>
           <a:p>
             <a:pPr algn="ctr" rtl="0"/>
-            <a:endParaRPr lang="ja-JP" altLang="en-US" noProof="0" dirty="0"/>
+            <a:endParaRPr lang="ja-JP" altLang="en-US" noProof="0"/>
           </a:p>
         </p:txBody>
       </p:sp>
@@ -21199,7 +22039,6 @@
               <a:rPr lang="ja-JP" altLang="en-US" noProof="0"/>
               <a:t>マスター タイトルの書式設定</a:t>
             </a:r>
-            <a:endParaRPr lang="ja-JP" altLang="en-US" noProof="0" dirty="0"/>
           </a:p>
         </p:txBody>
       </p:sp>
@@ -21318,7 +22157,6 @@
               <a:rPr lang="ja-JP" altLang="en-US" noProof="0"/>
               <a:t>レベル</a:t>
             </a:r>
-            <a:endParaRPr lang="ja-JP" altLang="en-US" noProof="0" dirty="0"/>
           </a:p>
         </p:txBody>
       </p:sp>
@@ -21448,7 +22286,7 @@
           <a:p>
             <a:pPr rtl="0"/>
             <a:r>
-              <a:rPr lang="ja-JP" altLang="en-US" noProof="0" dirty="0"/>
+              <a:rPr lang="ja-JP" altLang="en-US" noProof="0"/>
               <a:t>フッターを追加</a:t>
             </a:r>
           </a:p>
@@ -21480,7 +22318,7 @@
             <a:pPr rtl="0"/>
             <a:fld id="{156F9F9B-6ABB-4874-AC08-5F1C82329193}" type="datetime4">
               <a:rPr lang="ja-JP" altLang="en-US" smtClean="0"/>
-              <a:t>2021年5月16日</a:t>
+              <a:t>2021年5月17日</a:t>
             </a:fld>
             <a:endParaRPr lang="en-US"/>
           </a:p>
@@ -21512,10 +22350,10 @@
             <a:pPr rtl="0"/>
             <a:fld id="{E31375A4-56A4-47D6-9801-1991572033F7}" type="slidenum">
               <a:rPr lang="en-US" altLang="ja-JP" noProof="0" smtClean="0"/>
-              <a:pPr/>
+              <a:pPr rtl="0"/>
               <a:t>‹#›</a:t>
             </a:fld>
-            <a:endParaRPr lang="ja-JP" altLang="en-US" noProof="0" dirty="0"/>
+            <a:endParaRPr lang="ja-JP" altLang="en-US" noProof="0"/>
           </a:p>
         </p:txBody>
       </p:sp>
@@ -23462,7 +24300,7 @@
           <a:lstStyle/>
           <a:p>
             <a:pPr algn="ctr" rtl="0"/>
-            <a:endParaRPr lang="ja-JP" altLang="en-US" noProof="0" dirty="0"/>
+            <a:endParaRPr lang="ja-JP" altLang="en-US" noProof="0"/>
           </a:p>
         </p:txBody>
       </p:sp>
@@ -23536,7 +24374,6 @@
               <a:rPr lang="ja-JP" altLang="en-US" noProof="0"/>
               <a:t>マスター タイトルの書式設定</a:t>
             </a:r>
-            <a:endParaRPr lang="ja-JP" altLang="en-US" noProof="0" dirty="0"/>
           </a:p>
         </p:txBody>
       </p:sp>
@@ -23604,7 +24441,6 @@
               <a:rPr lang="ja-JP" altLang="en-US" noProof="0"/>
               <a:t>アイコンをクリックして図を追加</a:t>
             </a:r>
-            <a:endParaRPr lang="ja-JP" altLang="en-US" noProof="0" dirty="0"/>
           </a:p>
         </p:txBody>
       </p:sp>
@@ -25597,7 +26433,7 @@
           <a:p>
             <a:pPr rtl="0"/>
             <a:r>
-              <a:rPr lang="ja-JP" altLang="en-US" noProof="0" dirty="0"/>
+              <a:rPr lang="ja-JP" altLang="en-US" noProof="0"/>
               <a:t>マスター タイトルの書式設定</a:t>
             </a:r>
           </a:p>
@@ -25630,67 +26466,67 @@
           <a:p>
             <a:pPr lvl="0" rtl="0"/>
             <a:r>
-              <a:rPr lang="ja-JP" altLang="en-US" noProof="0" dirty="0"/>
+              <a:rPr lang="ja-JP" altLang="en-US" noProof="0"/>
               <a:t>クリックしてマスター テキストのスタイルを編集</a:t>
             </a:r>
           </a:p>
           <a:p>
             <a:pPr lvl="1" rtl="0"/>
             <a:r>
-              <a:rPr lang="ja-JP" altLang="en-US" noProof="0" dirty="0"/>
+              <a:rPr lang="ja-JP" altLang="en-US" noProof="0"/>
               <a:t>第 </a:t>
             </a:r>
             <a:r>
-              <a:rPr lang="en-US" altLang="ja-JP" noProof="0" dirty="0"/>
+              <a:rPr lang="en-US" altLang="ja-JP" noProof="0"/>
               <a:t>2 </a:t>
             </a:r>
             <a:r>
-              <a:rPr lang="ja-JP" altLang="en-US" noProof="0" dirty="0"/>
+              <a:rPr lang="ja-JP" altLang="en-US" noProof="0"/>
               <a:t>レベル</a:t>
             </a:r>
           </a:p>
           <a:p>
             <a:pPr lvl="2" rtl="0"/>
             <a:r>
-              <a:rPr lang="ja-JP" altLang="en-US" noProof="0" dirty="0"/>
+              <a:rPr lang="ja-JP" altLang="en-US" noProof="0"/>
               <a:t>第 </a:t>
             </a:r>
             <a:r>
-              <a:rPr lang="en-US" altLang="ja-JP" noProof="0" dirty="0"/>
+              <a:rPr lang="en-US" altLang="ja-JP" noProof="0"/>
               <a:t>3 </a:t>
             </a:r>
             <a:r>
-              <a:rPr lang="ja-JP" altLang="en-US" noProof="0" dirty="0"/>
+              <a:rPr lang="ja-JP" altLang="en-US" noProof="0"/>
               <a:t>レベル</a:t>
             </a:r>
           </a:p>
           <a:p>
             <a:pPr lvl="3" rtl="0"/>
             <a:r>
-              <a:rPr lang="ja-JP" altLang="en-US" noProof="0" dirty="0"/>
+              <a:rPr lang="ja-JP" altLang="en-US" noProof="0"/>
               <a:t>第 </a:t>
             </a:r>
             <a:r>
-              <a:rPr lang="en-US" altLang="ja-JP" noProof="0" dirty="0"/>
+              <a:rPr lang="en-US" altLang="ja-JP" noProof="0"/>
               <a:t>4 </a:t>
             </a:r>
             <a:r>
-              <a:rPr lang="ja-JP" altLang="en-US" noProof="0" dirty="0"/>
+              <a:rPr lang="ja-JP" altLang="en-US" noProof="0"/>
               <a:t>レベル</a:t>
             </a:r>
           </a:p>
           <a:p>
             <a:pPr lvl="4" rtl="0"/>
             <a:r>
-              <a:rPr lang="ja-JP" altLang="en-US" noProof="0" dirty="0"/>
+              <a:rPr lang="ja-JP" altLang="en-US" noProof="0"/>
               <a:t>第 </a:t>
             </a:r>
             <a:r>
-              <a:rPr lang="en-US" altLang="ja-JP" noProof="0" dirty="0"/>
+              <a:rPr lang="en-US" altLang="ja-JP" noProof="0"/>
               <a:t>5 </a:t>
             </a:r>
             <a:r>
-              <a:rPr lang="ja-JP" altLang="en-US" noProof="0" dirty="0"/>
+              <a:rPr lang="ja-JP" altLang="en-US" noProof="0"/>
               <a:t>レベル</a:t>
             </a:r>
           </a:p>
@@ -25773,7 +26609,6 @@
               <a:rPr lang="ja-JP" altLang="en-US"/>
               <a:t>フッターを追加</a:t>
             </a:r>
-            <a:endParaRPr lang="ja-JP" altLang="en-US" dirty="0"/>
           </a:p>
         </p:txBody>
       </p:sp>
@@ -25815,9 +26650,9 @@
           <a:p>
             <a:fld id="{AE256363-F777-4CDC-B7B0-13449133AA3E}" type="datetime4">
               <a:rPr lang="ja-JP" altLang="en-US" smtClean="0"/>
-              <a:t>2021年5月16日</a:t>
+              <a:t>2021年5月17日</a:t>
             </a:fld>
-            <a:endParaRPr lang="ja-JP" altLang="en-US" dirty="0"/>
+            <a:endParaRPr lang="ja-JP" altLang="en-US"/>
           </a:p>
         </p:txBody>
       </p:sp>
@@ -25862,7 +26697,7 @@
               <a:pPr/>
               <a:t>‹#›</a:t>
             </a:fld>
-            <a:endParaRPr lang="ja-JP" altLang="en-US" dirty="0"/>
+            <a:endParaRPr lang="ja-JP" altLang="en-US"/>
           </a:p>
         </p:txBody>
       </p:sp>
@@ -26290,10 +27125,10 @@
           <a:lstStyle/>
           <a:p>
             <a:r>
-              <a:rPr lang="ja-JP" altLang="en-US" sz="6600" dirty="0"/>
+              <a:rPr lang="ja-JP" altLang="en-US" sz="6600"/>
               <a:t>自動走行ロボットの製作</a:t>
             </a:r>
-            <a:endParaRPr lang="ja-JP" altLang="ja-JP" sz="6600" dirty="0"/>
+            <a:endParaRPr lang="ja-JP" altLang="ja-JP" sz="6600"/>
           </a:p>
         </p:txBody>
       </p:sp>
@@ -26316,15 +27151,33 @@
           <a:p>
             <a:pPr rtl="0"/>
             <a:r>
+              <a:rPr lang="ja-JP" altLang="en-US" sz="2400">
+                <a:solidFill>
+                  <a:schemeClr val="tx1"/>
+                </a:solidFill>
+                <a:cs typeface="+mj-cs"/>
+              </a:rPr>
+              <a:t>情報工学科　正元淳也</a:t>
+            </a:r>
+            <a:r>
               <a:rPr lang="ja-JP" altLang="en-US" sz="2400" dirty="0">
                 <a:solidFill>
                   <a:schemeClr val="tx1"/>
                 </a:solidFill>
                 <a:cs typeface="+mj-cs"/>
               </a:rPr>
-              <a:t>情報工学科　正元淳也　石橋尚之　馬場竣平　佐々木祥二</a:t>
+              <a:t>　</a:t>
             </a:r>
-            <a:endParaRPr lang="en-US" altLang="ja-JP" sz="2400" dirty="0">
+            <a:r>
+              <a:rPr lang="ja-JP" altLang="en-US" sz="2400">
+                <a:solidFill>
+                  <a:schemeClr val="tx1"/>
+                </a:solidFill>
+                <a:cs typeface="+mj-cs"/>
+              </a:rPr>
+              <a:t>石橋尚之　馬場竣平　佐々木祥二</a:t>
+            </a:r>
+            <a:endParaRPr lang="en-US" altLang="ja-JP" sz="2400">
               <a:solidFill>
                 <a:schemeClr val="tx1"/>
               </a:solidFill>
@@ -26359,6 +27212,273 @@
 </file>
 
 <file path=ppt/slides/slide10.xml><?xml version="1.0" encoding="utf-8"?>
+<p:sld xmlns:a="http://schemas.openxmlformats.org/drawingml/2006/main" xmlns:r="http://schemas.openxmlformats.org/officeDocument/2006/relationships" xmlns:p="http://schemas.openxmlformats.org/presentationml/2006/main" show="0">
+  <p:cSld>
+    <p:spTree>
+      <p:nvGrpSpPr>
+        <p:cNvPr id="1" name=""/>
+        <p:cNvGrpSpPr/>
+        <p:nvPr/>
+      </p:nvGrpSpPr>
+      <p:grpSpPr>
+        <a:xfrm>
+          <a:off x="0" y="0"/>
+          <a:ext cx="0" cy="0"/>
+          <a:chOff x="0" y="0"/>
+          <a:chExt cx="0" cy="0"/>
+        </a:xfrm>
+      </p:grpSpPr>
+      <p:sp>
+        <p:nvSpPr>
+          <p:cNvPr id="2" name="タイトル 1"/>
+          <p:cNvSpPr>
+            <a:spLocks noGrp="1"/>
+          </p:cNvSpPr>
+          <p:nvPr>
+            <p:ph type="title"/>
+          </p:nvPr>
+        </p:nvSpPr>
+        <p:spPr/>
+        <p:txBody>
+          <a:bodyPr rtlCol="0">
+            <a:normAutofit/>
+          </a:bodyPr>
+          <a:lstStyle/>
+          <a:p>
+            <a:pPr rtl="0"/>
+            <a:r>
+              <a:rPr lang="ja-JP" altLang="en-US" sz="3600" dirty="0">
+                <a:latin typeface="Meiryo UI" panose="020B0604030504040204" pitchFamily="50" charset="-128"/>
+                <a:ea typeface="Meiryo UI" panose="020B0604030504040204" pitchFamily="50" charset="-128"/>
+              </a:rPr>
+              <a:t>システム構成</a:t>
+            </a:r>
+            <a:endParaRPr lang="en-US" altLang="ja-JP" sz="3600" dirty="0">
+              <a:latin typeface="Meiryo UI" panose="020B0604030504040204" pitchFamily="50" charset="-128"/>
+              <a:ea typeface="Meiryo UI" panose="020B0604030504040204" pitchFamily="50" charset="-128"/>
+            </a:endParaRPr>
+          </a:p>
+        </p:txBody>
+      </p:sp>
+      <p:pic>
+        <p:nvPicPr>
+          <p:cNvPr id="6" name="コンテンツ プレースホルダー 5">
+            <a:extLst>
+              <a:ext uri="{FF2B5EF4-FFF2-40B4-BE49-F238E27FC236}">
+                <a16:creationId xmlns:a16="http://schemas.microsoft.com/office/drawing/2014/main" id="{78894B72-DA0E-45DC-AF66-B9160FF9DD1F}"/>
+              </a:ext>
+            </a:extLst>
+          </p:cNvPr>
+          <p:cNvPicPr>
+            <a:picLocks noGrp="1" noChangeAspect="1"/>
+          </p:cNvPicPr>
+          <p:nvPr>
+            <p:ph sz="half" idx="2"/>
+          </p:nvPr>
+        </p:nvPicPr>
+        <p:blipFill>
+          <a:blip r:embed="rId3"/>
+          <a:srcRect/>
+          <a:stretch/>
+        </p:blipFill>
+        <p:spPr>
+          <a:xfrm>
+            <a:off x="2671763" y="1646238"/>
+            <a:ext cx="6848473" cy="4775821"/>
+          </a:xfrm>
+        </p:spPr>
+      </p:pic>
+    </p:spTree>
+    <p:extLst>
+      <p:ext uri="{BB962C8B-B14F-4D97-AF65-F5344CB8AC3E}">
+        <p14:creationId xmlns:p14="http://schemas.microsoft.com/office/powerpoint/2010/main" val="1488193002"/>
+      </p:ext>
+    </p:extLst>
+  </p:cSld>
+  <p:clrMapOvr>
+    <a:masterClrMapping/>
+  </p:clrMapOvr>
+  <mc:AlternateContent xmlns:mc="http://schemas.openxmlformats.org/markup-compatibility/2006">
+    <mc:Choice xmlns:p14="http://schemas.microsoft.com/office/powerpoint/2010/main" Requires="p14">
+      <p:transition spd="med" p14:dur="700">
+        <p:fade/>
+      </p:transition>
+    </mc:Choice>
+    <mc:Fallback>
+      <p:transition spd="med">
+        <p:fade/>
+      </p:transition>
+    </mc:Fallback>
+  </mc:AlternateContent>
+</p:sld>
+</file>
+
+<file path=ppt/slides/slide11.xml><?xml version="1.0" encoding="utf-8"?>
+<p:sld xmlns:a="http://schemas.openxmlformats.org/drawingml/2006/main" xmlns:r="http://schemas.openxmlformats.org/officeDocument/2006/relationships" xmlns:p="http://schemas.openxmlformats.org/presentationml/2006/main">
+  <p:cSld>
+    <p:spTree>
+      <p:nvGrpSpPr>
+        <p:cNvPr id="1" name=""/>
+        <p:cNvGrpSpPr/>
+        <p:nvPr/>
+      </p:nvGrpSpPr>
+      <p:grpSpPr>
+        <a:xfrm>
+          <a:off x="0" y="0"/>
+          <a:ext cx="0" cy="0"/>
+          <a:chOff x="0" y="0"/>
+          <a:chExt cx="0" cy="0"/>
+        </a:xfrm>
+      </p:grpSpPr>
+      <p:sp>
+        <p:nvSpPr>
+          <p:cNvPr id="2" name="タイトル 1"/>
+          <p:cNvSpPr>
+            <a:spLocks noGrp="1"/>
+          </p:cNvSpPr>
+          <p:nvPr>
+            <p:ph type="title"/>
+          </p:nvPr>
+        </p:nvSpPr>
+        <p:spPr/>
+        <p:txBody>
+          <a:bodyPr rtlCol="0">
+            <a:normAutofit/>
+          </a:bodyPr>
+          <a:lstStyle/>
+          <a:p>
+            <a:pPr rtl="0"/>
+            <a:r>
+              <a:rPr lang="ja-JP" altLang="en-US" sz="3600" dirty="0"/>
+              <a:t>ローバー</a:t>
+            </a:r>
+            <a:endParaRPr lang="en-US" altLang="ja-JP" sz="3600" dirty="0">
+              <a:latin typeface="Meiryo UI" panose="020B0604030504040204" pitchFamily="50" charset="-128"/>
+              <a:ea typeface="Meiryo UI" panose="020B0604030504040204" pitchFamily="50" charset="-128"/>
+            </a:endParaRPr>
+          </a:p>
+        </p:txBody>
+      </p:sp>
+      <p:sp>
+        <p:nvSpPr>
+          <p:cNvPr id="4" name="コンテンツ プレースホルダー 3"/>
+          <p:cNvSpPr>
+            <a:spLocks noGrp="1"/>
+          </p:cNvSpPr>
+          <p:nvPr>
+            <p:ph sz="half" idx="2"/>
+          </p:nvPr>
+        </p:nvSpPr>
+        <p:spPr>
+          <a:xfrm>
+            <a:off x="983810" y="2198696"/>
+            <a:ext cx="7846491" cy="2601904"/>
+          </a:xfrm>
+        </p:spPr>
+        <p:txBody>
+          <a:bodyPr rtlCol="0">
+            <a:normAutofit lnSpcReduction="10000"/>
+          </a:bodyPr>
+          <a:lstStyle/>
+          <a:p>
+            <a:r>
+              <a:rPr lang="en-US" altLang="ja-JP" sz="2600" dirty="0"/>
+              <a:t>4</a:t>
+            </a:r>
+            <a:r>
+              <a:rPr lang="ja-JP" altLang="en-US" sz="2600" dirty="0"/>
+              <a:t>輪走行体</a:t>
+            </a:r>
+            <a:endParaRPr lang="en-US" altLang="ja-JP" sz="2600" dirty="0"/>
+          </a:p>
+          <a:p>
+            <a:r>
+              <a:rPr lang="ja-JP" altLang="en-US" sz="2600" dirty="0"/>
+              <a:t>目標地点に移動</a:t>
+            </a:r>
+            <a:endParaRPr lang="en-US" altLang="ja-JP" sz="2600" dirty="0"/>
+          </a:p>
+          <a:p>
+            <a:r>
+              <a:rPr lang="en-US" altLang="ja-JP" sz="2600" dirty="0"/>
+              <a:t>RTK</a:t>
+            </a:r>
+            <a:r>
+              <a:rPr lang="ja-JP" altLang="en-US" sz="2600" dirty="0"/>
+              <a:t>測位で自己位置推定</a:t>
+            </a:r>
+            <a:endParaRPr lang="en-US" altLang="ja-JP" sz="2600" dirty="0"/>
+          </a:p>
+          <a:p>
+            <a:r>
+              <a:rPr lang="ja-JP" altLang="en-US" sz="2600" dirty="0"/>
+              <a:t>障害物回避</a:t>
+            </a:r>
+            <a:endParaRPr lang="en-US" altLang="ja-JP" sz="2600" dirty="0"/>
+          </a:p>
+          <a:p>
+            <a:r>
+              <a:rPr lang="ja-JP" altLang="en-US" sz="2600" dirty="0"/>
+              <a:t>防水・防塵設計</a:t>
+            </a:r>
+          </a:p>
+        </p:txBody>
+      </p:sp>
+      <p:pic>
+        <p:nvPicPr>
+          <p:cNvPr id="5" name="図 4">
+            <a:extLst>
+              <a:ext uri="{FF2B5EF4-FFF2-40B4-BE49-F238E27FC236}">
+                <a16:creationId xmlns:a16="http://schemas.microsoft.com/office/drawing/2014/main" id="{949C0B19-C391-4A8F-A06C-A5EA57E71F21}"/>
+              </a:ext>
+            </a:extLst>
+          </p:cNvPr>
+          <p:cNvPicPr>
+            <a:picLocks noChangeAspect="1"/>
+          </p:cNvPicPr>
+          <p:nvPr/>
+        </p:nvPicPr>
+        <p:blipFill rotWithShape="1">
+          <a:blip r:embed="rId3"/>
+          <a:srcRect l="27536" t="27737" r="29051" b="17177"/>
+          <a:stretch/>
+        </p:blipFill>
+        <p:spPr>
+          <a:xfrm>
+            <a:off x="7130868" y="2938705"/>
+            <a:ext cx="3842372" cy="2742475"/>
+          </a:xfrm>
+          <a:prstGeom prst="rect">
+            <a:avLst/>
+          </a:prstGeom>
+        </p:spPr>
+      </p:pic>
+    </p:spTree>
+    <p:extLst>
+      <p:ext uri="{BB962C8B-B14F-4D97-AF65-F5344CB8AC3E}">
+        <p14:creationId xmlns:p14="http://schemas.microsoft.com/office/powerpoint/2010/main" val="979995164"/>
+      </p:ext>
+    </p:extLst>
+  </p:cSld>
+  <p:clrMapOvr>
+    <a:masterClrMapping/>
+  </p:clrMapOvr>
+  <mc:AlternateContent xmlns:mc="http://schemas.openxmlformats.org/markup-compatibility/2006" xmlns:p14="http://schemas.microsoft.com/office/powerpoint/2010/main">
+    <mc:Choice Requires="p14">
+      <p:transition spd="med" p14:dur="700">
+        <p:fade/>
+      </p:transition>
+    </mc:Choice>
+    <mc:Fallback xmlns="">
+      <p:transition spd="med">
+        <p:fade/>
+      </p:transition>
+    </mc:Fallback>
+  </mc:AlternateContent>
+</p:sld>
+</file>
+
+<file path=ppt/slides/slide12.xml><?xml version="1.0" encoding="utf-8"?>
 <p:sld xmlns:a="http://schemas.openxmlformats.org/drawingml/2006/main" xmlns:r="http://schemas.openxmlformats.org/officeDocument/2006/relationships" xmlns:p="http://schemas.openxmlformats.org/presentationml/2006/main">
   <p:cSld>
     <p:spTree>
@@ -26394,7 +27514,7 @@
           <a:p>
             <a:r>
               <a:rPr lang="ja-JP" altLang="en-US" sz="3600" dirty="0"/>
-              <a:t>センサ</a:t>
+              <a:t>ローバー</a:t>
             </a:r>
             <a:endParaRPr lang="en-US" altLang="ja-JP" sz="3600" dirty="0"/>
           </a:p>
@@ -26530,7 +27650,7 @@
         <p:spPr>
           <a:xfrm>
             <a:off x="1295397" y="4028476"/>
-            <a:ext cx="9601199" cy="2042540"/>
+            <a:ext cx="9601199" cy="1883374"/>
           </a:xfrm>
           <a:prstGeom prst="rect">
             <a:avLst/>
@@ -26824,7 +27944,7 @@
 </p:sld>
 </file>
 
-<file path=ppt/slides/slide11.xml><?xml version="1.0" encoding="utf-8"?>
+<file path=ppt/slides/slide13.xml><?xml version="1.0" encoding="utf-8"?>
 <p:sld xmlns:a="http://schemas.openxmlformats.org/drawingml/2006/main" xmlns:r="http://schemas.openxmlformats.org/officeDocument/2006/relationships" xmlns:p="http://schemas.openxmlformats.org/presentationml/2006/main">
   <p:cSld>
     <p:spTree>
@@ -26860,8 +27980,13 @@
           <a:p>
             <a:r>
               <a:rPr lang="en-US" altLang="ja-JP" sz="3600" dirty="0"/>
-              <a:t>GPS</a:t>
+              <a:t>RTK</a:t>
             </a:r>
+            <a:r>
+              <a:rPr lang="ja-JP" altLang="en-US" sz="3600" dirty="0"/>
+              <a:t>測位</a:t>
+            </a:r>
+            <a:endParaRPr lang="en-US" altLang="ja-JP" sz="3600" dirty="0"/>
           </a:p>
         </p:txBody>
       </p:sp>
@@ -26877,8 +28002,8 @@
         </p:nvSpPr>
         <p:spPr>
           <a:xfrm>
-            <a:off x="1295401" y="2270337"/>
-            <a:ext cx="9601199" cy="3186082"/>
+            <a:off x="1295401" y="2270336"/>
+            <a:ext cx="9601199" cy="3311314"/>
           </a:xfrm>
         </p:spPr>
         <p:txBody>
@@ -26889,12 +28014,8 @@
           <a:p>
             <a:pPr lvl="0"/>
             <a:r>
-              <a:rPr lang="en-US" altLang="ja-JP" sz="2400" dirty="0"/>
-              <a:t>RTK</a:t>
-            </a:r>
-            <a:r>
               <a:rPr lang="ja-JP" altLang="en-US" sz="2400" dirty="0"/>
-              <a:t>測位</a:t>
+              <a:t>基準局</a:t>
             </a:r>
             <a:endParaRPr lang="en-US" altLang="ja-JP" sz="2400" dirty="0"/>
           </a:p>
@@ -26902,7 +28023,23 @@
             <a:pPr lvl="1"/>
             <a:r>
               <a:rPr lang="ja-JP" altLang="en-US" sz="2200" dirty="0"/>
-              <a:t>基準局の位置情報をもとに自己位置を補正</a:t>
+              <a:t>基準局の位置情報をもとに</a:t>
+            </a:r>
+            <a:r>
+              <a:rPr lang="zh-TW" altLang="en-US" sz="2200" dirty="0"/>
+              <a:t>位置補正情報</a:t>
+            </a:r>
+            <a:r>
+              <a:rPr lang="ja-JP" altLang="en-US" sz="2200" dirty="0"/>
+              <a:t>を生成</a:t>
+            </a:r>
+            <a:endParaRPr lang="en-US" altLang="zh-TW" sz="2200" dirty="0"/>
+          </a:p>
+          <a:p>
+            <a:pPr lvl="1"/>
+            <a:r>
+              <a:rPr lang="ja-JP" altLang="en-US" sz="2200" dirty="0"/>
+              <a:t>先輩方が設置した洛北校屋上の物を改良</a:t>
             </a:r>
             <a:endParaRPr lang="en-US" altLang="ja-JP" sz="2200" dirty="0"/>
           </a:p>
@@ -26917,7 +28054,7 @@
             <a:pPr lvl="1"/>
             <a:r>
               <a:rPr lang="ja-JP" altLang="en-US" sz="2200" dirty="0"/>
-              <a:t>基準局の無料公開サービス</a:t>
+              <a:t>基準局の測位情報配信サービス</a:t>
             </a:r>
             <a:endParaRPr lang="en-US" altLang="ja-JP" sz="2200" dirty="0"/>
           </a:p>
@@ -26939,6 +28076,66 @@
           </a:p>
         </p:txBody>
       </p:sp>
+      <p:pic>
+        <p:nvPicPr>
+          <p:cNvPr id="5" name="図 4" descr="黒い背景と白い文字のロゴ&#10;&#10;中程度の精度で自動的に生成された説明">
+            <a:extLst>
+              <a:ext uri="{FF2B5EF4-FFF2-40B4-BE49-F238E27FC236}">
+                <a16:creationId xmlns:a16="http://schemas.microsoft.com/office/drawing/2014/main" id="{C49891F7-3FAA-4EA3-BC0E-8BF452084D3D}"/>
+              </a:ext>
+            </a:extLst>
+          </p:cNvPr>
+          <p:cNvPicPr>
+            <a:picLocks noChangeAspect="1"/>
+          </p:cNvPicPr>
+          <p:nvPr/>
+        </p:nvPicPr>
+        <p:blipFill>
+          <a:blip r:embed="rId3"/>
+          <a:stretch>
+            <a:fillRect/>
+          </a:stretch>
+        </p:blipFill>
+        <p:spPr>
+          <a:xfrm>
+            <a:off x="9532964" y="1904516"/>
+            <a:ext cx="1524484" cy="1524484"/>
+          </a:xfrm>
+          <a:prstGeom prst="rect">
+            <a:avLst/>
+          </a:prstGeom>
+        </p:spPr>
+      </p:pic>
+      <p:pic>
+        <p:nvPicPr>
+          <p:cNvPr id="6" name="図 5" descr="文字が書かれている&#10;&#10;低い精度で自動的に生成された説明">
+            <a:extLst>
+              <a:ext uri="{FF2B5EF4-FFF2-40B4-BE49-F238E27FC236}">
+                <a16:creationId xmlns:a16="http://schemas.microsoft.com/office/drawing/2014/main" id="{001F977C-0663-40F8-A199-C99FAA9AE8A9}"/>
+              </a:ext>
+            </a:extLst>
+          </p:cNvPr>
+          <p:cNvPicPr>
+            <a:picLocks noChangeAspect="1"/>
+          </p:cNvPicPr>
+          <p:nvPr/>
+        </p:nvPicPr>
+        <p:blipFill>
+          <a:blip r:embed="rId4"/>
+          <a:stretch>
+            <a:fillRect/>
+          </a:stretch>
+        </p:blipFill>
+        <p:spPr>
+          <a:xfrm>
+            <a:off x="9482634" y="4371852"/>
+            <a:ext cx="2147133" cy="1142385"/>
+          </a:xfrm>
+          <a:prstGeom prst="rect">
+            <a:avLst/>
+          </a:prstGeom>
+        </p:spPr>
+      </p:pic>
     </p:spTree>
     <p:extLst>
       <p:ext uri="{BB962C8B-B14F-4D97-AF65-F5344CB8AC3E}">
@@ -26964,7 +28161,7 @@
 </p:sld>
 </file>
 
-<file path=ppt/slides/slide12.xml><?xml version="1.0" encoding="utf-8"?>
+<file path=ppt/slides/slide14.xml><?xml version="1.0" encoding="utf-8"?>
 <p:sld xmlns:a="http://schemas.openxmlformats.org/drawingml/2006/main" xmlns:r="http://schemas.openxmlformats.org/officeDocument/2006/relationships" xmlns:p="http://schemas.openxmlformats.org/presentationml/2006/main">
   <p:cSld>
     <p:spTree>
@@ -27029,10 +28226,10 @@
           <a:lstStyle/>
           <a:p>
             <a:r>
-              <a:rPr lang="ja-JP" altLang="en-US" sz="3600" dirty="0"/>
+              <a:rPr lang="ja-JP" altLang="en-US" sz="3600"/>
               <a:t>クライアントアプリ</a:t>
             </a:r>
-            <a:endParaRPr lang="en-US" altLang="ja-JP" sz="3600" dirty="0"/>
+            <a:endParaRPr lang="en-US" altLang="ja-JP" sz="3600"/>
           </a:p>
         </p:txBody>
       </p:sp>
@@ -27054,7 +28251,7 @@
         </p:nvSpPr>
         <p:spPr>
           <a:xfrm>
-            <a:off x="1295400" y="2555151"/>
+            <a:off x="1295401" y="2117001"/>
             <a:ext cx="9601199" cy="2814018"/>
           </a:xfrm>
         </p:spPr>
@@ -27063,6 +28260,13 @@
             <a:normAutofit/>
           </a:bodyPr>
           <a:lstStyle/>
+          <a:p>
+            <a:r>
+              <a:rPr lang="ja-JP" altLang="en-US" sz="2400" dirty="0"/>
+              <a:t>目標位置設定</a:t>
+            </a:r>
+            <a:endParaRPr lang="en-US" altLang="ja-JP" sz="2400" dirty="0"/>
+          </a:p>
           <a:p>
             <a:pPr lvl="0"/>
             <a:r>
@@ -27075,7 +28279,7 @@
             <a:pPr lvl="0"/>
             <a:r>
               <a:rPr lang="ja-JP" altLang="en-US" sz="2400" dirty="0"/>
-              <a:t>操作</a:t>
+              <a:t>マニュアル操作</a:t>
             </a:r>
             <a:endParaRPr lang="en-US" altLang="ja-JP" sz="2400" dirty="0"/>
           </a:p>
@@ -27084,14 +28288,6 @@
             <a:r>
               <a:rPr lang="ja-JP" altLang="en-US" sz="2400" dirty="0"/>
               <a:t>ロボット走行ログ</a:t>
-            </a:r>
-            <a:endParaRPr lang="en-US" altLang="ja-JP" sz="2400" dirty="0"/>
-          </a:p>
-          <a:p>
-            <a:pPr lvl="0"/>
-            <a:r>
-              <a:rPr lang="ja-JP" altLang="en-US" sz="2400" dirty="0"/>
-              <a:t>目標位置設定</a:t>
             </a:r>
             <a:endParaRPr lang="en-US" altLang="ja-JP" sz="2400" dirty="0"/>
           </a:p>
@@ -27172,7 +28368,537 @@
 </p:sld>
 </file>
 
-<file path=ppt/slides/slide13.xml><?xml version="1.0" encoding="utf-8"?>
+<file path=ppt/slides/slide15.xml><?xml version="1.0" encoding="utf-8"?>
+<p:sld xmlns:a="http://schemas.openxmlformats.org/drawingml/2006/main" xmlns:r="http://schemas.openxmlformats.org/officeDocument/2006/relationships" xmlns:p="http://schemas.openxmlformats.org/presentationml/2006/main">
+  <p:cSld>
+    <p:spTree>
+      <p:nvGrpSpPr>
+        <p:cNvPr id="1" name=""/>
+        <p:cNvGrpSpPr/>
+        <p:nvPr/>
+      </p:nvGrpSpPr>
+      <p:grpSpPr>
+        <a:xfrm>
+          <a:off x="0" y="0"/>
+          <a:ext cx="0" cy="0"/>
+          <a:chOff x="0" y="0"/>
+          <a:chExt cx="0" cy="0"/>
+        </a:xfrm>
+      </p:grpSpPr>
+      <p:sp>
+        <p:nvSpPr>
+          <p:cNvPr id="2" name="タイトル 1"/>
+          <p:cNvSpPr>
+            <a:spLocks noGrp="1"/>
+          </p:cNvSpPr>
+          <p:nvPr>
+            <p:ph type="title"/>
+          </p:nvPr>
+        </p:nvSpPr>
+        <p:spPr/>
+        <p:txBody>
+          <a:bodyPr rtlCol="0">
+            <a:normAutofit/>
+          </a:bodyPr>
+          <a:lstStyle/>
+          <a:p>
+            <a:pPr rtl="0"/>
+            <a:r>
+              <a:rPr lang="ja-JP" altLang="en-US" sz="3600">
+                <a:latin typeface="Meiryo UI" panose="020B0604030504040204" pitchFamily="50" charset="-128"/>
+                <a:ea typeface="Meiryo UI" panose="020B0604030504040204" pitchFamily="50" charset="-128"/>
+              </a:rPr>
+              <a:t>システム構成</a:t>
+            </a:r>
+            <a:endParaRPr lang="en-US" altLang="ja-JP" sz="3600">
+              <a:latin typeface="Meiryo UI" panose="020B0604030504040204" pitchFamily="50" charset="-128"/>
+              <a:ea typeface="Meiryo UI" panose="020B0604030504040204" pitchFamily="50" charset="-128"/>
+            </a:endParaRPr>
+          </a:p>
+        </p:txBody>
+      </p:sp>
+      <p:pic>
+        <p:nvPicPr>
+          <p:cNvPr id="4" name="図 3">
+            <a:extLst>
+              <a:ext uri="{FF2B5EF4-FFF2-40B4-BE49-F238E27FC236}">
+                <a16:creationId xmlns:a16="http://schemas.microsoft.com/office/drawing/2014/main" id="{6EC97C10-803D-40FB-8432-5EC67F4F288F}"/>
+              </a:ext>
+            </a:extLst>
+          </p:cNvPr>
+          <p:cNvPicPr>
+            <a:picLocks noChangeAspect="1"/>
+          </p:cNvPicPr>
+          <p:nvPr/>
+        </p:nvPicPr>
+        <p:blipFill rotWithShape="1">
+          <a:blip r:embed="rId3"/>
+          <a:srcRect l="27536" t="27737" r="29051" b="17177"/>
+          <a:stretch/>
+        </p:blipFill>
+        <p:spPr>
+          <a:xfrm>
+            <a:off x="2721311" y="1979065"/>
+            <a:ext cx="1874006" cy="1337563"/>
+          </a:xfrm>
+          <a:prstGeom prst="rect">
+            <a:avLst/>
+          </a:prstGeom>
+        </p:spPr>
+      </p:pic>
+      <p:pic>
+        <p:nvPicPr>
+          <p:cNvPr id="10" name="図 9" descr="部屋, ウィンドウ が含まれている画像&#10;&#10;自動的に生成された説明">
+            <a:extLst>
+              <a:ext uri="{FF2B5EF4-FFF2-40B4-BE49-F238E27FC236}">
+                <a16:creationId xmlns:a16="http://schemas.microsoft.com/office/drawing/2014/main" id="{93A246BD-1302-4B9A-AD24-97FBA06CD834}"/>
+              </a:ext>
+            </a:extLst>
+          </p:cNvPr>
+          <p:cNvPicPr>
+            <a:picLocks noChangeAspect="1"/>
+          </p:cNvPicPr>
+          <p:nvPr/>
+        </p:nvPicPr>
+        <p:blipFill>
+          <a:blip r:embed="rId4"/>
+          <a:stretch>
+            <a:fillRect/>
+          </a:stretch>
+        </p:blipFill>
+        <p:spPr>
+          <a:xfrm flipH="1">
+            <a:off x="3027219" y="4116228"/>
+            <a:ext cx="1411548" cy="1620141"/>
+          </a:xfrm>
+          <a:prstGeom prst="rect">
+            <a:avLst/>
+          </a:prstGeom>
+        </p:spPr>
+      </p:pic>
+      <p:pic>
+        <p:nvPicPr>
+          <p:cNvPr id="12" name="図 11" descr="黒い背景と白い文字のロゴ&#10;&#10;中程度の精度で自動的に生成された説明">
+            <a:extLst>
+              <a:ext uri="{FF2B5EF4-FFF2-40B4-BE49-F238E27FC236}">
+                <a16:creationId xmlns:a16="http://schemas.microsoft.com/office/drawing/2014/main" id="{AD2DBE94-6406-47F1-ADEC-7FD84C22E245}"/>
+              </a:ext>
+            </a:extLst>
+          </p:cNvPr>
+          <p:cNvPicPr>
+            <a:picLocks noChangeAspect="1"/>
+          </p:cNvPicPr>
+          <p:nvPr/>
+        </p:nvPicPr>
+        <p:blipFill>
+          <a:blip r:embed="rId5"/>
+          <a:stretch>
+            <a:fillRect/>
+          </a:stretch>
+        </p:blipFill>
+        <p:spPr>
+          <a:xfrm>
+            <a:off x="7753235" y="4211885"/>
+            <a:ext cx="1524484" cy="1524484"/>
+          </a:xfrm>
+          <a:prstGeom prst="rect">
+            <a:avLst/>
+          </a:prstGeom>
+        </p:spPr>
+      </p:pic>
+      <p:pic>
+        <p:nvPicPr>
+          <p:cNvPr id="14" name="図 13" descr="文字が書かれている&#10;&#10;低い精度で自動的に生成された説明">
+            <a:extLst>
+              <a:ext uri="{FF2B5EF4-FFF2-40B4-BE49-F238E27FC236}">
+                <a16:creationId xmlns:a16="http://schemas.microsoft.com/office/drawing/2014/main" id="{C6414A8D-113B-48F9-A282-2E187B18CABE}"/>
+              </a:ext>
+            </a:extLst>
+          </p:cNvPr>
+          <p:cNvPicPr>
+            <a:picLocks noChangeAspect="1"/>
+          </p:cNvPicPr>
+          <p:nvPr/>
+        </p:nvPicPr>
+        <p:blipFill>
+          <a:blip r:embed="rId6"/>
+          <a:stretch>
+            <a:fillRect/>
+          </a:stretch>
+        </p:blipFill>
+        <p:spPr>
+          <a:xfrm>
+            <a:off x="7596684" y="2075130"/>
+            <a:ext cx="2147133" cy="1142385"/>
+          </a:xfrm>
+          <a:prstGeom prst="rect">
+            <a:avLst/>
+          </a:prstGeom>
+        </p:spPr>
+      </p:pic>
+      <p:sp>
+        <p:nvSpPr>
+          <p:cNvPr id="5" name="矢印: 上カーブ 4">
+            <a:extLst>
+              <a:ext uri="{FF2B5EF4-FFF2-40B4-BE49-F238E27FC236}">
+                <a16:creationId xmlns:a16="http://schemas.microsoft.com/office/drawing/2014/main" id="{C69E85E7-89C9-4B0B-B72F-07CB360CAC86}"/>
+              </a:ext>
+            </a:extLst>
+          </p:cNvPr>
+          <p:cNvSpPr/>
+          <p:nvPr/>
+        </p:nvSpPr>
+        <p:spPr>
+          <a:xfrm rot="16200000">
+            <a:off x="9111211" y="3702127"/>
+            <a:ext cx="1728324" cy="318469"/>
+          </a:xfrm>
+          <a:prstGeom prst="curvedUpArrow">
+            <a:avLst/>
+          </a:prstGeom>
+        </p:spPr>
+        <p:style>
+          <a:lnRef idx="2">
+            <a:schemeClr val="accent1">
+              <a:shade val="50000"/>
+            </a:schemeClr>
+          </a:lnRef>
+          <a:fillRef idx="1">
+            <a:schemeClr val="accent1"/>
+          </a:fillRef>
+          <a:effectRef idx="0">
+            <a:schemeClr val="accent1"/>
+          </a:effectRef>
+          <a:fontRef idx="minor">
+            <a:schemeClr val="lt1"/>
+          </a:fontRef>
+        </p:style>
+        <p:txBody>
+          <a:bodyPr rtlCol="0" anchor="ctr"/>
+          <a:lstStyle/>
+          <a:p>
+            <a:pPr algn="ctr"/>
+            <a:endParaRPr kumimoji="1" lang="ja-JP" altLang="en-US">
+              <a:solidFill>
+                <a:schemeClr val="tx1"/>
+              </a:solidFill>
+            </a:endParaRPr>
+          </a:p>
+        </p:txBody>
+      </p:sp>
+      <p:sp>
+        <p:nvSpPr>
+          <p:cNvPr id="6" name="テキスト ボックス 5">
+            <a:extLst>
+              <a:ext uri="{FF2B5EF4-FFF2-40B4-BE49-F238E27FC236}">
+                <a16:creationId xmlns:a16="http://schemas.microsoft.com/office/drawing/2014/main" id="{1C44694F-7437-4791-A8A9-C6DD346FC643}"/>
+              </a:ext>
+            </a:extLst>
+          </p:cNvPr>
+          <p:cNvSpPr txBox="1"/>
+          <p:nvPr/>
+        </p:nvSpPr>
+        <p:spPr>
+          <a:xfrm>
+            <a:off x="10206929" y="3676695"/>
+            <a:ext cx="1638300" cy="369332"/>
+          </a:xfrm>
+          <a:prstGeom prst="rect">
+            <a:avLst/>
+          </a:prstGeom>
+          <a:noFill/>
+        </p:spPr>
+        <p:txBody>
+          <a:bodyPr wrap="square" rtlCol="0">
+            <a:spAutoFit/>
+          </a:bodyPr>
+          <a:lstStyle/>
+          <a:p>
+            <a:r>
+              <a:rPr kumimoji="1" lang="ja-JP" altLang="en-US" dirty="0"/>
+              <a:t>位置情報</a:t>
+            </a:r>
+          </a:p>
+        </p:txBody>
+      </p:sp>
+      <p:sp>
+        <p:nvSpPr>
+          <p:cNvPr id="16" name="矢印: 上カーブ 15">
+            <a:extLst>
+              <a:ext uri="{FF2B5EF4-FFF2-40B4-BE49-F238E27FC236}">
+                <a16:creationId xmlns:a16="http://schemas.microsoft.com/office/drawing/2014/main" id="{89F270A5-F69B-45B0-90ED-FBE9FF668D96}"/>
+              </a:ext>
+            </a:extLst>
+          </p:cNvPr>
+          <p:cNvSpPr/>
+          <p:nvPr/>
+        </p:nvSpPr>
+        <p:spPr>
+          <a:xfrm rot="16200000">
+            <a:off x="4122112" y="3702126"/>
+            <a:ext cx="1728324" cy="318469"/>
+          </a:xfrm>
+          <a:prstGeom prst="curvedUpArrow">
+            <a:avLst/>
+          </a:prstGeom>
+        </p:spPr>
+        <p:style>
+          <a:lnRef idx="2">
+            <a:schemeClr val="accent1">
+              <a:shade val="50000"/>
+            </a:schemeClr>
+          </a:lnRef>
+          <a:fillRef idx="1">
+            <a:schemeClr val="accent1"/>
+          </a:fillRef>
+          <a:effectRef idx="0">
+            <a:schemeClr val="accent1"/>
+          </a:effectRef>
+          <a:fontRef idx="minor">
+            <a:schemeClr val="lt1"/>
+          </a:fontRef>
+        </p:style>
+        <p:txBody>
+          <a:bodyPr rtlCol="0" anchor="ctr"/>
+          <a:lstStyle/>
+          <a:p>
+            <a:pPr algn="ctr"/>
+            <a:endParaRPr kumimoji="1" lang="ja-JP" altLang="en-US">
+              <a:solidFill>
+                <a:schemeClr val="tx1"/>
+              </a:solidFill>
+            </a:endParaRPr>
+          </a:p>
+        </p:txBody>
+      </p:sp>
+      <p:sp>
+        <p:nvSpPr>
+          <p:cNvPr id="18" name="テキスト ボックス 17">
+            <a:extLst>
+              <a:ext uri="{FF2B5EF4-FFF2-40B4-BE49-F238E27FC236}">
+                <a16:creationId xmlns:a16="http://schemas.microsoft.com/office/drawing/2014/main" id="{8B90A9F3-10E4-4718-9C26-4A4093E74A11}"/>
+              </a:ext>
+            </a:extLst>
+          </p:cNvPr>
+          <p:cNvSpPr txBox="1"/>
+          <p:nvPr/>
+        </p:nvSpPr>
+        <p:spPr>
+          <a:xfrm>
+            <a:off x="5217830" y="3676695"/>
+            <a:ext cx="1638300" cy="369332"/>
+          </a:xfrm>
+          <a:prstGeom prst="rect">
+            <a:avLst/>
+          </a:prstGeom>
+          <a:noFill/>
+        </p:spPr>
+        <p:txBody>
+          <a:bodyPr wrap="square" rtlCol="0">
+            <a:spAutoFit/>
+          </a:bodyPr>
+          <a:lstStyle/>
+          <a:p>
+            <a:r>
+              <a:rPr kumimoji="1" lang="ja-JP" altLang="en-US" dirty="0"/>
+              <a:t>操作情報</a:t>
+            </a:r>
+          </a:p>
+        </p:txBody>
+      </p:sp>
+      <p:sp>
+        <p:nvSpPr>
+          <p:cNvPr id="7" name="矢印: 左 6">
+            <a:extLst>
+              <a:ext uri="{FF2B5EF4-FFF2-40B4-BE49-F238E27FC236}">
+                <a16:creationId xmlns:a16="http://schemas.microsoft.com/office/drawing/2014/main" id="{557C837E-D1B6-418C-A66A-0C4EB221346F}"/>
+              </a:ext>
+            </a:extLst>
+          </p:cNvPr>
+          <p:cNvSpPr/>
+          <p:nvPr/>
+        </p:nvSpPr>
+        <p:spPr>
+          <a:xfrm>
+            <a:off x="5283200" y="2554333"/>
+            <a:ext cx="1936750" cy="196850"/>
+          </a:xfrm>
+          <a:prstGeom prst="leftArrow">
+            <a:avLst/>
+          </a:prstGeom>
+        </p:spPr>
+        <p:style>
+          <a:lnRef idx="2">
+            <a:schemeClr val="accent1">
+              <a:shade val="50000"/>
+            </a:schemeClr>
+          </a:lnRef>
+          <a:fillRef idx="1">
+            <a:schemeClr val="accent1"/>
+          </a:fillRef>
+          <a:effectRef idx="0">
+            <a:schemeClr val="accent1"/>
+          </a:effectRef>
+          <a:fontRef idx="minor">
+            <a:schemeClr val="lt1"/>
+          </a:fontRef>
+        </p:style>
+        <p:txBody>
+          <a:bodyPr rtlCol="0" anchor="ctr"/>
+          <a:lstStyle/>
+          <a:p>
+            <a:pPr algn="ctr"/>
+            <a:endParaRPr kumimoji="1" lang="ja-JP" altLang="en-US"/>
+          </a:p>
+        </p:txBody>
+      </p:sp>
+      <p:sp>
+        <p:nvSpPr>
+          <p:cNvPr id="19" name="テキスト ボックス 18">
+            <a:extLst>
+              <a:ext uri="{FF2B5EF4-FFF2-40B4-BE49-F238E27FC236}">
+                <a16:creationId xmlns:a16="http://schemas.microsoft.com/office/drawing/2014/main" id="{1055B90F-5DA5-4089-8BD1-47FE4910E1FB}"/>
+              </a:ext>
+            </a:extLst>
+          </p:cNvPr>
+          <p:cNvSpPr txBox="1"/>
+          <p:nvPr/>
+        </p:nvSpPr>
+        <p:spPr>
+          <a:xfrm>
+            <a:off x="5438072" y="2107468"/>
+            <a:ext cx="1638300" cy="369332"/>
+          </a:xfrm>
+          <a:prstGeom prst="rect">
+            <a:avLst/>
+          </a:prstGeom>
+          <a:noFill/>
+        </p:spPr>
+        <p:txBody>
+          <a:bodyPr wrap="square" rtlCol="0">
+            <a:spAutoFit/>
+          </a:bodyPr>
+          <a:lstStyle/>
+          <a:p>
+            <a:pPr algn="ctr"/>
+            <a:r>
+              <a:rPr kumimoji="1" lang="ja-JP" altLang="en-US" dirty="0"/>
+              <a:t>位置補正情報</a:t>
+            </a:r>
+          </a:p>
+        </p:txBody>
+      </p:sp>
+      <p:sp>
+        <p:nvSpPr>
+          <p:cNvPr id="20" name="矢印: 上カーブ 19">
+            <a:extLst>
+              <a:ext uri="{FF2B5EF4-FFF2-40B4-BE49-F238E27FC236}">
+                <a16:creationId xmlns:a16="http://schemas.microsoft.com/office/drawing/2014/main" id="{18184EE0-820B-44B8-BDC7-B76B00AF8689}"/>
+              </a:ext>
+            </a:extLst>
+          </p:cNvPr>
+          <p:cNvSpPr/>
+          <p:nvPr/>
+        </p:nvSpPr>
+        <p:spPr>
+          <a:xfrm rot="5400000">
+            <a:off x="1437758" y="3702126"/>
+            <a:ext cx="1728324" cy="318469"/>
+          </a:xfrm>
+          <a:prstGeom prst="curvedUpArrow">
+            <a:avLst/>
+          </a:prstGeom>
+        </p:spPr>
+        <p:style>
+          <a:lnRef idx="2">
+            <a:schemeClr val="accent1">
+              <a:shade val="50000"/>
+            </a:schemeClr>
+          </a:lnRef>
+          <a:fillRef idx="1">
+            <a:schemeClr val="accent1"/>
+          </a:fillRef>
+          <a:effectRef idx="0">
+            <a:schemeClr val="accent1"/>
+          </a:effectRef>
+          <a:fontRef idx="minor">
+            <a:schemeClr val="lt1"/>
+          </a:fontRef>
+        </p:style>
+        <p:txBody>
+          <a:bodyPr rtlCol="0" anchor="ctr"/>
+          <a:lstStyle/>
+          <a:p>
+            <a:pPr algn="ctr"/>
+            <a:endParaRPr kumimoji="1" lang="ja-JP" altLang="en-US">
+              <a:solidFill>
+                <a:schemeClr val="tx1"/>
+              </a:solidFill>
+            </a:endParaRPr>
+          </a:p>
+        </p:txBody>
+      </p:sp>
+      <p:sp>
+        <p:nvSpPr>
+          <p:cNvPr id="21" name="テキスト ボックス 20">
+            <a:extLst>
+              <a:ext uri="{FF2B5EF4-FFF2-40B4-BE49-F238E27FC236}">
+                <a16:creationId xmlns:a16="http://schemas.microsoft.com/office/drawing/2014/main" id="{F3360C62-2E26-4A25-9801-1CB1105344CF}"/>
+              </a:ext>
+            </a:extLst>
+          </p:cNvPr>
+          <p:cNvSpPr txBox="1"/>
+          <p:nvPr/>
+        </p:nvSpPr>
+        <p:spPr>
+          <a:xfrm>
+            <a:off x="969680" y="3676694"/>
+            <a:ext cx="1638300" cy="369332"/>
+          </a:xfrm>
+          <a:prstGeom prst="rect">
+            <a:avLst/>
+          </a:prstGeom>
+          <a:noFill/>
+        </p:spPr>
+        <p:txBody>
+          <a:bodyPr wrap="square" rtlCol="0">
+            <a:spAutoFit/>
+          </a:bodyPr>
+          <a:lstStyle/>
+          <a:p>
+            <a:r>
+              <a:rPr kumimoji="1" lang="ja-JP" altLang="en-US" dirty="0"/>
+              <a:t>走行情報</a:t>
+            </a:r>
+          </a:p>
+        </p:txBody>
+      </p:sp>
+    </p:spTree>
+    <p:extLst>
+      <p:ext uri="{BB962C8B-B14F-4D97-AF65-F5344CB8AC3E}">
+        <p14:creationId xmlns:p14="http://schemas.microsoft.com/office/powerpoint/2010/main" val="3173708232"/>
+      </p:ext>
+    </p:extLst>
+  </p:cSld>
+  <p:clrMapOvr>
+    <a:masterClrMapping/>
+  </p:clrMapOvr>
+  <mc:AlternateContent xmlns:mc="http://schemas.openxmlformats.org/markup-compatibility/2006" xmlns:p14="http://schemas.microsoft.com/office/powerpoint/2010/main">
+    <mc:Choice Requires="p14">
+      <p:transition spd="med" p14:dur="700">
+        <p:fade/>
+      </p:transition>
+    </mc:Choice>
+    <mc:Fallback xmlns="">
+      <p:transition spd="med">
+        <p:fade/>
+      </p:transition>
+    </mc:Fallback>
+  </mc:AlternateContent>
+</p:sld>
+</file>
+
+<file path=ppt/slides/slide16.xml><?xml version="1.0" encoding="utf-8"?>
 <p:sld xmlns:a="http://schemas.openxmlformats.org/drawingml/2006/main" xmlns:r="http://schemas.openxmlformats.org/officeDocument/2006/relationships" xmlns:p="http://schemas.openxmlformats.org/presentationml/2006/main">
   <p:cSld>
     <p:spTree>
@@ -27207,10 +28933,10 @@
           <a:lstStyle/>
           <a:p>
             <a:r>
-              <a:rPr lang="ja-JP" altLang="en-US" sz="3600" dirty="0"/>
+              <a:rPr lang="ja-JP" altLang="en-US" sz="3600"/>
               <a:t>スケジュール</a:t>
             </a:r>
-            <a:endParaRPr lang="en-US" altLang="ja-JP" sz="3600" dirty="0"/>
+            <a:endParaRPr lang="en-US" altLang="ja-JP" sz="3600"/>
           </a:p>
         </p:txBody>
       </p:sp>
@@ -27231,7 +28957,7 @@
         <p:grpSpPr bwMode="auto">
           <a:xfrm>
             <a:off x="-1263650" y="1775532"/>
-            <a:ext cx="14141450" cy="4601246"/>
+            <a:ext cx="14141450" cy="4601245"/>
             <a:chOff x="-96" y="-28"/>
             <a:chExt cx="851" cy="318"/>
           </a:xfrm>
@@ -33183,13 +34909,13 @@
           <a:p>
             <a:pPr rtl="0"/>
             <a:r>
-              <a:rPr lang="ja-JP" altLang="en-US" sz="3600" dirty="0">
+              <a:rPr lang="ja-JP" altLang="en-US" sz="3600">
                 <a:latin typeface="Meiryo UI" panose="020B0604030504040204" pitchFamily="50" charset="-128"/>
                 <a:ea typeface="Meiryo UI" panose="020B0604030504040204" pitchFamily="50" charset="-128"/>
               </a:rPr>
               <a:t>目次</a:t>
             </a:r>
-            <a:endParaRPr lang="ja-JP" altLang="en-US" dirty="0">
+            <a:endParaRPr lang="ja-JP" altLang="en-US">
               <a:latin typeface="Meiryo UI" panose="020B0604030504040204" pitchFamily="50" charset="-128"/>
               <a:ea typeface="Meiryo UI" panose="020B0604030504040204" pitchFamily="50" charset="-128"/>
             </a:endParaRPr>
@@ -33219,23 +34945,23 @@
           <a:lstStyle/>
           <a:p>
             <a:r>
-              <a:rPr lang="ja-JP" altLang="en-US" sz="2400" dirty="0">
+              <a:rPr lang="ja-JP" altLang="en-US" sz="2400">
                 <a:latin typeface="Meiryo UI" panose="020B0604030504040204" pitchFamily="50" charset="-128"/>
                 <a:ea typeface="Meiryo UI" panose="020B0604030504040204" pitchFamily="50" charset="-128"/>
               </a:rPr>
               <a:t>概要</a:t>
             </a:r>
-            <a:endParaRPr lang="en-US" altLang="ja-JP" sz="2400" dirty="0">
+            <a:endParaRPr lang="en-US" altLang="ja-JP" sz="2400">
               <a:latin typeface="Meiryo UI" panose="020B0604030504040204" pitchFamily="50" charset="-128"/>
               <a:ea typeface="Meiryo UI" panose="020B0604030504040204" pitchFamily="50" charset="-128"/>
             </a:endParaRPr>
           </a:p>
           <a:p>
             <a:r>
-              <a:rPr lang="ja-JP" altLang="en-US" sz="2400" dirty="0"/>
+              <a:rPr lang="ja-JP" altLang="en-US" sz="2400"/>
               <a:t>開発背景</a:t>
             </a:r>
-            <a:endParaRPr lang="en-US" altLang="ja-JP" sz="2400" dirty="0">
+            <a:endParaRPr lang="en-US" altLang="ja-JP" sz="2400">
               <a:latin typeface="Meiryo UI" panose="020B0604030504040204" pitchFamily="50" charset="-128"/>
               <a:ea typeface="Meiryo UI" panose="020B0604030504040204" pitchFamily="50" charset="-128"/>
             </a:endParaRPr>
@@ -33243,10 +34969,10 @@
           <a:p>
             <a:pPr rtl="0"/>
             <a:r>
-              <a:rPr lang="ja-JP" altLang="en-US" sz="2400" dirty="0"/>
+              <a:rPr lang="ja-JP" altLang="en-US" sz="2400"/>
               <a:t>目標・目的</a:t>
             </a:r>
-            <a:endParaRPr lang="en-US" altLang="ja-JP" sz="2400" dirty="0">
+            <a:endParaRPr lang="en-US" altLang="ja-JP" sz="2400">
               <a:latin typeface="Meiryo UI" panose="020B0604030504040204" pitchFamily="50" charset="-128"/>
               <a:ea typeface="Meiryo UI" panose="020B0604030504040204" pitchFamily="50" charset="-128"/>
             </a:endParaRPr>
@@ -33254,15 +34980,15 @@
           <a:p>
             <a:pPr rtl="0"/>
             <a:r>
-              <a:rPr lang="ja-JP" altLang="en-US" sz="2400" dirty="0"/>
+              <a:rPr lang="ja-JP" altLang="en-US" sz="2400"/>
               <a:t>設計</a:t>
             </a:r>
-            <a:endParaRPr lang="en-US" altLang="ja-JP" sz="2400" dirty="0"/>
+            <a:endParaRPr lang="en-US" altLang="ja-JP" sz="2400"/>
           </a:p>
           <a:p>
             <a:pPr rtl="0"/>
             <a:r>
-              <a:rPr lang="ja-JP" altLang="en-US" sz="2400" dirty="0">
+              <a:rPr lang="ja-JP" altLang="en-US" sz="2400">
                 <a:latin typeface="Meiryo UI" panose="020B0604030504040204" pitchFamily="50" charset="-128"/>
                 <a:ea typeface="Meiryo UI" panose="020B0604030504040204" pitchFamily="50" charset="-128"/>
               </a:rPr>
@@ -33271,7 +34997,7 @@
           </a:p>
           <a:p>
             <a:pPr rtl="0"/>
-            <a:endParaRPr lang="ja-JP" altLang="en-US" dirty="0">
+            <a:endParaRPr lang="ja-JP" altLang="en-US">
               <a:latin typeface="Meiryo UI" panose="020B0604030504040204" pitchFamily="50" charset="-128"/>
               <a:ea typeface="Meiryo UI" panose="020B0604030504040204" pitchFamily="50" charset="-128"/>
             </a:endParaRPr>
@@ -33416,13 +35142,13 @@
           <a:p>
             <a:pPr rtl="0"/>
             <a:r>
-              <a:rPr lang="ja-JP" altLang="en-US" sz="3600" dirty="0">
+              <a:rPr lang="ja-JP" altLang="en-US" sz="3600">
                 <a:latin typeface="Meiryo UI" panose="020B0604030504040204" pitchFamily="50" charset="-128"/>
                 <a:ea typeface="Meiryo UI" panose="020B0604030504040204" pitchFamily="50" charset="-128"/>
               </a:rPr>
               <a:t>プロジェクトの概要</a:t>
             </a:r>
-            <a:endParaRPr lang="en-US" altLang="ja-JP" sz="3600" dirty="0">
+            <a:endParaRPr lang="en-US" altLang="ja-JP" sz="3600">
               <a:latin typeface="Meiryo UI" panose="020B0604030504040204" pitchFamily="50" charset="-128"/>
               <a:ea typeface="Meiryo UI" panose="020B0604030504040204" pitchFamily="50" charset="-128"/>
             </a:endParaRPr>
@@ -33461,7 +35187,7 @@
             </a:r>
             <a:r>
               <a:rPr lang="en-US" altLang="ja-JP" sz="3000" dirty="0"/>
-              <a:t>GPS</a:t>
+              <a:t>GNSS</a:t>
             </a:r>
             <a:r>
               <a:rPr lang="ja-JP" altLang="en-US" sz="3000" dirty="0"/>
@@ -33591,10 +35317,10 @@
           <a:lstStyle/>
           <a:p>
             <a:r>
-              <a:rPr lang="ja-JP" altLang="en-US" sz="3600" dirty="0"/>
+              <a:rPr lang="ja-JP" altLang="en-US" sz="3600"/>
               <a:t>開発背景</a:t>
             </a:r>
-            <a:endParaRPr lang="en-US" altLang="ja-JP" sz="3600" dirty="0">
+            <a:endParaRPr lang="en-US" altLang="ja-JP" sz="3600">
               <a:latin typeface="Meiryo UI" panose="020B0604030504040204" pitchFamily="50" charset="-128"/>
               <a:ea typeface="Meiryo UI" panose="020B0604030504040204" pitchFamily="50" charset="-128"/>
             </a:endParaRPr>
@@ -33624,37 +35350,37 @@
           <a:lstStyle/>
           <a:p>
             <a:r>
-              <a:rPr lang="en-US" altLang="ja-JP" sz="2600" dirty="0">
+              <a:rPr lang="en-US" altLang="ja-JP" sz="2600">
                 <a:latin typeface="Meiryo UI" panose="020B0604030504040204" pitchFamily="50" charset="-128"/>
                 <a:ea typeface="Meiryo UI" panose="020B0604030504040204" pitchFamily="50" charset="-128"/>
               </a:rPr>
               <a:t>Society5.0</a:t>
             </a:r>
             <a:r>
-              <a:rPr lang="ja-JP" altLang="en-US" sz="2600" dirty="0">
+              <a:rPr lang="ja-JP" altLang="en-US" sz="2600">
                 <a:latin typeface="Meiryo UI" panose="020B0604030504040204" pitchFamily="50" charset="-128"/>
                 <a:ea typeface="Meiryo UI" panose="020B0604030504040204" pitchFamily="50" charset="-128"/>
               </a:rPr>
               <a:t>の実現のためには、自動車の自動運転技術やドローンによる自動配達サービス等、目的地に向けて自立走行するロボット開発は必須となる技術である。</a:t>
             </a:r>
-            <a:endParaRPr lang="en-US" altLang="ja-JP" sz="2600" dirty="0">
+            <a:endParaRPr lang="en-US" altLang="ja-JP" sz="2600">
               <a:latin typeface="Meiryo UI" panose="020B0604030504040204" pitchFamily="50" charset="-128"/>
               <a:ea typeface="Meiryo UI" panose="020B0604030504040204" pitchFamily="50" charset="-128"/>
             </a:endParaRPr>
           </a:p>
           <a:p>
             <a:r>
-              <a:rPr lang="en-US" altLang="ja-JP" sz="2400" dirty="0">
+              <a:rPr lang="en-US" altLang="ja-JP" sz="2400">
                 <a:latin typeface="Meiryo UI" panose="020B0604030504040204" pitchFamily="50" charset="-128"/>
                 <a:ea typeface="Meiryo UI" panose="020B0604030504040204" pitchFamily="50" charset="-128"/>
               </a:rPr>
               <a:t>2018</a:t>
             </a:r>
             <a:r>
-              <a:rPr lang="ja-JP" altLang="en-US" sz="2400" dirty="0"/>
+              <a:rPr lang="ja-JP" altLang="en-US" sz="2400"/>
               <a:t>年に人工衛星みちびきによって、世界初となるセンチメートル単位の高精度測位サービスが提供開始された。</a:t>
             </a:r>
-            <a:endParaRPr lang="en-US" altLang="ja-JP" sz="2400" dirty="0"/>
+            <a:endParaRPr lang="en-US" altLang="ja-JP" sz="2400"/>
           </a:p>
         </p:txBody>
       </p:sp>
@@ -33757,7 +35483,7 @@
             </a:r>
             <a:r>
               <a:rPr lang="ja-JP" altLang="en-US" sz="2600" dirty="0"/>
-              <a:t>の測位サービスを利用して</a:t>
+              <a:t>の高精度測位サービスを利用して</a:t>
             </a:r>
             <a:r>
               <a:rPr lang="ja-JP" altLang="en-US" sz="3200" dirty="0"/>
@@ -34403,13 +36129,13 @@
           </a:lstStyle>
           <a:p>
             <a:r>
-              <a:rPr lang="ja-JP" altLang="en-US" sz="2600" dirty="0"/>
+              <a:rPr lang="ja-JP" altLang="en-US" sz="2600"/>
               <a:t>公道などの複雑な環境は想定しない。</a:t>
             </a:r>
-            <a:endParaRPr lang="en-US" altLang="ja-JP" sz="2600" dirty="0"/>
+            <a:endParaRPr lang="en-US" altLang="ja-JP" sz="2600"/>
           </a:p>
           <a:p>
-            <a:endParaRPr lang="en-US" altLang="ja-JP" sz="2600" dirty="0"/>
+            <a:endParaRPr lang="en-US" altLang="ja-JP" sz="2600"/>
           </a:p>
         </p:txBody>
       </p:sp>
@@ -34474,10 +36200,868 @@
           <a:p>
             <a:pPr rtl="0"/>
             <a:r>
-              <a:rPr lang="ja-JP" altLang="en-US" sz="3600" dirty="0"/>
+              <a:rPr lang="ja-JP" altLang="en-US" sz="3600"/>
               <a:t>過去作品</a:t>
             </a:r>
+            <a:endParaRPr lang="en-US" altLang="ja-JP" sz="3600">
+              <a:latin typeface="Meiryo UI" panose="020B0604030504040204" pitchFamily="50" charset="-128"/>
+              <a:ea typeface="Meiryo UI" panose="020B0604030504040204" pitchFamily="50" charset="-128"/>
+            </a:endParaRPr>
+          </a:p>
+        </p:txBody>
+      </p:sp>
+      <p:sp>
+        <p:nvSpPr>
+          <p:cNvPr id="4" name="コンテンツ プレースホルダー 3"/>
+          <p:cNvSpPr>
+            <a:spLocks noGrp="1"/>
+          </p:cNvSpPr>
+          <p:nvPr>
+            <p:ph sz="half" idx="2"/>
+          </p:nvPr>
+        </p:nvSpPr>
+        <p:spPr>
+          <a:xfrm>
+            <a:off x="1295400" y="2298285"/>
+            <a:ext cx="9961879" cy="3113608"/>
+          </a:xfrm>
+        </p:spPr>
+        <p:txBody>
+          <a:bodyPr rtlCol="0">
+            <a:normAutofit/>
+          </a:bodyPr>
+          <a:lstStyle/>
+          <a:p>
+            <a:r>
+              <a:rPr lang="en-US" altLang="ja-JP" sz="2600" dirty="0"/>
+              <a:t>2019</a:t>
+            </a:r>
+            <a:r>
+              <a:rPr lang="ja-JP" altLang="en-US" sz="2600" dirty="0"/>
+              <a:t>年度に</a:t>
+            </a:r>
+            <a:r>
+              <a:rPr lang="en-US" altLang="ja-JP" sz="3200" dirty="0"/>
+              <a:t>RTK</a:t>
+            </a:r>
+            <a:r>
+              <a:rPr lang="ja-JP" altLang="en-US" sz="3200" dirty="0"/>
+              <a:t>測位</a:t>
+            </a:r>
+            <a:r>
+              <a:rPr lang="ja-JP" altLang="en-US" sz="2600" dirty="0"/>
+              <a:t>を用いた自走ロボットプロジェクトあり</a:t>
+            </a:r>
+            <a:endParaRPr lang="en-US" altLang="ja-JP" sz="2600" dirty="0"/>
+          </a:p>
+        </p:txBody>
+      </p:sp>
+      <p:pic>
+        <p:nvPicPr>
+          <p:cNvPr id="8" name="図 7">
+            <a:extLst>
+              <a:ext uri="{FF2B5EF4-FFF2-40B4-BE49-F238E27FC236}">
+                <a16:creationId xmlns:a16="http://schemas.microsoft.com/office/drawing/2014/main" id="{580ABF6E-716E-4709-8504-4DDBC897E928}"/>
+              </a:ext>
+            </a:extLst>
+          </p:cNvPr>
+          <p:cNvPicPr>
+            <a:picLocks noChangeAspect="1"/>
+          </p:cNvPicPr>
+          <p:nvPr/>
+        </p:nvPicPr>
+        <p:blipFill>
+          <a:blip r:embed="rId3"/>
+          <a:stretch>
+            <a:fillRect/>
+          </a:stretch>
+        </p:blipFill>
+        <p:spPr>
+          <a:xfrm>
+            <a:off x="6276339" y="3222149"/>
+            <a:ext cx="5279791" cy="2959960"/>
+          </a:xfrm>
+          <a:prstGeom prst="rect">
+            <a:avLst/>
+          </a:prstGeom>
+        </p:spPr>
+      </p:pic>
+    </p:spTree>
+    <p:extLst>
+      <p:ext uri="{BB962C8B-B14F-4D97-AF65-F5344CB8AC3E}">
+        <p14:creationId xmlns:p14="http://schemas.microsoft.com/office/powerpoint/2010/main" val="1448982418"/>
+      </p:ext>
+    </p:extLst>
+  </p:cSld>
+  <p:clrMapOvr>
+    <a:masterClrMapping/>
+  </p:clrMapOvr>
+  <mc:AlternateContent xmlns:mc="http://schemas.openxmlformats.org/markup-compatibility/2006" xmlns:p14="http://schemas.microsoft.com/office/powerpoint/2010/main">
+    <mc:Choice Requires="p14">
+      <p:transition spd="med" p14:dur="700">
+        <p:fade/>
+      </p:transition>
+    </mc:Choice>
+    <mc:Fallback xmlns="">
+      <p:transition spd="med">
+        <p:fade/>
+      </p:transition>
+    </mc:Fallback>
+  </mc:AlternateContent>
+</p:sld>
+</file>
+
+<file path=ppt/slides/slide7.xml><?xml version="1.0" encoding="utf-8"?>
+<p:sld xmlns:a="http://schemas.openxmlformats.org/drawingml/2006/main" xmlns:r="http://schemas.openxmlformats.org/officeDocument/2006/relationships" xmlns:p="http://schemas.openxmlformats.org/presentationml/2006/main">
+  <p:cSld>
+    <p:spTree>
+      <p:nvGrpSpPr>
+        <p:cNvPr id="1" name=""/>
+        <p:cNvGrpSpPr/>
+        <p:nvPr/>
+      </p:nvGrpSpPr>
+      <p:grpSpPr>
+        <a:xfrm>
+          <a:off x="0" y="0"/>
+          <a:ext cx="0" cy="0"/>
+          <a:chOff x="0" y="0"/>
+          <a:chExt cx="0" cy="0"/>
+        </a:xfrm>
+      </p:grpSpPr>
+      <p:sp>
+        <p:nvSpPr>
+          <p:cNvPr id="2" name="タイトル 1"/>
+          <p:cNvSpPr>
+            <a:spLocks noGrp="1"/>
+          </p:cNvSpPr>
+          <p:nvPr>
+            <p:ph type="title"/>
+          </p:nvPr>
+        </p:nvSpPr>
+        <p:spPr/>
+        <p:txBody>
+          <a:bodyPr rtlCol="0">
+            <a:normAutofit/>
+          </a:bodyPr>
+          <a:lstStyle/>
+          <a:p>
+            <a:pPr rtl="0"/>
+            <a:r>
+              <a:rPr lang="en-US" altLang="ja-JP" sz="3600" dirty="0"/>
+              <a:t>RTK</a:t>
+            </a:r>
+            <a:r>
+              <a:rPr lang="ja-JP" altLang="en-US" sz="3600" dirty="0"/>
+              <a:t>測位</a:t>
+            </a:r>
             <a:endParaRPr lang="en-US" altLang="ja-JP" sz="3600" dirty="0">
+              <a:latin typeface="Meiryo UI" panose="020B0604030504040204" pitchFamily="50" charset="-128"/>
+              <a:ea typeface="Meiryo UI" panose="020B0604030504040204" pitchFamily="50" charset="-128"/>
+            </a:endParaRPr>
+          </a:p>
+        </p:txBody>
+      </p:sp>
+      <p:pic>
+        <p:nvPicPr>
+          <p:cNvPr id="5" name="図 4" descr="部屋 が含まれている画像&#10;&#10;自動的に生成された説明">
+            <a:extLst>
+              <a:ext uri="{FF2B5EF4-FFF2-40B4-BE49-F238E27FC236}">
+                <a16:creationId xmlns:a16="http://schemas.microsoft.com/office/drawing/2014/main" id="{288945B5-87C2-41CA-B533-212215E2560D}"/>
+              </a:ext>
+            </a:extLst>
+          </p:cNvPr>
+          <p:cNvPicPr>
+            <a:picLocks noChangeAspect="1"/>
+          </p:cNvPicPr>
+          <p:nvPr/>
+        </p:nvPicPr>
+        <p:blipFill>
+          <a:blip r:embed="rId3"/>
+          <a:stretch>
+            <a:fillRect/>
+          </a:stretch>
+        </p:blipFill>
+        <p:spPr>
+          <a:xfrm>
+            <a:off x="2406378" y="3975865"/>
+            <a:ext cx="1823514" cy="1823514"/>
+          </a:xfrm>
+          <a:prstGeom prst="rect">
+            <a:avLst/>
+          </a:prstGeom>
+        </p:spPr>
+      </p:pic>
+      <p:pic>
+        <p:nvPicPr>
+          <p:cNvPr id="6" name="図 5" descr="黒い背景と白い文字のロゴ&#10;&#10;中程度の精度で自動的に生成された説明">
+            <a:extLst>
+              <a:ext uri="{FF2B5EF4-FFF2-40B4-BE49-F238E27FC236}">
+                <a16:creationId xmlns:a16="http://schemas.microsoft.com/office/drawing/2014/main" id="{FEDB3B11-1CBC-4D1B-AE15-5C03F580CDEC}"/>
+              </a:ext>
+            </a:extLst>
+          </p:cNvPr>
+          <p:cNvPicPr>
+            <a:picLocks noChangeAspect="1"/>
+          </p:cNvPicPr>
+          <p:nvPr/>
+        </p:nvPicPr>
+        <p:blipFill>
+          <a:blip r:embed="rId4"/>
+          <a:stretch>
+            <a:fillRect/>
+          </a:stretch>
+        </p:blipFill>
+        <p:spPr>
+          <a:xfrm>
+            <a:off x="7872190" y="4191296"/>
+            <a:ext cx="1524484" cy="1524484"/>
+          </a:xfrm>
+          <a:prstGeom prst="rect">
+            <a:avLst/>
+          </a:prstGeom>
+        </p:spPr>
+      </p:pic>
+      <p:pic>
+        <p:nvPicPr>
+          <p:cNvPr id="7" name="図 6" descr="レゴ, おもちゃ が含まれている画像&#10;&#10;自動的に生成された説明">
+            <a:extLst>
+              <a:ext uri="{FF2B5EF4-FFF2-40B4-BE49-F238E27FC236}">
+                <a16:creationId xmlns:a16="http://schemas.microsoft.com/office/drawing/2014/main" id="{89740F3B-92DE-4B46-930E-C7DBA4FA27B0}"/>
+              </a:ext>
+            </a:extLst>
+          </p:cNvPr>
+          <p:cNvPicPr>
+            <a:picLocks noChangeAspect="1"/>
+          </p:cNvPicPr>
+          <p:nvPr/>
+        </p:nvPicPr>
+        <p:blipFill>
+          <a:blip r:embed="rId5"/>
+          <a:stretch>
+            <a:fillRect/>
+          </a:stretch>
+        </p:blipFill>
+        <p:spPr>
+          <a:xfrm>
+            <a:off x="5252702" y="1524728"/>
+            <a:ext cx="1686595" cy="1610698"/>
+          </a:xfrm>
+          <a:prstGeom prst="rect">
+            <a:avLst/>
+          </a:prstGeom>
+        </p:spPr>
+      </p:pic>
+      <p:sp>
+        <p:nvSpPr>
+          <p:cNvPr id="11" name="テキスト ボックス 10">
+            <a:extLst>
+              <a:ext uri="{FF2B5EF4-FFF2-40B4-BE49-F238E27FC236}">
+                <a16:creationId xmlns:a16="http://schemas.microsoft.com/office/drawing/2014/main" id="{A2AEAB9A-8177-4BB1-89B9-BADF1E9FD1DA}"/>
+              </a:ext>
+            </a:extLst>
+          </p:cNvPr>
+          <p:cNvSpPr txBox="1"/>
+          <p:nvPr/>
+        </p:nvSpPr>
+        <p:spPr>
+          <a:xfrm>
+            <a:off x="7513124" y="5649599"/>
+            <a:ext cx="2242616" cy="461665"/>
+          </a:xfrm>
+          <a:prstGeom prst="rect">
+            <a:avLst/>
+          </a:prstGeom>
+          <a:noFill/>
+        </p:spPr>
+        <p:txBody>
+          <a:bodyPr wrap="square" rtlCol="0">
+            <a:spAutoFit/>
+          </a:bodyPr>
+          <a:lstStyle/>
+          <a:p>
+            <a:pPr algn="ctr"/>
+            <a:r>
+              <a:rPr kumimoji="1" lang="ja-JP" altLang="en-US" sz="2400" dirty="0"/>
+              <a:t>座標</a:t>
+            </a:r>
+            <a:r>
+              <a:rPr kumimoji="1" lang="en-US" altLang="ja-JP" sz="2400" dirty="0"/>
+              <a:t>(32,11,10)</a:t>
+            </a:r>
+            <a:endParaRPr kumimoji="1" lang="ja-JP" altLang="en-US" sz="2400" dirty="0"/>
+          </a:p>
+        </p:txBody>
+      </p:sp>
+      <p:sp>
+        <p:nvSpPr>
+          <p:cNvPr id="14" name="矢印: 下 13">
+            <a:extLst>
+              <a:ext uri="{FF2B5EF4-FFF2-40B4-BE49-F238E27FC236}">
+                <a16:creationId xmlns:a16="http://schemas.microsoft.com/office/drawing/2014/main" id="{197FBCB7-0BD0-4092-9D32-1B3FA11DC919}"/>
+              </a:ext>
+            </a:extLst>
+          </p:cNvPr>
+          <p:cNvSpPr/>
+          <p:nvPr/>
+        </p:nvSpPr>
+        <p:spPr>
+          <a:xfrm rot="18992855">
+            <a:off x="7378534" y="2843629"/>
+            <a:ext cx="269179" cy="1225846"/>
+          </a:xfrm>
+          <a:prstGeom prst="downArrow">
+            <a:avLst/>
+          </a:prstGeom>
+        </p:spPr>
+        <p:style>
+          <a:lnRef idx="2">
+            <a:schemeClr val="accent1">
+              <a:shade val="50000"/>
+            </a:schemeClr>
+          </a:lnRef>
+          <a:fillRef idx="1">
+            <a:schemeClr val="accent1"/>
+          </a:fillRef>
+          <a:effectRef idx="0">
+            <a:schemeClr val="accent1"/>
+          </a:effectRef>
+          <a:fontRef idx="minor">
+            <a:schemeClr val="lt1"/>
+          </a:fontRef>
+        </p:style>
+        <p:txBody>
+          <a:bodyPr rtlCol="0" anchor="ctr"/>
+          <a:lstStyle/>
+          <a:p>
+            <a:pPr algn="ctr"/>
+            <a:endParaRPr kumimoji="1" lang="ja-JP" altLang="en-US"/>
+          </a:p>
+        </p:txBody>
+      </p:sp>
+      <p:sp>
+        <p:nvSpPr>
+          <p:cNvPr id="15" name="テキスト ボックス 14">
+            <a:extLst>
+              <a:ext uri="{FF2B5EF4-FFF2-40B4-BE49-F238E27FC236}">
+                <a16:creationId xmlns:a16="http://schemas.microsoft.com/office/drawing/2014/main" id="{437E4C49-2D09-4816-87D9-A6AFFCBE9ED4}"/>
+              </a:ext>
+            </a:extLst>
+          </p:cNvPr>
+          <p:cNvSpPr txBox="1"/>
+          <p:nvPr/>
+        </p:nvSpPr>
+        <p:spPr>
+          <a:xfrm>
+            <a:off x="7247259" y="3021606"/>
+            <a:ext cx="2242616" cy="461665"/>
+          </a:xfrm>
+          <a:prstGeom prst="rect">
+            <a:avLst/>
+          </a:prstGeom>
+          <a:noFill/>
+        </p:spPr>
+        <p:txBody>
+          <a:bodyPr wrap="square" rtlCol="0">
+            <a:spAutoFit/>
+          </a:bodyPr>
+          <a:lstStyle/>
+          <a:p>
+            <a:pPr algn="ctr"/>
+            <a:r>
+              <a:rPr kumimoji="1" lang="en-US" altLang="ja-JP" sz="2400" dirty="0"/>
+              <a:t>(35,10,13)</a:t>
+            </a:r>
+            <a:endParaRPr kumimoji="1" lang="ja-JP" altLang="en-US" sz="2400" dirty="0"/>
+          </a:p>
+        </p:txBody>
+      </p:sp>
+      <p:sp>
+        <p:nvSpPr>
+          <p:cNvPr id="16" name="矢印: 下 15">
+            <a:extLst>
+              <a:ext uri="{FF2B5EF4-FFF2-40B4-BE49-F238E27FC236}">
+                <a16:creationId xmlns:a16="http://schemas.microsoft.com/office/drawing/2014/main" id="{1E916CBB-7AD0-4CF6-8130-2BAA9B255CBA}"/>
+              </a:ext>
+            </a:extLst>
+          </p:cNvPr>
+          <p:cNvSpPr/>
+          <p:nvPr/>
+        </p:nvSpPr>
+        <p:spPr>
+          <a:xfrm rot="5400000">
+            <a:off x="5927351" y="4340615"/>
+            <a:ext cx="269179" cy="1225846"/>
+          </a:xfrm>
+          <a:prstGeom prst="downArrow">
+            <a:avLst/>
+          </a:prstGeom>
+        </p:spPr>
+        <p:style>
+          <a:lnRef idx="2">
+            <a:schemeClr val="accent1">
+              <a:shade val="50000"/>
+            </a:schemeClr>
+          </a:lnRef>
+          <a:fillRef idx="1">
+            <a:schemeClr val="accent1"/>
+          </a:fillRef>
+          <a:effectRef idx="0">
+            <a:schemeClr val="accent1"/>
+          </a:effectRef>
+          <a:fontRef idx="minor">
+            <a:schemeClr val="lt1"/>
+          </a:fontRef>
+        </p:style>
+        <p:txBody>
+          <a:bodyPr rtlCol="0" anchor="ctr"/>
+          <a:lstStyle/>
+          <a:p>
+            <a:pPr algn="ctr"/>
+            <a:endParaRPr kumimoji="1" lang="ja-JP" altLang="en-US"/>
+          </a:p>
+        </p:txBody>
+      </p:sp>
+      <p:sp>
+        <p:nvSpPr>
+          <p:cNvPr id="17" name="思考の吹き出し: 雲形 16">
+            <a:extLst>
+              <a:ext uri="{FF2B5EF4-FFF2-40B4-BE49-F238E27FC236}">
+                <a16:creationId xmlns:a16="http://schemas.microsoft.com/office/drawing/2014/main" id="{723BC395-0B1B-46CC-8B2A-34E42DB1CDD9}"/>
+              </a:ext>
+            </a:extLst>
+          </p:cNvPr>
+          <p:cNvSpPr/>
+          <p:nvPr/>
+        </p:nvSpPr>
+        <p:spPr>
+          <a:xfrm>
+            <a:off x="9489875" y="3252439"/>
+            <a:ext cx="2288545" cy="1405422"/>
+          </a:xfrm>
+          <a:prstGeom prst="cloudCallout">
+            <a:avLst>
+              <a:gd name="adj1" fmla="val -52540"/>
+              <a:gd name="adj2" fmla="val 47172"/>
+            </a:avLst>
+          </a:prstGeom>
+        </p:spPr>
+        <p:style>
+          <a:lnRef idx="2">
+            <a:schemeClr val="accent1"/>
+          </a:lnRef>
+          <a:fillRef idx="1">
+            <a:schemeClr val="lt1"/>
+          </a:fillRef>
+          <a:effectRef idx="0">
+            <a:schemeClr val="accent1"/>
+          </a:effectRef>
+          <a:fontRef idx="minor">
+            <a:schemeClr val="dk1"/>
+          </a:fontRef>
+        </p:style>
+        <p:txBody>
+          <a:bodyPr rtlCol="0" anchor="ctr"/>
+          <a:lstStyle/>
+          <a:p>
+            <a:pPr algn="ctr"/>
+            <a:endParaRPr kumimoji="1" lang="ja-JP" altLang="en-US"/>
+          </a:p>
+        </p:txBody>
+      </p:sp>
+      <p:sp>
+        <p:nvSpPr>
+          <p:cNvPr id="18" name="テキスト ボックス 17">
+            <a:extLst>
+              <a:ext uri="{FF2B5EF4-FFF2-40B4-BE49-F238E27FC236}">
+                <a16:creationId xmlns:a16="http://schemas.microsoft.com/office/drawing/2014/main" id="{95541631-0A57-48CC-83D0-9C0C07DB602C}"/>
+              </a:ext>
+            </a:extLst>
+          </p:cNvPr>
+          <p:cNvSpPr txBox="1"/>
+          <p:nvPr/>
+        </p:nvSpPr>
+        <p:spPr>
+          <a:xfrm>
+            <a:off x="9940076" y="3601207"/>
+            <a:ext cx="1489924" cy="707886"/>
+          </a:xfrm>
+          <a:prstGeom prst="rect">
+            <a:avLst/>
+          </a:prstGeom>
+          <a:noFill/>
+        </p:spPr>
+        <p:txBody>
+          <a:bodyPr wrap="square" rtlCol="0">
+            <a:spAutoFit/>
+          </a:bodyPr>
+          <a:lstStyle/>
+          <a:p>
+            <a:r>
+              <a:rPr kumimoji="1" lang="en-US" altLang="ja-JP" sz="2000" dirty="0">
+                <a:solidFill>
+                  <a:srgbClr val="FF0000"/>
+                </a:solidFill>
+              </a:rPr>
+              <a:t>(+3,-1,+3)</a:t>
+            </a:r>
+          </a:p>
+          <a:p>
+            <a:r>
+              <a:rPr kumimoji="1" lang="ja-JP" altLang="en-US" sz="2000" dirty="0">
+                <a:solidFill>
+                  <a:srgbClr val="FF0000"/>
+                </a:solidFill>
+              </a:rPr>
+              <a:t>ずれてる！</a:t>
+            </a:r>
+          </a:p>
+        </p:txBody>
+      </p:sp>
+      <p:sp>
+        <p:nvSpPr>
+          <p:cNvPr id="19" name="矢印: 下 18">
+            <a:extLst>
+              <a:ext uri="{FF2B5EF4-FFF2-40B4-BE49-F238E27FC236}">
+                <a16:creationId xmlns:a16="http://schemas.microsoft.com/office/drawing/2014/main" id="{FB6E6420-95FE-423E-B2D9-D72AE0AB3021}"/>
+              </a:ext>
+            </a:extLst>
+          </p:cNvPr>
+          <p:cNvSpPr/>
+          <p:nvPr/>
+        </p:nvSpPr>
+        <p:spPr>
+          <a:xfrm rot="2615854">
+            <a:off x="4484755" y="2892167"/>
+            <a:ext cx="269179" cy="1225846"/>
+          </a:xfrm>
+          <a:prstGeom prst="downArrow">
+            <a:avLst/>
+          </a:prstGeom>
+        </p:spPr>
+        <p:style>
+          <a:lnRef idx="2">
+            <a:schemeClr val="accent1">
+              <a:shade val="50000"/>
+            </a:schemeClr>
+          </a:lnRef>
+          <a:fillRef idx="1">
+            <a:schemeClr val="accent1"/>
+          </a:fillRef>
+          <a:effectRef idx="0">
+            <a:schemeClr val="accent1"/>
+          </a:effectRef>
+          <a:fontRef idx="minor">
+            <a:schemeClr val="lt1"/>
+          </a:fontRef>
+        </p:style>
+        <p:txBody>
+          <a:bodyPr rtlCol="0" anchor="ctr"/>
+          <a:lstStyle/>
+          <a:p>
+            <a:pPr algn="ctr"/>
+            <a:endParaRPr kumimoji="1" lang="ja-JP" altLang="en-US"/>
+          </a:p>
+        </p:txBody>
+      </p:sp>
+      <p:sp>
+        <p:nvSpPr>
+          <p:cNvPr id="20" name="テキスト ボックス 19">
+            <a:extLst>
+              <a:ext uri="{FF2B5EF4-FFF2-40B4-BE49-F238E27FC236}">
+                <a16:creationId xmlns:a16="http://schemas.microsoft.com/office/drawing/2014/main" id="{BD85AB29-556D-4011-A5C6-F9CE41B0E37B}"/>
+              </a:ext>
+            </a:extLst>
+          </p:cNvPr>
+          <p:cNvSpPr txBox="1"/>
+          <p:nvPr/>
+        </p:nvSpPr>
+        <p:spPr>
+          <a:xfrm>
+            <a:off x="2504310" y="3021606"/>
+            <a:ext cx="2242616" cy="461665"/>
+          </a:xfrm>
+          <a:prstGeom prst="rect">
+            <a:avLst/>
+          </a:prstGeom>
+          <a:noFill/>
+        </p:spPr>
+        <p:txBody>
+          <a:bodyPr wrap="square" rtlCol="0">
+            <a:spAutoFit/>
+          </a:bodyPr>
+          <a:lstStyle/>
+          <a:p>
+            <a:pPr algn="ctr"/>
+            <a:r>
+              <a:rPr kumimoji="1" lang="en-US" altLang="ja-JP" sz="2400" dirty="0"/>
+              <a:t>(48,15,20)</a:t>
+            </a:r>
+            <a:endParaRPr kumimoji="1" lang="ja-JP" altLang="en-US" sz="2400" dirty="0"/>
+          </a:p>
+        </p:txBody>
+      </p:sp>
+      <p:sp>
+        <p:nvSpPr>
+          <p:cNvPr id="21" name="テキスト ボックス 20">
+            <a:extLst>
+              <a:ext uri="{FF2B5EF4-FFF2-40B4-BE49-F238E27FC236}">
+                <a16:creationId xmlns:a16="http://schemas.microsoft.com/office/drawing/2014/main" id="{FD427BE0-B3A5-4967-8057-9678D79378D3}"/>
+              </a:ext>
+            </a:extLst>
+          </p:cNvPr>
+          <p:cNvSpPr txBox="1"/>
+          <p:nvPr/>
+        </p:nvSpPr>
+        <p:spPr>
+          <a:xfrm>
+            <a:off x="4974692" y="5102439"/>
+            <a:ext cx="2242616" cy="830997"/>
+          </a:xfrm>
+          <a:prstGeom prst="rect">
+            <a:avLst/>
+          </a:prstGeom>
+          <a:noFill/>
+        </p:spPr>
+        <p:txBody>
+          <a:bodyPr wrap="square" rtlCol="0">
+            <a:spAutoFit/>
+          </a:bodyPr>
+          <a:lstStyle/>
+          <a:p>
+            <a:pPr algn="ctr"/>
+            <a:r>
+              <a:rPr kumimoji="1" lang="ja-JP" altLang="en-US" sz="2400" dirty="0"/>
+              <a:t>補正情報</a:t>
+            </a:r>
+            <a:endParaRPr kumimoji="1" lang="en-US" altLang="ja-JP" sz="2400" dirty="0"/>
+          </a:p>
+          <a:p>
+            <a:pPr algn="ctr"/>
+            <a:r>
+              <a:rPr kumimoji="1" lang="en-US" altLang="ja-JP" sz="2400" dirty="0"/>
+              <a:t>(+3,-1,+3)</a:t>
+            </a:r>
+            <a:endParaRPr kumimoji="1" lang="ja-JP" altLang="en-US" sz="2400" dirty="0"/>
+          </a:p>
+        </p:txBody>
+      </p:sp>
+      <p:sp>
+        <p:nvSpPr>
+          <p:cNvPr id="22" name="思考の吹き出し: 雲形 21">
+            <a:extLst>
+              <a:ext uri="{FF2B5EF4-FFF2-40B4-BE49-F238E27FC236}">
+                <a16:creationId xmlns:a16="http://schemas.microsoft.com/office/drawing/2014/main" id="{88B203B4-676F-4983-9E86-2F33A350F977}"/>
+              </a:ext>
+            </a:extLst>
+          </p:cNvPr>
+          <p:cNvSpPr/>
+          <p:nvPr/>
+        </p:nvSpPr>
+        <p:spPr>
+          <a:xfrm>
+            <a:off x="122564" y="3339070"/>
+            <a:ext cx="2288545" cy="1405422"/>
+          </a:xfrm>
+          <a:prstGeom prst="cloudCallout">
+            <a:avLst>
+              <a:gd name="adj1" fmla="val 46794"/>
+              <a:gd name="adj2" fmla="val 56208"/>
+            </a:avLst>
+          </a:prstGeom>
+        </p:spPr>
+        <p:style>
+          <a:lnRef idx="2">
+            <a:schemeClr val="accent1"/>
+          </a:lnRef>
+          <a:fillRef idx="1">
+            <a:schemeClr val="lt1"/>
+          </a:fillRef>
+          <a:effectRef idx="0">
+            <a:schemeClr val="accent1"/>
+          </a:effectRef>
+          <a:fontRef idx="minor">
+            <a:schemeClr val="dk1"/>
+          </a:fontRef>
+        </p:style>
+        <p:txBody>
+          <a:bodyPr rtlCol="0" anchor="ctr"/>
+          <a:lstStyle/>
+          <a:p>
+            <a:pPr algn="ctr"/>
+            <a:endParaRPr kumimoji="1" lang="ja-JP" altLang="en-US"/>
+          </a:p>
+        </p:txBody>
+      </p:sp>
+      <p:sp>
+        <p:nvSpPr>
+          <p:cNvPr id="23" name="テキスト ボックス 22">
+            <a:extLst>
+              <a:ext uri="{FF2B5EF4-FFF2-40B4-BE49-F238E27FC236}">
+                <a16:creationId xmlns:a16="http://schemas.microsoft.com/office/drawing/2014/main" id="{BCE4A78D-A175-482A-83DB-FA25FAEC5AAF}"/>
+              </a:ext>
+            </a:extLst>
+          </p:cNvPr>
+          <p:cNvSpPr txBox="1"/>
+          <p:nvPr/>
+        </p:nvSpPr>
+        <p:spPr>
+          <a:xfrm>
+            <a:off x="603675" y="3601207"/>
+            <a:ext cx="1489924" cy="1015663"/>
+          </a:xfrm>
+          <a:prstGeom prst="rect">
+            <a:avLst/>
+          </a:prstGeom>
+          <a:noFill/>
+        </p:spPr>
+        <p:txBody>
+          <a:bodyPr wrap="square" rtlCol="0">
+            <a:spAutoFit/>
+          </a:bodyPr>
+          <a:lstStyle/>
+          <a:p>
+            <a:r>
+              <a:rPr kumimoji="1" lang="ja-JP" altLang="en-US" sz="2000" dirty="0">
+                <a:solidFill>
+                  <a:srgbClr val="FF0000"/>
+                </a:solidFill>
+              </a:rPr>
+              <a:t>座標を</a:t>
+            </a:r>
+            <a:endParaRPr kumimoji="1" lang="en-US" altLang="ja-JP" sz="2000" dirty="0">
+              <a:solidFill>
+                <a:srgbClr val="FF0000"/>
+              </a:solidFill>
+            </a:endParaRPr>
+          </a:p>
+          <a:p>
+            <a:r>
+              <a:rPr kumimoji="1" lang="en-US" altLang="ja-JP" sz="2000" dirty="0">
+                <a:solidFill>
+                  <a:srgbClr val="FF0000"/>
+                </a:solidFill>
+              </a:rPr>
+              <a:t>(+3,-1,+3)</a:t>
+            </a:r>
+          </a:p>
+          <a:p>
+            <a:r>
+              <a:rPr kumimoji="1" lang="ja-JP" altLang="en-US" sz="2000" dirty="0">
+                <a:solidFill>
+                  <a:srgbClr val="FF0000"/>
+                </a:solidFill>
+              </a:rPr>
+              <a:t>して、、</a:t>
+            </a:r>
+          </a:p>
+        </p:txBody>
+      </p:sp>
+      <p:sp>
+        <p:nvSpPr>
+          <p:cNvPr id="24" name="テキスト ボックス 23">
+            <a:extLst>
+              <a:ext uri="{FF2B5EF4-FFF2-40B4-BE49-F238E27FC236}">
+                <a16:creationId xmlns:a16="http://schemas.microsoft.com/office/drawing/2014/main" id="{D59DA15A-A876-408E-9AC6-076135898B7A}"/>
+              </a:ext>
+            </a:extLst>
+          </p:cNvPr>
+          <p:cNvSpPr txBox="1"/>
+          <p:nvPr/>
+        </p:nvSpPr>
+        <p:spPr>
+          <a:xfrm>
+            <a:off x="2133413" y="5672894"/>
+            <a:ext cx="2242616" cy="461665"/>
+          </a:xfrm>
+          <a:prstGeom prst="rect">
+            <a:avLst/>
+          </a:prstGeom>
+          <a:noFill/>
+        </p:spPr>
+        <p:txBody>
+          <a:bodyPr wrap="square" rtlCol="0">
+            <a:spAutoFit/>
+          </a:bodyPr>
+          <a:lstStyle/>
+          <a:p>
+            <a:pPr algn="ctr"/>
+            <a:r>
+              <a:rPr kumimoji="1" lang="ja-JP" altLang="en-US" sz="2400" dirty="0"/>
+              <a:t>座標</a:t>
+            </a:r>
+            <a:r>
+              <a:rPr kumimoji="1" lang="en-US" altLang="ja-JP" sz="2400" dirty="0"/>
+              <a:t>(51,14,23)</a:t>
+            </a:r>
+            <a:endParaRPr kumimoji="1" lang="ja-JP" altLang="en-US" sz="2400" dirty="0"/>
+          </a:p>
+        </p:txBody>
+      </p:sp>
+    </p:spTree>
+    <p:extLst>
+      <p:ext uri="{BB962C8B-B14F-4D97-AF65-F5344CB8AC3E}">
+        <p14:creationId xmlns:p14="http://schemas.microsoft.com/office/powerpoint/2010/main" val="737278240"/>
+      </p:ext>
+    </p:extLst>
+  </p:cSld>
+  <p:clrMapOvr>
+    <a:masterClrMapping/>
+  </p:clrMapOvr>
+  <mc:AlternateContent xmlns:mc="http://schemas.openxmlformats.org/markup-compatibility/2006">
+    <mc:Choice xmlns:p14="http://schemas.microsoft.com/office/powerpoint/2010/main" Requires="p14">
+      <p:transition spd="med" p14:dur="700">
+        <p:fade/>
+      </p:transition>
+    </mc:Choice>
+    <mc:Fallback>
+      <p:transition spd="med">
+        <p:fade/>
+      </p:transition>
+    </mc:Fallback>
+  </mc:AlternateContent>
+</p:sld>
+</file>
+
+<file path=ppt/slides/slide8.xml><?xml version="1.0" encoding="utf-8"?>
+<p:sld xmlns:a="http://schemas.openxmlformats.org/drawingml/2006/main" xmlns:r="http://schemas.openxmlformats.org/officeDocument/2006/relationships" xmlns:p="http://schemas.openxmlformats.org/presentationml/2006/main">
+  <p:cSld>
+    <p:spTree>
+      <p:nvGrpSpPr>
+        <p:cNvPr id="1" name=""/>
+        <p:cNvGrpSpPr/>
+        <p:nvPr/>
+      </p:nvGrpSpPr>
+      <p:grpSpPr>
+        <a:xfrm>
+          <a:off x="0" y="0"/>
+          <a:ext cx="0" cy="0"/>
+          <a:chOff x="0" y="0"/>
+          <a:chExt cx="0" cy="0"/>
+        </a:xfrm>
+      </p:grpSpPr>
+      <p:sp>
+        <p:nvSpPr>
+          <p:cNvPr id="2" name="タイトル 1"/>
+          <p:cNvSpPr>
+            <a:spLocks noGrp="1"/>
+          </p:cNvSpPr>
+          <p:nvPr>
+            <p:ph type="title"/>
+          </p:nvPr>
+        </p:nvSpPr>
+        <p:spPr/>
+        <p:txBody>
+          <a:bodyPr rtlCol="0">
+            <a:normAutofit/>
+          </a:bodyPr>
+          <a:lstStyle/>
+          <a:p>
+            <a:pPr rtl="0"/>
+            <a:r>
+              <a:rPr lang="ja-JP" altLang="en-US" sz="3600"/>
+              <a:t>過去作品</a:t>
+            </a:r>
+            <a:endParaRPr lang="en-US" altLang="ja-JP" sz="3600">
               <a:latin typeface="Meiryo UI" panose="020B0604030504040204" pitchFamily="50" charset="-128"/>
               <a:ea typeface="Meiryo UI" panose="020B0604030504040204" pitchFamily="50" charset="-128"/>
             </a:endParaRPr>
@@ -34591,291 +37175,7 @@
     </p:spTree>
     <p:extLst>
       <p:ext uri="{BB962C8B-B14F-4D97-AF65-F5344CB8AC3E}">
-        <p14:creationId xmlns:p14="http://schemas.microsoft.com/office/powerpoint/2010/main" val="1448982418"/>
-      </p:ext>
-    </p:extLst>
-  </p:cSld>
-  <p:clrMapOvr>
-    <a:masterClrMapping/>
-  </p:clrMapOvr>
-  <mc:AlternateContent xmlns:mc="http://schemas.openxmlformats.org/markup-compatibility/2006" xmlns:p14="http://schemas.microsoft.com/office/powerpoint/2010/main">
-    <mc:Choice Requires="p14">
-      <p:transition spd="med" p14:dur="700">
-        <p:fade/>
-      </p:transition>
-    </mc:Choice>
-    <mc:Fallback xmlns="">
-      <p:transition spd="med">
-        <p:fade/>
-      </p:transition>
-    </mc:Fallback>
-  </mc:AlternateContent>
-</p:sld>
-</file>
-
-<file path=ppt/slides/slide7.xml><?xml version="1.0" encoding="utf-8"?>
-<p:sld xmlns:a="http://schemas.openxmlformats.org/drawingml/2006/main" xmlns:r="http://schemas.openxmlformats.org/officeDocument/2006/relationships" xmlns:p="http://schemas.openxmlformats.org/presentationml/2006/main">
-  <p:cSld>
-    <p:spTree>
-      <p:nvGrpSpPr>
-        <p:cNvPr id="1" name=""/>
-        <p:cNvGrpSpPr/>
-        <p:nvPr/>
-      </p:nvGrpSpPr>
-      <p:grpSpPr>
-        <a:xfrm>
-          <a:off x="0" y="0"/>
-          <a:ext cx="0" cy="0"/>
-          <a:chOff x="0" y="0"/>
-          <a:chExt cx="0" cy="0"/>
-        </a:xfrm>
-      </p:grpSpPr>
-      <p:sp>
-        <p:nvSpPr>
-          <p:cNvPr id="2" name="タイトル 1"/>
-          <p:cNvSpPr>
-            <a:spLocks noGrp="1"/>
-          </p:cNvSpPr>
-          <p:nvPr>
-            <p:ph type="title"/>
-          </p:nvPr>
-        </p:nvSpPr>
-        <p:spPr/>
-        <p:txBody>
-          <a:bodyPr rtlCol="0">
-            <a:normAutofit/>
-          </a:bodyPr>
-          <a:lstStyle/>
-          <a:p>
-            <a:pPr rtl="0"/>
-            <a:r>
-              <a:rPr lang="ja-JP" altLang="en-US" sz="3600" dirty="0">
-                <a:latin typeface="Meiryo UI" panose="020B0604030504040204" pitchFamily="50" charset="-128"/>
-                <a:ea typeface="Meiryo UI" panose="020B0604030504040204" pitchFamily="50" charset="-128"/>
-              </a:rPr>
-              <a:t>システム構成</a:t>
-            </a:r>
-            <a:endParaRPr lang="en-US" altLang="ja-JP" sz="3600" dirty="0">
-              <a:latin typeface="Meiryo UI" panose="020B0604030504040204" pitchFamily="50" charset="-128"/>
-              <a:ea typeface="Meiryo UI" panose="020B0604030504040204" pitchFamily="50" charset="-128"/>
-            </a:endParaRPr>
-          </a:p>
-        </p:txBody>
-      </p:sp>
-      <p:sp>
-        <p:nvSpPr>
-          <p:cNvPr id="5" name="テキスト ボックス 4">
-            <a:extLst>
-              <a:ext uri="{FF2B5EF4-FFF2-40B4-BE49-F238E27FC236}">
-                <a16:creationId xmlns:a16="http://schemas.microsoft.com/office/drawing/2014/main" id="{3C8726CA-00BD-4A96-8D8C-0A6DE8421FF1}"/>
-              </a:ext>
-            </a:extLst>
-          </p:cNvPr>
-          <p:cNvSpPr txBox="1"/>
-          <p:nvPr/>
-        </p:nvSpPr>
-        <p:spPr>
-          <a:xfrm>
-            <a:off x="4279692" y="1986197"/>
-            <a:ext cx="3147934" cy="369332"/>
-          </a:xfrm>
-          <a:prstGeom prst="rect">
-            <a:avLst/>
-          </a:prstGeom>
-          <a:noFill/>
-        </p:spPr>
-        <p:txBody>
-          <a:bodyPr wrap="square" rtlCol="0">
-            <a:spAutoFit/>
-          </a:bodyPr>
-          <a:lstStyle/>
-          <a:p>
-            <a:r>
-              <a:rPr kumimoji="1" lang="ja-JP" altLang="en-US" dirty="0"/>
-              <a:t>ロボット簡易モデル</a:t>
-            </a:r>
-            <a:endParaRPr kumimoji="1" lang="en-US" altLang="ja-JP" dirty="0"/>
-          </a:p>
-        </p:txBody>
-      </p:sp>
-      <p:sp>
-        <p:nvSpPr>
-          <p:cNvPr id="7" name="テキスト ボックス 6">
-            <a:extLst>
-              <a:ext uri="{FF2B5EF4-FFF2-40B4-BE49-F238E27FC236}">
-                <a16:creationId xmlns:a16="http://schemas.microsoft.com/office/drawing/2014/main" id="{38192658-CD0B-4D6E-969C-5DB0F431CD08}"/>
-              </a:ext>
-            </a:extLst>
-          </p:cNvPr>
-          <p:cNvSpPr txBox="1"/>
-          <p:nvPr/>
-        </p:nvSpPr>
-        <p:spPr>
-          <a:xfrm>
-            <a:off x="2610787" y="3607633"/>
-            <a:ext cx="3147934" cy="369332"/>
-          </a:xfrm>
-          <a:prstGeom prst="rect">
-            <a:avLst/>
-          </a:prstGeom>
-          <a:noFill/>
-        </p:spPr>
-        <p:txBody>
-          <a:bodyPr wrap="square" rtlCol="0">
-            <a:spAutoFit/>
-          </a:bodyPr>
-          <a:lstStyle/>
-          <a:p>
-            <a:r>
-              <a:rPr kumimoji="1" lang="ja-JP" altLang="en-US" dirty="0"/>
-              <a:t>モバイルアプリ　簡易絵</a:t>
-            </a:r>
-            <a:endParaRPr kumimoji="1" lang="en-US" altLang="ja-JP" dirty="0"/>
-          </a:p>
-        </p:txBody>
-      </p:sp>
-      <p:sp>
-        <p:nvSpPr>
-          <p:cNvPr id="8" name="テキスト ボックス 7">
-            <a:extLst>
-              <a:ext uri="{FF2B5EF4-FFF2-40B4-BE49-F238E27FC236}">
-                <a16:creationId xmlns:a16="http://schemas.microsoft.com/office/drawing/2014/main" id="{E558283A-E12C-4EBD-8360-4D157038214C}"/>
-              </a:ext>
-            </a:extLst>
-          </p:cNvPr>
-          <p:cNvSpPr txBox="1"/>
-          <p:nvPr/>
-        </p:nvSpPr>
-        <p:spPr>
-          <a:xfrm>
-            <a:off x="7748666" y="3607633"/>
-            <a:ext cx="3147934" cy="369332"/>
-          </a:xfrm>
-          <a:prstGeom prst="rect">
-            <a:avLst/>
-          </a:prstGeom>
-          <a:noFill/>
-        </p:spPr>
-        <p:txBody>
-          <a:bodyPr wrap="square" rtlCol="0">
-            <a:spAutoFit/>
-          </a:bodyPr>
-          <a:lstStyle/>
-          <a:p>
-            <a:r>
-              <a:rPr kumimoji="1" lang="ja-JP" altLang="en-US" dirty="0"/>
-              <a:t>基準局</a:t>
-            </a:r>
-            <a:endParaRPr kumimoji="1" lang="en-US" altLang="ja-JP" dirty="0"/>
-          </a:p>
-        </p:txBody>
-      </p:sp>
-    </p:spTree>
-    <p:extLst>
-      <p:ext uri="{BB962C8B-B14F-4D97-AF65-F5344CB8AC3E}">
-        <p14:creationId xmlns:p14="http://schemas.microsoft.com/office/powerpoint/2010/main" val="908953224"/>
-      </p:ext>
-    </p:extLst>
-  </p:cSld>
-  <p:clrMapOvr>
-    <a:masterClrMapping/>
-  </p:clrMapOvr>
-  <mc:AlternateContent xmlns:mc="http://schemas.openxmlformats.org/markup-compatibility/2006" xmlns:p14="http://schemas.microsoft.com/office/powerpoint/2010/main">
-    <mc:Choice Requires="p14">
-      <p:transition spd="med" p14:dur="700">
-        <p:fade/>
-      </p:transition>
-    </mc:Choice>
-    <mc:Fallback xmlns="">
-      <p:transition spd="med">
-        <p:fade/>
-      </p:transition>
-    </mc:Fallback>
-  </mc:AlternateContent>
-</p:sld>
-</file>
-
-<file path=ppt/slides/slide8.xml><?xml version="1.0" encoding="utf-8"?>
-<p:sld xmlns:a="http://schemas.openxmlformats.org/drawingml/2006/main" xmlns:r="http://schemas.openxmlformats.org/officeDocument/2006/relationships" xmlns:p="http://schemas.openxmlformats.org/presentationml/2006/main">
-  <p:cSld>
-    <p:spTree>
-      <p:nvGrpSpPr>
-        <p:cNvPr id="1" name=""/>
-        <p:cNvGrpSpPr/>
-        <p:nvPr/>
-      </p:nvGrpSpPr>
-      <p:grpSpPr>
-        <a:xfrm>
-          <a:off x="0" y="0"/>
-          <a:ext cx="0" cy="0"/>
-          <a:chOff x="0" y="0"/>
-          <a:chExt cx="0" cy="0"/>
-        </a:xfrm>
-      </p:grpSpPr>
-      <p:sp>
-        <p:nvSpPr>
-          <p:cNvPr id="2" name="タイトル 1"/>
-          <p:cNvSpPr>
-            <a:spLocks noGrp="1"/>
-          </p:cNvSpPr>
-          <p:nvPr>
-            <p:ph type="title"/>
-          </p:nvPr>
-        </p:nvSpPr>
-        <p:spPr/>
-        <p:txBody>
-          <a:bodyPr rtlCol="0">
-            <a:normAutofit/>
-          </a:bodyPr>
-          <a:lstStyle/>
-          <a:p>
-            <a:pPr rtl="0"/>
-            <a:r>
-              <a:rPr lang="ja-JP" altLang="en-US" sz="3600" dirty="0">
-                <a:latin typeface="Meiryo UI" panose="020B0604030504040204" pitchFamily="50" charset="-128"/>
-                <a:ea typeface="Meiryo UI" panose="020B0604030504040204" pitchFamily="50" charset="-128"/>
-              </a:rPr>
-              <a:t>システム構成</a:t>
-            </a:r>
-            <a:endParaRPr lang="en-US" altLang="ja-JP" sz="3600" dirty="0">
-              <a:latin typeface="Meiryo UI" panose="020B0604030504040204" pitchFamily="50" charset="-128"/>
-              <a:ea typeface="Meiryo UI" panose="020B0604030504040204" pitchFamily="50" charset="-128"/>
-            </a:endParaRPr>
-          </a:p>
-        </p:txBody>
-      </p:sp>
-      <p:pic>
-        <p:nvPicPr>
-          <p:cNvPr id="6" name="コンテンツ プレースホルダー 5">
-            <a:extLst>
-              <a:ext uri="{FF2B5EF4-FFF2-40B4-BE49-F238E27FC236}">
-                <a16:creationId xmlns:a16="http://schemas.microsoft.com/office/drawing/2014/main" id="{78894B72-DA0E-45DC-AF66-B9160FF9DD1F}"/>
-              </a:ext>
-            </a:extLst>
-          </p:cNvPr>
-          <p:cNvPicPr>
-            <a:picLocks noGrp="1" noChangeAspect="1"/>
-          </p:cNvPicPr>
-          <p:nvPr>
-            <p:ph sz="half" idx="2"/>
-          </p:nvPr>
-        </p:nvPicPr>
-        <p:blipFill>
-          <a:blip r:embed="rId3"/>
-          <a:srcRect/>
-          <a:stretch/>
-        </p:blipFill>
-        <p:spPr>
-          <a:xfrm>
-            <a:off x="2671763" y="1646238"/>
-            <a:ext cx="6848473" cy="4775821"/>
-          </a:xfrm>
-        </p:spPr>
-      </p:pic>
-    </p:spTree>
-    <p:extLst>
-      <p:ext uri="{BB962C8B-B14F-4D97-AF65-F5344CB8AC3E}">
-        <p14:creationId xmlns:p14="http://schemas.microsoft.com/office/powerpoint/2010/main" val="1488193002"/>
+        <p14:creationId xmlns:p14="http://schemas.microsoft.com/office/powerpoint/2010/main" val="3367843482"/>
       </p:ext>
     </p:extLst>
   </p:cSld>
@@ -34933,52 +37233,287 @@
           <a:p>
             <a:pPr rtl="0"/>
             <a:r>
-              <a:rPr lang="ja-JP" altLang="en-US" sz="3600" dirty="0">
+              <a:rPr lang="ja-JP" altLang="en-US" sz="3600">
                 <a:latin typeface="Meiryo UI" panose="020B0604030504040204" pitchFamily="50" charset="-128"/>
                 <a:ea typeface="Meiryo UI" panose="020B0604030504040204" pitchFamily="50" charset="-128"/>
               </a:rPr>
-              <a:t>ハードウェア</a:t>
+              <a:t>システム構成</a:t>
             </a:r>
-            <a:endParaRPr lang="en-US" altLang="ja-JP" sz="3600" dirty="0">
+            <a:endParaRPr lang="en-US" altLang="ja-JP" sz="3600">
               <a:latin typeface="Meiryo UI" panose="020B0604030504040204" pitchFamily="50" charset="-128"/>
               <a:ea typeface="Meiryo UI" panose="020B0604030504040204" pitchFamily="50" charset="-128"/>
             </a:endParaRPr>
           </a:p>
         </p:txBody>
       </p:sp>
+      <p:pic>
+        <p:nvPicPr>
+          <p:cNvPr id="4" name="図 3">
+            <a:extLst>
+              <a:ext uri="{FF2B5EF4-FFF2-40B4-BE49-F238E27FC236}">
+                <a16:creationId xmlns:a16="http://schemas.microsoft.com/office/drawing/2014/main" id="{6EC97C10-803D-40FB-8432-5EC67F4F288F}"/>
+              </a:ext>
+            </a:extLst>
+          </p:cNvPr>
+          <p:cNvPicPr>
+            <a:picLocks noChangeAspect="1"/>
+          </p:cNvPicPr>
+          <p:nvPr/>
+        </p:nvPicPr>
+        <p:blipFill rotWithShape="1">
+          <a:blip r:embed="rId3"/>
+          <a:srcRect l="27536" t="27737" r="29051" b="17177"/>
+          <a:stretch/>
+        </p:blipFill>
+        <p:spPr>
+          <a:xfrm>
+            <a:off x="2721311" y="1979065"/>
+            <a:ext cx="1874006" cy="1337563"/>
+          </a:xfrm>
+          <a:prstGeom prst="rect">
+            <a:avLst/>
+          </a:prstGeom>
+        </p:spPr>
+      </p:pic>
+      <p:pic>
+        <p:nvPicPr>
+          <p:cNvPr id="10" name="図 9" descr="部屋, ウィンドウ が含まれている画像&#10;&#10;自動的に生成された説明">
+            <a:extLst>
+              <a:ext uri="{FF2B5EF4-FFF2-40B4-BE49-F238E27FC236}">
+                <a16:creationId xmlns:a16="http://schemas.microsoft.com/office/drawing/2014/main" id="{93A246BD-1302-4B9A-AD24-97FBA06CD834}"/>
+              </a:ext>
+            </a:extLst>
+          </p:cNvPr>
+          <p:cNvPicPr>
+            <a:picLocks noChangeAspect="1"/>
+          </p:cNvPicPr>
+          <p:nvPr/>
+        </p:nvPicPr>
+        <p:blipFill>
+          <a:blip r:embed="rId4"/>
+          <a:stretch>
+            <a:fillRect/>
+          </a:stretch>
+        </p:blipFill>
+        <p:spPr>
+          <a:xfrm flipH="1">
+            <a:off x="3027219" y="4116228"/>
+            <a:ext cx="1411548" cy="1620141"/>
+          </a:xfrm>
+          <a:prstGeom prst="rect">
+            <a:avLst/>
+          </a:prstGeom>
+        </p:spPr>
+      </p:pic>
+      <p:pic>
+        <p:nvPicPr>
+          <p:cNvPr id="12" name="図 11" descr="黒い背景と白い文字のロゴ&#10;&#10;中程度の精度で自動的に生成された説明">
+            <a:extLst>
+              <a:ext uri="{FF2B5EF4-FFF2-40B4-BE49-F238E27FC236}">
+                <a16:creationId xmlns:a16="http://schemas.microsoft.com/office/drawing/2014/main" id="{AD2DBE94-6406-47F1-ADEC-7FD84C22E245}"/>
+              </a:ext>
+            </a:extLst>
+          </p:cNvPr>
+          <p:cNvPicPr>
+            <a:picLocks noChangeAspect="1"/>
+          </p:cNvPicPr>
+          <p:nvPr/>
+        </p:nvPicPr>
+        <p:blipFill>
+          <a:blip r:embed="rId5"/>
+          <a:stretch>
+            <a:fillRect/>
+          </a:stretch>
+        </p:blipFill>
+        <p:spPr>
+          <a:xfrm>
+            <a:off x="7691980" y="4211885"/>
+            <a:ext cx="1524484" cy="1524484"/>
+          </a:xfrm>
+          <a:prstGeom prst="rect">
+            <a:avLst/>
+          </a:prstGeom>
+        </p:spPr>
+      </p:pic>
+      <p:pic>
+        <p:nvPicPr>
+          <p:cNvPr id="14" name="図 13" descr="文字が書かれている&#10;&#10;低い精度で自動的に生成された説明">
+            <a:extLst>
+              <a:ext uri="{FF2B5EF4-FFF2-40B4-BE49-F238E27FC236}">
+                <a16:creationId xmlns:a16="http://schemas.microsoft.com/office/drawing/2014/main" id="{C6414A8D-113B-48F9-A282-2E187B18CABE}"/>
+              </a:ext>
+            </a:extLst>
+          </p:cNvPr>
+          <p:cNvPicPr>
+            <a:picLocks noChangeAspect="1"/>
+          </p:cNvPicPr>
+          <p:nvPr/>
+        </p:nvPicPr>
+        <p:blipFill>
+          <a:blip r:embed="rId6"/>
+          <a:stretch>
+            <a:fillRect/>
+          </a:stretch>
+        </p:blipFill>
+        <p:spPr>
+          <a:xfrm>
+            <a:off x="7596684" y="2075130"/>
+            <a:ext cx="2147133" cy="1142385"/>
+          </a:xfrm>
+          <a:prstGeom prst="rect">
+            <a:avLst/>
+          </a:prstGeom>
+        </p:spPr>
+      </p:pic>
       <p:sp>
         <p:nvSpPr>
-          <p:cNvPr id="4" name="コンテンツ プレースホルダー 3"/>
-          <p:cNvSpPr>
-            <a:spLocks noGrp="1"/>
-          </p:cNvSpPr>
-          <p:nvPr>
-            <p:ph sz="half" idx="2"/>
-          </p:nvPr>
+          <p:cNvPr id="17" name="テキスト ボックス 16">
+            <a:extLst>
+              <a:ext uri="{FF2B5EF4-FFF2-40B4-BE49-F238E27FC236}">
+                <a16:creationId xmlns:a16="http://schemas.microsoft.com/office/drawing/2014/main" id="{20F81D25-F4F0-4B21-813F-CF2DB654C80C}"/>
+              </a:ext>
+            </a:extLst>
+          </p:cNvPr>
+          <p:cNvSpPr txBox="1"/>
+          <p:nvPr/>
         </p:nvSpPr>
         <p:spPr>
           <a:xfrm>
-            <a:off x="983810" y="2198697"/>
-            <a:ext cx="9961879" cy="3113608"/>
+            <a:off x="7909309" y="5736369"/>
+            <a:ext cx="1089827" cy="400110"/>
           </a:xfrm>
+          <a:prstGeom prst="rect">
+            <a:avLst/>
+          </a:prstGeom>
+          <a:noFill/>
         </p:spPr>
         <p:txBody>
-          <a:bodyPr rtlCol="0">
-            <a:normAutofit/>
+          <a:bodyPr wrap="square" rtlCol="0">
+            <a:spAutoFit/>
           </a:bodyPr>
           <a:lstStyle/>
           <a:p>
+            <a:pPr algn="ctr"/>
             <a:r>
-              <a:rPr lang="ja-JP" altLang="en-US" sz="2600" dirty="0"/>
-              <a:t>簡易モデル</a:t>
+              <a:rPr kumimoji="1" lang="ja-JP" altLang="en-US" sz="2000" dirty="0"/>
+              <a:t>基準局</a:t>
             </a:r>
+          </a:p>
+        </p:txBody>
+      </p:sp>
+      <p:sp>
+        <p:nvSpPr>
+          <p:cNvPr id="26" name="テキスト ボックス 25">
+            <a:extLst>
+              <a:ext uri="{FF2B5EF4-FFF2-40B4-BE49-F238E27FC236}">
+                <a16:creationId xmlns:a16="http://schemas.microsoft.com/office/drawing/2014/main" id="{CBF109C6-FB7D-4AD1-820F-CA24EAC22525}"/>
+              </a:ext>
+            </a:extLst>
+          </p:cNvPr>
+          <p:cNvSpPr txBox="1"/>
+          <p:nvPr/>
+        </p:nvSpPr>
+        <p:spPr>
+          <a:xfrm>
+            <a:off x="3027219" y="3383686"/>
+            <a:ext cx="1262189" cy="400110"/>
+          </a:xfrm>
+          <a:prstGeom prst="rect">
+            <a:avLst/>
+          </a:prstGeom>
+          <a:noFill/>
+        </p:spPr>
+        <p:txBody>
+          <a:bodyPr wrap="square" rtlCol="0">
+            <a:spAutoFit/>
+          </a:bodyPr>
+          <a:lstStyle/>
+          <a:p>
+            <a:pPr algn="ctr"/>
+            <a:r>
+              <a:rPr kumimoji="1" lang="ja-JP" altLang="en-US" sz="2000" dirty="0"/>
+              <a:t>ローバー</a:t>
+            </a:r>
+          </a:p>
+        </p:txBody>
+      </p:sp>
+      <p:sp>
+        <p:nvSpPr>
+          <p:cNvPr id="27" name="テキスト ボックス 26">
+            <a:extLst>
+              <a:ext uri="{FF2B5EF4-FFF2-40B4-BE49-F238E27FC236}">
+                <a16:creationId xmlns:a16="http://schemas.microsoft.com/office/drawing/2014/main" id="{3C73D0C5-271E-447E-BF6D-347BC88DDE45}"/>
+              </a:ext>
+            </a:extLst>
+          </p:cNvPr>
+          <p:cNvSpPr txBox="1"/>
+          <p:nvPr/>
+        </p:nvSpPr>
+        <p:spPr>
+          <a:xfrm>
+            <a:off x="2372893" y="5736369"/>
+            <a:ext cx="2570839" cy="400110"/>
+          </a:xfrm>
+          <a:prstGeom prst="rect">
+            <a:avLst/>
+          </a:prstGeom>
+          <a:noFill/>
+        </p:spPr>
+        <p:txBody>
+          <a:bodyPr wrap="square" rtlCol="0">
+            <a:spAutoFit/>
+          </a:bodyPr>
+          <a:lstStyle/>
+          <a:p>
+            <a:pPr algn="ctr"/>
+            <a:r>
+              <a:rPr kumimoji="1" lang="ja-JP" altLang="en-US" sz="2000" dirty="0"/>
+              <a:t>クライアントアプリ</a:t>
+            </a:r>
+          </a:p>
+        </p:txBody>
+      </p:sp>
+      <p:sp>
+        <p:nvSpPr>
+          <p:cNvPr id="28" name="テキスト ボックス 27">
+            <a:extLst>
+              <a:ext uri="{FF2B5EF4-FFF2-40B4-BE49-F238E27FC236}">
+                <a16:creationId xmlns:a16="http://schemas.microsoft.com/office/drawing/2014/main" id="{7CFFFD1E-940D-4DA6-B2E1-077A655EDFEA}"/>
+              </a:ext>
+            </a:extLst>
+          </p:cNvPr>
+          <p:cNvSpPr txBox="1"/>
+          <p:nvPr/>
+        </p:nvSpPr>
+        <p:spPr>
+          <a:xfrm>
+            <a:off x="7909309" y="3383686"/>
+            <a:ext cx="1262189" cy="400110"/>
+          </a:xfrm>
+          <a:prstGeom prst="rect">
+            <a:avLst/>
+          </a:prstGeom>
+          <a:noFill/>
+        </p:spPr>
+        <p:txBody>
+          <a:bodyPr wrap="square" rtlCol="0">
+            <a:spAutoFit/>
+          </a:bodyPr>
+          <a:lstStyle/>
+          <a:p>
+            <a:pPr algn="ctr"/>
+            <a:r>
+              <a:rPr kumimoji="1" lang="en-US" altLang="ja-JP" sz="2000" dirty="0"/>
+              <a:t>RTK2go</a:t>
+            </a:r>
+            <a:endParaRPr kumimoji="1" lang="ja-JP" altLang="en-US" sz="2000" dirty="0"/>
           </a:p>
         </p:txBody>
       </p:sp>
     </p:spTree>
     <p:extLst>
       <p:ext uri="{BB962C8B-B14F-4D97-AF65-F5344CB8AC3E}">
-        <p14:creationId xmlns:p14="http://schemas.microsoft.com/office/powerpoint/2010/main" val="979995164"/>
+        <p14:creationId xmlns:p14="http://schemas.microsoft.com/office/powerpoint/2010/main" val="908953224"/>
       </p:ext>
     </p:extLst>
   </p:cSld>
@@ -35774,15 +38309,6 @@
 </file>
 
 <file path=customXml/item2.xml><?xml version="1.0" encoding="utf-8"?>
-<?mso-contentType ?>
-<FormTemplates xmlns="http://schemas.microsoft.com/sharepoint/v3/contenttype/forms">
-  <Display>DocumentLibraryForm</Display>
-  <Edit>DocumentLibraryForm</Edit>
-  <New>DocumentLibraryForm</New>
-</FormTemplates>
-</file>
-
-<file path=customXml/item3.xml><?xml version="1.0" encoding="utf-8"?>
 <ct:contentTypeSchema xmlns:ct="http://schemas.microsoft.com/office/2006/metadata/contentType" xmlns:ma="http://schemas.microsoft.com/office/2006/metadata/properties/metaAttributes" ct:_="" ma:_="" ma:contentTypeName="ドキュメント" ma:contentTypeID="0x0101002F461D271685004885C52389A49E20ED" ma:contentTypeVersion="7" ma:contentTypeDescription="新しいドキュメントを作成します。" ma:contentTypeScope="" ma:versionID="e2bc898f5b5751d22fd75c0cce71b4da">
   <xsd:schema xmlns:xsd="http://www.w3.org/2001/XMLSchema" xmlns:xs="http://www.w3.org/2001/XMLSchema" xmlns:p="http://schemas.microsoft.com/office/2006/metadata/properties" xmlns:ns3="a525e278-d6b3-4a74-a382-1bfa10b10144" targetNamespace="http://schemas.microsoft.com/office/2006/metadata/properties" ma:root="true" ma:fieldsID="b8b4b32e9e2e89b79a50b95ec26e0004" ns3:_="">
     <xsd:import namespace="a525e278-d6b3-4a74-a382-1bfa10b10144"/>
@@ -35946,6 +38472,15 @@
 </ct:contentTypeSchema>
 </file>
 
+<file path=customXml/item3.xml><?xml version="1.0" encoding="utf-8"?>
+<?mso-contentType ?>
+<FormTemplates xmlns="http://schemas.microsoft.com/sharepoint/v3/contenttype/forms">
+  <Display>DocumentLibraryForm</Display>
+  <Edit>DocumentLibraryForm</Edit>
+  <New>DocumentLibraryForm</New>
+</FormTemplates>
+</file>
+
 <file path=customXml/itemProps1.xml><?xml version="1.0" encoding="utf-8"?>
 <ds:datastoreItem xmlns:ds="http://schemas.openxmlformats.org/officeDocument/2006/customXml" ds:itemID="{2ED6A019-0FD9-4F16-9F77-77F2EBA30C71}">
   <ds:schemaRefs>
@@ -35956,14 +38491,6 @@
 </file>
 
 <file path=customXml/itemProps2.xml><?xml version="1.0" encoding="utf-8"?>
-<ds:datastoreItem xmlns:ds="http://schemas.openxmlformats.org/officeDocument/2006/customXml" ds:itemID="{F3324733-568D-465F-B13C-18DCABB44F81}">
-  <ds:schemaRefs>
-    <ds:schemaRef ds:uri="http://schemas.microsoft.com/sharepoint/v3/contenttype/forms"/>
-  </ds:schemaRefs>
-</ds:datastoreItem>
-</file>
-
-<file path=customXml/itemProps3.xml><?xml version="1.0" encoding="utf-8"?>
 <ds:datastoreItem xmlns:ds="http://schemas.openxmlformats.org/officeDocument/2006/customXml" ds:itemID="{82F28F14-5E80-47F4-8626-85D1DD59D9A1}">
   <ds:schemaRefs>
     <ds:schemaRef ds:uri="http://schemas.microsoft.com/office/2006/metadata/contentType"/>
@@ -35979,4 +38506,12 @@
     <ds:schemaRef ds:uri="http://schemas.microsoft.com/internal/obd"/>
   </ds:schemaRefs>
 </ds:datastoreItem>
+</file>
+
+<file path=customXml/itemProps3.xml><?xml version="1.0" encoding="utf-8"?>
+<ds:datastoreItem xmlns:ds="http://schemas.openxmlformats.org/officeDocument/2006/customXml" ds:itemID="{F3324733-568D-465F-B13C-18DCABB44F81}">
+  <ds:schemaRefs>
+    <ds:schemaRef ds:uri="http://schemas.microsoft.com/sharepoint/v3/contenttype/forms"/>
+  </ds:schemaRefs>
+</ds:datastoreItem>
 </file>